--- a/images/00_post_prep/ppt_230907.pptx
+++ b/images/00_post_prep/ppt_230907.pptx
@@ -11,6 +11,9 @@
     <p:sldId id="261" r:id="rId5"/>
     <p:sldId id="257" r:id="rId6"/>
     <p:sldId id="258" r:id="rId7"/>
+    <p:sldId id="262" r:id="rId8"/>
+    <p:sldId id="264" r:id="rId9"/>
+    <p:sldId id="263" r:id="rId10"/>
   </p:sldIdLst>
   <p:sldSz cx="12192000" cy="6858000"/>
   <p:notesSz cx="6858000" cy="9144000"/>
@@ -266,7 +269,7 @@
           <a:p>
             <a:fld id="{FCFD76E8-DBDF-4EEF-BF39-62FDC92C57F2}" type="datetimeFigureOut">
               <a:rPr lang="ko-KR" altLang="en-US" smtClean="0"/>
-              <a:t>2023-09-07</a:t>
+              <a:t>2023-09-19</a:t>
             </a:fld>
             <a:endParaRPr lang="ko-KR" altLang="en-US"/>
           </a:p>
@@ -466,7 +469,7 @@
           <a:p>
             <a:fld id="{FCFD76E8-DBDF-4EEF-BF39-62FDC92C57F2}" type="datetimeFigureOut">
               <a:rPr lang="ko-KR" altLang="en-US" smtClean="0"/>
-              <a:t>2023-09-07</a:t>
+              <a:t>2023-09-19</a:t>
             </a:fld>
             <a:endParaRPr lang="ko-KR" altLang="en-US"/>
           </a:p>
@@ -676,7 +679,7 @@
           <a:p>
             <a:fld id="{FCFD76E8-DBDF-4EEF-BF39-62FDC92C57F2}" type="datetimeFigureOut">
               <a:rPr lang="ko-KR" altLang="en-US" smtClean="0"/>
-              <a:t>2023-09-07</a:t>
+              <a:t>2023-09-19</a:t>
             </a:fld>
             <a:endParaRPr lang="ko-KR" altLang="en-US"/>
           </a:p>
@@ -876,7 +879,7 @@
           <a:p>
             <a:fld id="{FCFD76E8-DBDF-4EEF-BF39-62FDC92C57F2}" type="datetimeFigureOut">
               <a:rPr lang="ko-KR" altLang="en-US" smtClean="0"/>
-              <a:t>2023-09-07</a:t>
+              <a:t>2023-09-19</a:t>
             </a:fld>
             <a:endParaRPr lang="ko-KR" altLang="en-US"/>
           </a:p>
@@ -1152,7 +1155,7 @@
           <a:p>
             <a:fld id="{FCFD76E8-DBDF-4EEF-BF39-62FDC92C57F2}" type="datetimeFigureOut">
               <a:rPr lang="ko-KR" altLang="en-US" smtClean="0"/>
-              <a:t>2023-09-07</a:t>
+              <a:t>2023-09-19</a:t>
             </a:fld>
             <a:endParaRPr lang="ko-KR" altLang="en-US"/>
           </a:p>
@@ -1420,7 +1423,7 @@
           <a:p>
             <a:fld id="{FCFD76E8-DBDF-4EEF-BF39-62FDC92C57F2}" type="datetimeFigureOut">
               <a:rPr lang="ko-KR" altLang="en-US" smtClean="0"/>
-              <a:t>2023-09-07</a:t>
+              <a:t>2023-09-19</a:t>
             </a:fld>
             <a:endParaRPr lang="ko-KR" altLang="en-US"/>
           </a:p>
@@ -1835,7 +1838,7 @@
           <a:p>
             <a:fld id="{FCFD76E8-DBDF-4EEF-BF39-62FDC92C57F2}" type="datetimeFigureOut">
               <a:rPr lang="ko-KR" altLang="en-US" smtClean="0"/>
-              <a:t>2023-09-07</a:t>
+              <a:t>2023-09-19</a:t>
             </a:fld>
             <a:endParaRPr lang="ko-KR" altLang="en-US"/>
           </a:p>
@@ -1977,7 +1980,7 @@
           <a:p>
             <a:fld id="{FCFD76E8-DBDF-4EEF-BF39-62FDC92C57F2}" type="datetimeFigureOut">
               <a:rPr lang="ko-KR" altLang="en-US" smtClean="0"/>
-              <a:t>2023-09-07</a:t>
+              <a:t>2023-09-19</a:t>
             </a:fld>
             <a:endParaRPr lang="ko-KR" altLang="en-US"/>
           </a:p>
@@ -2090,7 +2093,7 @@
           <a:p>
             <a:fld id="{FCFD76E8-DBDF-4EEF-BF39-62FDC92C57F2}" type="datetimeFigureOut">
               <a:rPr lang="ko-KR" altLang="en-US" smtClean="0"/>
-              <a:t>2023-09-07</a:t>
+              <a:t>2023-09-19</a:t>
             </a:fld>
             <a:endParaRPr lang="ko-KR" altLang="en-US"/>
           </a:p>
@@ -2403,7 +2406,7 @@
           <a:p>
             <a:fld id="{FCFD76E8-DBDF-4EEF-BF39-62FDC92C57F2}" type="datetimeFigureOut">
               <a:rPr lang="ko-KR" altLang="en-US" smtClean="0"/>
-              <a:t>2023-09-07</a:t>
+              <a:t>2023-09-19</a:t>
             </a:fld>
             <a:endParaRPr lang="ko-KR" altLang="en-US"/>
           </a:p>
@@ -2692,7 +2695,7 @@
           <a:p>
             <a:fld id="{FCFD76E8-DBDF-4EEF-BF39-62FDC92C57F2}" type="datetimeFigureOut">
               <a:rPr lang="ko-KR" altLang="en-US" smtClean="0"/>
-              <a:t>2023-09-07</a:t>
+              <a:t>2023-09-19</a:t>
             </a:fld>
             <a:endParaRPr lang="ko-KR" altLang="en-US"/>
           </a:p>
@@ -2935,7 +2938,7 @@
           <a:p>
             <a:fld id="{FCFD76E8-DBDF-4EEF-BF39-62FDC92C57F2}" type="datetimeFigureOut">
               <a:rPr lang="ko-KR" altLang="en-US" smtClean="0"/>
-              <a:t>2023-09-07</a:t>
+              <a:t>2023-09-19</a:t>
             </a:fld>
             <a:endParaRPr lang="ko-KR" altLang="en-US"/>
           </a:p>
@@ -7353,6 +7356,548 @@
 </p:sld>
 </file>
 
+<file path=ppt/slides/slide7.xml><?xml version="1.0" encoding="utf-8"?>
+<p:sld xmlns:a="http://schemas.openxmlformats.org/drawingml/2006/main" xmlns:r="http://schemas.openxmlformats.org/officeDocument/2006/relationships" xmlns:p="http://schemas.openxmlformats.org/presentationml/2006/main">
+  <p:cSld>
+    <p:spTree>
+      <p:nvGrpSpPr>
+        <p:cNvPr id="1" name=""/>
+        <p:cNvGrpSpPr/>
+        <p:nvPr/>
+      </p:nvGrpSpPr>
+      <p:grpSpPr>
+        <a:xfrm>
+          <a:off x="0" y="0"/>
+          <a:ext cx="0" cy="0"/>
+          <a:chOff x="0" y="0"/>
+          <a:chExt cx="0" cy="0"/>
+        </a:xfrm>
+      </p:grpSpPr>
+      <p:pic>
+        <p:nvPicPr>
+          <p:cNvPr id="1026" name="Picture 2">
+            <a:extLst>
+              <a:ext uri="{FF2B5EF4-FFF2-40B4-BE49-F238E27FC236}">
+                <a16:creationId xmlns:a16="http://schemas.microsoft.com/office/drawing/2014/main" id="{3741A2DE-A4C7-E359-E86B-FB4CAF8EF235}"/>
+              </a:ext>
+            </a:extLst>
+          </p:cNvPr>
+          <p:cNvPicPr>
+            <a:picLocks noChangeAspect="1" noChangeArrowheads="1"/>
+          </p:cNvPicPr>
+          <p:nvPr/>
+        </p:nvPicPr>
+        <p:blipFill>
+          <a:blip r:embed="rId2">
+            <a:extLst>
+              <a:ext uri="{28A0092B-C50C-407E-A947-70E740481C1C}">
+                <a14:useLocalDpi xmlns:a14="http://schemas.microsoft.com/office/drawing/2010/main" val="0"/>
+              </a:ext>
+            </a:extLst>
+          </a:blip>
+          <a:srcRect/>
+          <a:stretch>
+            <a:fillRect/>
+          </a:stretch>
+        </p:blipFill>
+        <p:spPr bwMode="auto">
+          <a:xfrm>
+            <a:off x="250722" y="809280"/>
+            <a:ext cx="11690555" cy="5239439"/>
+          </a:xfrm>
+          <a:prstGeom prst="rect">
+            <a:avLst/>
+          </a:prstGeom>
+          <a:solidFill>
+            <a:schemeClr val="bg1"/>
+          </a:solidFill>
+        </p:spPr>
+      </p:pic>
+    </p:spTree>
+    <p:extLst>
+      <p:ext uri="{BB962C8B-B14F-4D97-AF65-F5344CB8AC3E}">
+        <p14:creationId xmlns:p14="http://schemas.microsoft.com/office/powerpoint/2010/main" val="3834137302"/>
+      </p:ext>
+    </p:extLst>
+  </p:cSld>
+  <p:clrMapOvr>
+    <a:masterClrMapping/>
+  </p:clrMapOvr>
+</p:sld>
+</file>
+
+<file path=ppt/slides/slide8.xml><?xml version="1.0" encoding="utf-8"?>
+<p:sld xmlns:a="http://schemas.openxmlformats.org/drawingml/2006/main" xmlns:r="http://schemas.openxmlformats.org/officeDocument/2006/relationships" xmlns:p="http://schemas.openxmlformats.org/presentationml/2006/main">
+  <p:cSld>
+    <p:spTree>
+      <p:nvGrpSpPr>
+        <p:cNvPr id="1" name=""/>
+        <p:cNvGrpSpPr/>
+        <p:nvPr/>
+      </p:nvGrpSpPr>
+      <p:grpSpPr>
+        <a:xfrm>
+          <a:off x="0" y="0"/>
+          <a:ext cx="0" cy="0"/>
+          <a:chOff x="0" y="0"/>
+          <a:chExt cx="0" cy="0"/>
+        </a:xfrm>
+      </p:grpSpPr>
+      <p:pic>
+        <p:nvPicPr>
+          <p:cNvPr id="5" name="Picture 4">
+            <a:extLst>
+              <a:ext uri="{FF2B5EF4-FFF2-40B4-BE49-F238E27FC236}">
+                <a16:creationId xmlns:a16="http://schemas.microsoft.com/office/drawing/2014/main" id="{D9F8177B-0AC8-8171-E145-D79BE502C761}"/>
+              </a:ext>
+            </a:extLst>
+          </p:cNvPr>
+          <p:cNvPicPr>
+            <a:picLocks noChangeAspect="1"/>
+          </p:cNvPicPr>
+          <p:nvPr/>
+        </p:nvPicPr>
+        <p:blipFill>
+          <a:blip r:embed="rId2"/>
+          <a:stretch>
+            <a:fillRect/>
+          </a:stretch>
+        </p:blipFill>
+        <p:spPr>
+          <a:xfrm>
+            <a:off x="3819207" y="1980998"/>
+            <a:ext cx="4553585" cy="2896004"/>
+          </a:xfrm>
+          <a:prstGeom prst="rect">
+            <a:avLst/>
+          </a:prstGeom>
+          <a:ln w="19050">
+            <a:solidFill>
+              <a:schemeClr val="tx1"/>
+            </a:solidFill>
+          </a:ln>
+        </p:spPr>
+      </p:pic>
+    </p:spTree>
+    <p:extLst>
+      <p:ext uri="{BB962C8B-B14F-4D97-AF65-F5344CB8AC3E}">
+        <p14:creationId xmlns:p14="http://schemas.microsoft.com/office/powerpoint/2010/main" val="4100260468"/>
+      </p:ext>
+    </p:extLst>
+  </p:cSld>
+  <p:clrMapOvr>
+    <a:masterClrMapping/>
+  </p:clrMapOvr>
+</p:sld>
+</file>
+
+<file path=ppt/slides/slide9.xml><?xml version="1.0" encoding="utf-8"?>
+<p:sld xmlns:a="http://schemas.openxmlformats.org/drawingml/2006/main" xmlns:r="http://schemas.openxmlformats.org/officeDocument/2006/relationships" xmlns:p="http://schemas.openxmlformats.org/presentationml/2006/main">
+  <p:cSld>
+    <p:spTree>
+      <p:nvGrpSpPr>
+        <p:cNvPr id="1" name=""/>
+        <p:cNvGrpSpPr/>
+        <p:nvPr/>
+      </p:nvGrpSpPr>
+      <p:grpSpPr>
+        <a:xfrm>
+          <a:off x="0" y="0"/>
+          <a:ext cx="0" cy="0"/>
+          <a:chOff x="0" y="0"/>
+          <a:chExt cx="0" cy="0"/>
+        </a:xfrm>
+      </p:grpSpPr>
+      <p:sp>
+        <p:nvSpPr>
+          <p:cNvPr id="24" name="Rectangle 23">
+            <a:extLst>
+              <a:ext uri="{FF2B5EF4-FFF2-40B4-BE49-F238E27FC236}">
+                <a16:creationId xmlns:a16="http://schemas.microsoft.com/office/drawing/2014/main" id="{7D3C2630-1568-2CFC-6F0C-E7AB12EE2989}"/>
+              </a:ext>
+            </a:extLst>
+          </p:cNvPr>
+          <p:cNvSpPr/>
+          <p:nvPr/>
+        </p:nvSpPr>
+        <p:spPr>
+          <a:xfrm>
+            <a:off x="112288" y="0"/>
+            <a:ext cx="12297624" cy="6807569"/>
+          </a:xfrm>
+          <a:prstGeom prst="rect">
+            <a:avLst/>
+          </a:prstGeom>
+          <a:solidFill>
+            <a:schemeClr val="bg1"/>
+          </a:solidFill>
+          <a:ln>
+            <a:noFill/>
+          </a:ln>
+        </p:spPr>
+        <p:style>
+          <a:lnRef idx="2">
+            <a:schemeClr val="accent1">
+              <a:shade val="15000"/>
+            </a:schemeClr>
+          </a:lnRef>
+          <a:fillRef idx="1">
+            <a:schemeClr val="accent1"/>
+          </a:fillRef>
+          <a:effectRef idx="0">
+            <a:schemeClr val="accent1"/>
+          </a:effectRef>
+          <a:fontRef idx="minor">
+            <a:schemeClr val="lt1"/>
+          </a:fontRef>
+        </p:style>
+        <p:txBody>
+          <a:bodyPr rtlCol="0" anchor="ctr"/>
+          <a:lstStyle/>
+          <a:p>
+            <a:pPr algn="ctr"/>
+            <a:endParaRPr lang="ko-KR" altLang="en-US"/>
+          </a:p>
+        </p:txBody>
+      </p:sp>
+      <p:grpSp>
+        <p:nvGrpSpPr>
+          <p:cNvPr id="14" name="Group 13">
+            <a:extLst>
+              <a:ext uri="{FF2B5EF4-FFF2-40B4-BE49-F238E27FC236}">
+                <a16:creationId xmlns:a16="http://schemas.microsoft.com/office/drawing/2014/main" id="{A4BE7BFA-435D-C4E4-ECAF-4A748E73F84A}"/>
+              </a:ext>
+            </a:extLst>
+          </p:cNvPr>
+          <p:cNvGrpSpPr/>
+          <p:nvPr/>
+        </p:nvGrpSpPr>
+        <p:grpSpPr>
+          <a:xfrm>
+            <a:off x="184688" y="50431"/>
+            <a:ext cx="9183329" cy="6682530"/>
+            <a:chOff x="184688" y="50431"/>
+            <a:chExt cx="9183329" cy="6682530"/>
+          </a:xfrm>
+        </p:grpSpPr>
+        <p:sp>
+          <p:nvSpPr>
+            <p:cNvPr id="12" name="Rectangle 11">
+              <a:extLst>
+                <a:ext uri="{FF2B5EF4-FFF2-40B4-BE49-F238E27FC236}">
+                  <a16:creationId xmlns:a16="http://schemas.microsoft.com/office/drawing/2014/main" id="{558E7329-6664-F486-B0CA-231D54E69ED0}"/>
+                </a:ext>
+              </a:extLst>
+            </p:cNvPr>
+            <p:cNvSpPr/>
+            <p:nvPr/>
+          </p:nvSpPr>
+          <p:spPr>
+            <a:xfrm>
+              <a:off x="184688" y="50431"/>
+              <a:ext cx="9183329" cy="3931634"/>
+            </a:xfrm>
+            <a:prstGeom prst="rect">
+              <a:avLst/>
+            </a:prstGeom>
+            <a:solidFill>
+              <a:srgbClr val="1C1C1C"/>
+            </a:solidFill>
+          </p:spPr>
+          <p:style>
+            <a:lnRef idx="2">
+              <a:schemeClr val="accent1">
+                <a:shade val="15000"/>
+              </a:schemeClr>
+            </a:lnRef>
+            <a:fillRef idx="1">
+              <a:schemeClr val="accent1"/>
+            </a:fillRef>
+            <a:effectRef idx="0">
+              <a:schemeClr val="accent1"/>
+            </a:effectRef>
+            <a:fontRef idx="minor">
+              <a:schemeClr val="lt1"/>
+            </a:fontRef>
+          </p:style>
+          <p:txBody>
+            <a:bodyPr rtlCol="0" anchor="ctr"/>
+            <a:lstStyle/>
+            <a:p>
+              <a:pPr algn="ctr"/>
+              <a:endParaRPr lang="ko-KR" altLang="en-US"/>
+            </a:p>
+          </p:txBody>
+        </p:sp>
+        <p:grpSp>
+          <p:nvGrpSpPr>
+            <p:cNvPr id="13" name="Group 12">
+              <a:extLst>
+                <a:ext uri="{FF2B5EF4-FFF2-40B4-BE49-F238E27FC236}">
+                  <a16:creationId xmlns:a16="http://schemas.microsoft.com/office/drawing/2014/main" id="{6C552E1B-1BC2-D72D-428E-652388AF4C33}"/>
+                </a:ext>
+              </a:extLst>
+            </p:cNvPr>
+            <p:cNvGrpSpPr/>
+            <p:nvPr/>
+          </p:nvGrpSpPr>
+          <p:grpSpPr>
+            <a:xfrm>
+              <a:off x="184688" y="50431"/>
+              <a:ext cx="6471751" cy="3861169"/>
+              <a:chOff x="184688" y="50431"/>
+              <a:chExt cx="6471751" cy="3861169"/>
+            </a:xfrm>
+          </p:grpSpPr>
+          <p:pic>
+            <p:nvPicPr>
+              <p:cNvPr id="5" name="Picture 4" descr="A screenshot of a computer&#10;&#10;Description automatically generated">
+                <a:extLst>
+                  <a:ext uri="{FF2B5EF4-FFF2-40B4-BE49-F238E27FC236}">
+                    <a16:creationId xmlns:a16="http://schemas.microsoft.com/office/drawing/2014/main" id="{5E9573CA-2619-AB89-8F74-E0A9C7202AF4}"/>
+                  </a:ext>
+                </a:extLst>
+              </p:cNvPr>
+              <p:cNvPicPr>
+                <a:picLocks noChangeAspect="1"/>
+              </p:cNvPicPr>
+              <p:nvPr/>
+            </p:nvPicPr>
+            <p:blipFill rotWithShape="1">
+              <a:blip r:embed="rId2"/>
+              <a:srcRect b="1380"/>
+              <a:stretch/>
+            </p:blipFill>
+            <p:spPr>
+              <a:xfrm>
+                <a:off x="184688" y="50431"/>
+                <a:ext cx="6471751" cy="3861169"/>
+              </a:xfrm>
+              <a:prstGeom prst="rect">
+                <a:avLst/>
+              </a:prstGeom>
+            </p:spPr>
+          </p:pic>
+          <p:pic>
+            <p:nvPicPr>
+              <p:cNvPr id="7" name="Picture 6" descr="A screen shot of a computer&#10;&#10;Description automatically generated">
+                <a:extLst>
+                  <a:ext uri="{FF2B5EF4-FFF2-40B4-BE49-F238E27FC236}">
+                    <a16:creationId xmlns:a16="http://schemas.microsoft.com/office/drawing/2014/main" id="{CFE9E88E-B509-44B7-0202-9C1E19BE03B3}"/>
+                  </a:ext>
+                </a:extLst>
+              </p:cNvPr>
+              <p:cNvPicPr>
+                <a:picLocks noChangeAspect="1"/>
+              </p:cNvPicPr>
+              <p:nvPr/>
+            </p:nvPicPr>
+            <p:blipFill rotWithShape="1">
+              <a:blip r:embed="rId3">
+                <a:extLst>
+                  <a:ext uri="{BEBA8EAE-BF5A-486C-A8C5-ECC9F3942E4B}">
+                    <a14:imgProps xmlns:a14="http://schemas.microsoft.com/office/drawing/2010/main">
+                      <a14:imgLayer r:embed="rId4">
+                        <a14:imgEffect>
+                          <a14:artisticBlur/>
+                        </a14:imgEffect>
+                      </a14:imgLayer>
+                    </a14:imgProps>
+                  </a:ext>
+                </a:extLst>
+              </a:blip>
+              <a:srcRect l="21164" t="44995" b="31980"/>
+              <a:stretch/>
+            </p:blipFill>
+            <p:spPr>
+              <a:xfrm>
+                <a:off x="1554382" y="1823859"/>
+                <a:ext cx="5102057" cy="901453"/>
+              </a:xfrm>
+              <a:prstGeom prst="rect">
+                <a:avLst/>
+              </a:prstGeom>
+            </p:spPr>
+          </p:pic>
+        </p:grpSp>
+        <p:pic>
+          <p:nvPicPr>
+            <p:cNvPr id="10" name="Picture 9" descr="A screen shot of a computer screen&#10;&#10;Description automatically generated">
+              <a:extLst>
+                <a:ext uri="{FF2B5EF4-FFF2-40B4-BE49-F238E27FC236}">
+                  <a16:creationId xmlns:a16="http://schemas.microsoft.com/office/drawing/2014/main" id="{FCA8C1D8-3477-6E89-1452-289D427728E4}"/>
+                </a:ext>
+              </a:extLst>
+            </p:cNvPr>
+            <p:cNvPicPr>
+              <a:picLocks noChangeAspect="1"/>
+            </p:cNvPicPr>
+            <p:nvPr/>
+          </p:nvPicPr>
+          <p:blipFill>
+            <a:blip r:embed="rId5"/>
+            <a:stretch>
+              <a:fillRect/>
+            </a:stretch>
+          </p:blipFill>
+          <p:spPr>
+            <a:xfrm>
+              <a:off x="184688" y="4132689"/>
+              <a:ext cx="9183329" cy="2600272"/>
+            </a:xfrm>
+            <a:prstGeom prst="rect">
+              <a:avLst/>
+            </a:prstGeom>
+          </p:spPr>
+        </p:pic>
+      </p:grpSp>
+      <p:pic>
+        <p:nvPicPr>
+          <p:cNvPr id="20" name="Picture 19">
+            <a:extLst>
+              <a:ext uri="{FF2B5EF4-FFF2-40B4-BE49-F238E27FC236}">
+                <a16:creationId xmlns:a16="http://schemas.microsoft.com/office/drawing/2014/main" id="{F6A4242E-7C77-8A1E-822B-F2C647EFEE63}"/>
+              </a:ext>
+            </a:extLst>
+          </p:cNvPr>
+          <p:cNvPicPr>
+            <a:picLocks noChangeAspect="1"/>
+          </p:cNvPicPr>
+          <p:nvPr/>
+        </p:nvPicPr>
+        <p:blipFill>
+          <a:blip r:embed="rId6"/>
+          <a:stretch>
+            <a:fillRect/>
+          </a:stretch>
+        </p:blipFill>
+        <p:spPr>
+          <a:xfrm>
+            <a:off x="10016125" y="2183173"/>
+            <a:ext cx="2314898" cy="3753374"/>
+          </a:xfrm>
+          <a:prstGeom prst="rect">
+            <a:avLst/>
+          </a:prstGeom>
+          <a:ln w="19050">
+            <a:solidFill>
+              <a:srgbClr val="1C1C1C"/>
+            </a:solidFill>
+          </a:ln>
+        </p:spPr>
+      </p:pic>
+      <p:sp>
+        <p:nvSpPr>
+          <p:cNvPr id="21" name="TextBox 20">
+            <a:extLst>
+              <a:ext uri="{FF2B5EF4-FFF2-40B4-BE49-F238E27FC236}">
+                <a16:creationId xmlns:a16="http://schemas.microsoft.com/office/drawing/2014/main" id="{9462B28A-4CC8-8B6E-FA18-1579BC97D304}"/>
+              </a:ext>
+            </a:extLst>
+          </p:cNvPr>
+          <p:cNvSpPr txBox="1"/>
+          <p:nvPr/>
+        </p:nvSpPr>
+        <p:spPr>
+          <a:xfrm>
+            <a:off x="9920821" y="1756932"/>
+            <a:ext cx="1407758" cy="369332"/>
+          </a:xfrm>
+          <a:prstGeom prst="rect">
+            <a:avLst/>
+          </a:prstGeom>
+          <a:noFill/>
+        </p:spPr>
+        <p:txBody>
+          <a:bodyPr wrap="none" rtlCol="0">
+            <a:spAutoFit/>
+          </a:bodyPr>
+          <a:lstStyle/>
+          <a:p>
+            <a:r>
+              <a:rPr lang="en-US" altLang="ko-KR" b="1" dirty="0" err="1">
+                <a:solidFill>
+                  <a:srgbClr val="FF0000"/>
+                </a:solidFill>
+                <a:latin typeface="Roboto" panose="02000000000000000000" pitchFamily="2" charset="0"/>
+                <a:ea typeface="Roboto" panose="02000000000000000000" pitchFamily="2" charset="0"/>
+              </a:rPr>
+              <a:t>outdir</a:t>
+            </a:r>
+            <a:r>
+              <a:rPr lang="en-US" altLang="ko-KR" b="1" dirty="0">
+                <a:solidFill>
+                  <a:srgbClr val="FF0000"/>
+                </a:solidFill>
+                <a:latin typeface="Roboto" panose="02000000000000000000" pitchFamily="2" charset="0"/>
+                <a:ea typeface="Roboto" panose="02000000000000000000" pitchFamily="2" charset="0"/>
+              </a:rPr>
+              <a:t>/read/</a:t>
+            </a:r>
+            <a:endParaRPr lang="ko-KR" altLang="en-US" b="1" dirty="0">
+              <a:solidFill>
+                <a:srgbClr val="FF0000"/>
+              </a:solidFill>
+              <a:latin typeface="Roboto" panose="02000000000000000000" pitchFamily="2" charset="0"/>
+            </a:endParaRPr>
+          </a:p>
+        </p:txBody>
+      </p:sp>
+      <p:cxnSp>
+        <p:nvCxnSpPr>
+          <p:cNvPr id="23" name="Straight Arrow Connector 22">
+            <a:extLst>
+              <a:ext uri="{FF2B5EF4-FFF2-40B4-BE49-F238E27FC236}">
+                <a16:creationId xmlns:a16="http://schemas.microsoft.com/office/drawing/2014/main" id="{8D229F16-597B-46AB-F124-B35E502B2360}"/>
+              </a:ext>
+            </a:extLst>
+          </p:cNvPr>
+          <p:cNvCxnSpPr/>
+          <p:nvPr/>
+        </p:nvCxnSpPr>
+        <p:spPr>
+          <a:xfrm>
+            <a:off x="9512300" y="4064000"/>
+            <a:ext cx="330200" cy="0"/>
+          </a:xfrm>
+          <a:prstGeom prst="straightConnector1">
+            <a:avLst/>
+          </a:prstGeom>
+          <a:ln w="38100">
+            <a:solidFill>
+              <a:srgbClr val="FF0000"/>
+            </a:solidFill>
+            <a:tailEnd type="triangle"/>
+          </a:ln>
+        </p:spPr>
+        <p:style>
+          <a:lnRef idx="1">
+            <a:schemeClr val="accent1"/>
+          </a:lnRef>
+          <a:fillRef idx="0">
+            <a:schemeClr val="accent1"/>
+          </a:fillRef>
+          <a:effectRef idx="0">
+            <a:schemeClr val="accent1"/>
+          </a:effectRef>
+          <a:fontRef idx="minor">
+            <a:schemeClr val="tx1"/>
+          </a:fontRef>
+        </p:style>
+      </p:cxnSp>
+    </p:spTree>
+    <p:extLst>
+      <p:ext uri="{BB962C8B-B14F-4D97-AF65-F5344CB8AC3E}">
+        <p14:creationId xmlns:p14="http://schemas.microsoft.com/office/powerpoint/2010/main" val="2309466490"/>
+      </p:ext>
+    </p:extLst>
+  </p:cSld>
+  <p:clrMapOvr>
+    <a:masterClrMapping/>
+  </p:clrMapOvr>
+</p:sld>
+</file>
+
 <file path=ppt/theme/theme1.xml><?xml version="1.0" encoding="utf-8"?>
 <a:theme xmlns:a="http://schemas.openxmlformats.org/drawingml/2006/main" name="Office Theme">
   <a:themeElements>

--- a/images/00_post_prep/ppt_230907.pptx
+++ b/images/00_post_prep/ppt_230907.pptx
@@ -9,11 +9,16 @@
     <p:sldId id="256" r:id="rId3"/>
     <p:sldId id="260" r:id="rId4"/>
     <p:sldId id="261" r:id="rId5"/>
-    <p:sldId id="257" r:id="rId6"/>
-    <p:sldId id="258" r:id="rId7"/>
-    <p:sldId id="262" r:id="rId8"/>
-    <p:sldId id="264" r:id="rId9"/>
-    <p:sldId id="263" r:id="rId10"/>
+    <p:sldId id="258" r:id="rId6"/>
+    <p:sldId id="257" r:id="rId7"/>
+    <p:sldId id="265" r:id="rId8"/>
+    <p:sldId id="267" r:id="rId9"/>
+    <p:sldId id="268" r:id="rId10"/>
+    <p:sldId id="269" r:id="rId11"/>
+    <p:sldId id="266" r:id="rId12"/>
+    <p:sldId id="262" r:id="rId13"/>
+    <p:sldId id="264" r:id="rId14"/>
+    <p:sldId id="263" r:id="rId15"/>
   </p:sldIdLst>
   <p:sldSz cx="12192000" cy="6858000"/>
   <p:notesSz cx="6858000" cy="9144000"/>
@@ -269,7 +274,7 @@
           <a:p>
             <a:fld id="{FCFD76E8-DBDF-4EEF-BF39-62FDC92C57F2}" type="datetimeFigureOut">
               <a:rPr lang="ko-KR" altLang="en-US" smtClean="0"/>
-              <a:t>2023-09-19</a:t>
+              <a:t>2023-09-21</a:t>
             </a:fld>
             <a:endParaRPr lang="ko-KR" altLang="en-US"/>
           </a:p>
@@ -469,7 +474,7 @@
           <a:p>
             <a:fld id="{FCFD76E8-DBDF-4EEF-BF39-62FDC92C57F2}" type="datetimeFigureOut">
               <a:rPr lang="ko-KR" altLang="en-US" smtClean="0"/>
-              <a:t>2023-09-19</a:t>
+              <a:t>2023-09-21</a:t>
             </a:fld>
             <a:endParaRPr lang="ko-KR" altLang="en-US"/>
           </a:p>
@@ -679,7 +684,7 @@
           <a:p>
             <a:fld id="{FCFD76E8-DBDF-4EEF-BF39-62FDC92C57F2}" type="datetimeFigureOut">
               <a:rPr lang="ko-KR" altLang="en-US" smtClean="0"/>
-              <a:t>2023-09-19</a:t>
+              <a:t>2023-09-21</a:t>
             </a:fld>
             <a:endParaRPr lang="ko-KR" altLang="en-US"/>
           </a:p>
@@ -879,7 +884,7 @@
           <a:p>
             <a:fld id="{FCFD76E8-DBDF-4EEF-BF39-62FDC92C57F2}" type="datetimeFigureOut">
               <a:rPr lang="ko-KR" altLang="en-US" smtClean="0"/>
-              <a:t>2023-09-19</a:t>
+              <a:t>2023-09-21</a:t>
             </a:fld>
             <a:endParaRPr lang="ko-KR" altLang="en-US"/>
           </a:p>
@@ -1155,7 +1160,7 @@
           <a:p>
             <a:fld id="{FCFD76E8-DBDF-4EEF-BF39-62FDC92C57F2}" type="datetimeFigureOut">
               <a:rPr lang="ko-KR" altLang="en-US" smtClean="0"/>
-              <a:t>2023-09-19</a:t>
+              <a:t>2023-09-21</a:t>
             </a:fld>
             <a:endParaRPr lang="ko-KR" altLang="en-US"/>
           </a:p>
@@ -1423,7 +1428,7 @@
           <a:p>
             <a:fld id="{FCFD76E8-DBDF-4EEF-BF39-62FDC92C57F2}" type="datetimeFigureOut">
               <a:rPr lang="ko-KR" altLang="en-US" smtClean="0"/>
-              <a:t>2023-09-19</a:t>
+              <a:t>2023-09-21</a:t>
             </a:fld>
             <a:endParaRPr lang="ko-KR" altLang="en-US"/>
           </a:p>
@@ -1838,7 +1843,7 @@
           <a:p>
             <a:fld id="{FCFD76E8-DBDF-4EEF-BF39-62FDC92C57F2}" type="datetimeFigureOut">
               <a:rPr lang="ko-KR" altLang="en-US" smtClean="0"/>
-              <a:t>2023-09-19</a:t>
+              <a:t>2023-09-21</a:t>
             </a:fld>
             <a:endParaRPr lang="ko-KR" altLang="en-US"/>
           </a:p>
@@ -1980,7 +1985,7 @@
           <a:p>
             <a:fld id="{FCFD76E8-DBDF-4EEF-BF39-62FDC92C57F2}" type="datetimeFigureOut">
               <a:rPr lang="ko-KR" altLang="en-US" smtClean="0"/>
-              <a:t>2023-09-19</a:t>
+              <a:t>2023-09-21</a:t>
             </a:fld>
             <a:endParaRPr lang="ko-KR" altLang="en-US"/>
           </a:p>
@@ -2093,7 +2098,7 @@
           <a:p>
             <a:fld id="{FCFD76E8-DBDF-4EEF-BF39-62FDC92C57F2}" type="datetimeFigureOut">
               <a:rPr lang="ko-KR" altLang="en-US" smtClean="0"/>
-              <a:t>2023-09-19</a:t>
+              <a:t>2023-09-21</a:t>
             </a:fld>
             <a:endParaRPr lang="ko-KR" altLang="en-US"/>
           </a:p>
@@ -2406,7 +2411,7 @@
           <a:p>
             <a:fld id="{FCFD76E8-DBDF-4EEF-BF39-62FDC92C57F2}" type="datetimeFigureOut">
               <a:rPr lang="ko-KR" altLang="en-US" smtClean="0"/>
-              <a:t>2023-09-19</a:t>
+              <a:t>2023-09-21</a:t>
             </a:fld>
             <a:endParaRPr lang="ko-KR" altLang="en-US"/>
           </a:p>
@@ -2695,7 +2700,7 @@
           <a:p>
             <a:fld id="{FCFD76E8-DBDF-4EEF-BF39-62FDC92C57F2}" type="datetimeFigureOut">
               <a:rPr lang="ko-KR" altLang="en-US" smtClean="0"/>
-              <a:t>2023-09-19</a:t>
+              <a:t>2023-09-21</a:t>
             </a:fld>
             <a:endParaRPr lang="ko-KR" altLang="en-US"/>
           </a:p>
@@ -2938,7 +2943,7 @@
           <a:p>
             <a:fld id="{FCFD76E8-DBDF-4EEF-BF39-62FDC92C57F2}" type="datetimeFigureOut">
               <a:rPr lang="ko-KR" altLang="en-US" smtClean="0"/>
-              <a:t>2023-09-19</a:t>
+              <a:t>2023-09-21</a:t>
             </a:fld>
             <a:endParaRPr lang="ko-KR" altLang="en-US"/>
           </a:p>
@@ -4153,2900 +4158,7 @@
 </p:sld>
 </file>
 
-<file path=ppt/slides/slide2.xml><?xml version="1.0" encoding="utf-8"?>
-<p:sld xmlns:a="http://schemas.openxmlformats.org/drawingml/2006/main" xmlns:r="http://schemas.openxmlformats.org/officeDocument/2006/relationships" xmlns:p="http://schemas.openxmlformats.org/presentationml/2006/main">
-  <p:cSld>
-    <p:spTree>
-      <p:nvGrpSpPr>
-        <p:cNvPr id="1" name=""/>
-        <p:cNvGrpSpPr/>
-        <p:nvPr/>
-      </p:nvGrpSpPr>
-      <p:grpSpPr>
-        <a:xfrm>
-          <a:off x="0" y="0"/>
-          <a:ext cx="0" cy="0"/>
-          <a:chOff x="0" y="0"/>
-          <a:chExt cx="0" cy="0"/>
-        </a:xfrm>
-      </p:grpSpPr>
-      <p:sp>
-        <p:nvSpPr>
-          <p:cNvPr id="2" name="TextBox 1">
-            <a:extLst>
-              <a:ext uri="{FF2B5EF4-FFF2-40B4-BE49-F238E27FC236}">
-                <a16:creationId xmlns:a16="http://schemas.microsoft.com/office/drawing/2014/main" id="{CE01F6DF-BBB9-0213-921B-10344FFD11DF}"/>
-              </a:ext>
-            </a:extLst>
-          </p:cNvPr>
-          <p:cNvSpPr txBox="1"/>
-          <p:nvPr/>
-        </p:nvSpPr>
-        <p:spPr>
-          <a:xfrm flipH="1">
-            <a:off x="7139915" y="3875152"/>
-            <a:ext cx="1465466" cy="307777"/>
-          </a:xfrm>
-          <a:prstGeom prst="rect">
-            <a:avLst/>
-          </a:prstGeom>
-          <a:noFill/>
-        </p:spPr>
-        <p:txBody>
-          <a:bodyPr wrap="none" rtlCol="0">
-            <a:spAutoFit/>
-          </a:bodyPr>
-          <a:lstStyle/>
-          <a:p>
-            <a:r>
-              <a:rPr lang="en-US" altLang="ko-KR" sz="1400" b="1" dirty="0">
-                <a:solidFill>
-                  <a:srgbClr val="FF0000"/>
-                </a:solidFill>
-                <a:latin typeface="Roboto" panose="02000000000000000000" pitchFamily="2" charset="0"/>
-                <a:ea typeface="Roboto" panose="02000000000000000000" pitchFamily="2" charset="0"/>
-              </a:rPr>
-              <a:t>1. VPN (local IP)</a:t>
-            </a:r>
-            <a:endParaRPr lang="ko-KR" altLang="en-US" sz="1400" b="1" dirty="0">
-              <a:solidFill>
-                <a:srgbClr val="FF0000"/>
-              </a:solidFill>
-              <a:latin typeface="Roboto" panose="02000000000000000000" pitchFamily="2" charset="0"/>
-            </a:endParaRPr>
-          </a:p>
-        </p:txBody>
-      </p:sp>
-      <p:pic>
-        <p:nvPicPr>
-          <p:cNvPr id="25" name="Picture 4" descr="Windows — Story">
-            <a:extLst>
-              <a:ext uri="{FF2B5EF4-FFF2-40B4-BE49-F238E27FC236}">
-                <a16:creationId xmlns:a16="http://schemas.microsoft.com/office/drawing/2014/main" id="{6697F56C-67BF-6A06-2E5E-FA36774C544D}"/>
-              </a:ext>
-            </a:extLst>
-          </p:cNvPr>
-          <p:cNvPicPr>
-            <a:picLocks noChangeAspect="1" noChangeArrowheads="1"/>
-          </p:cNvPicPr>
-          <p:nvPr/>
-        </p:nvPicPr>
-        <p:blipFill rotWithShape="1">
-          <a:blip r:embed="rId2">
-            <a:extLst>
-              <a:ext uri="{28A0092B-C50C-407E-A947-70E740481C1C}">
-                <a14:useLocalDpi xmlns:a14="http://schemas.microsoft.com/office/drawing/2010/main" val="0"/>
-              </a:ext>
-            </a:extLst>
-          </a:blip>
-          <a:srcRect l="12839" t="35856" r="12739" b="34674"/>
-          <a:stretch/>
-        </p:blipFill>
-        <p:spPr bwMode="auto">
-          <a:xfrm>
-            <a:off x="2818774" y="3878859"/>
-            <a:ext cx="1415793" cy="349126"/>
-          </a:xfrm>
-          <a:prstGeom prst="rect">
-            <a:avLst/>
-          </a:prstGeom>
-          <a:noFill/>
-          <a:extLst>
-            <a:ext uri="{909E8E84-426E-40DD-AFC4-6F175D3DCCD1}">
-              <a14:hiddenFill xmlns:a14="http://schemas.microsoft.com/office/drawing/2010/main">
-                <a:solidFill>
-                  <a:srgbClr val="FFFFFF"/>
-                </a:solidFill>
-              </a14:hiddenFill>
-            </a:ext>
-          </a:extLst>
-        </p:spPr>
-      </p:pic>
-      <p:pic>
-        <p:nvPicPr>
-          <p:cNvPr id="27" name="Picture 26">
-            <a:extLst>
-              <a:ext uri="{FF2B5EF4-FFF2-40B4-BE49-F238E27FC236}">
-                <a16:creationId xmlns:a16="http://schemas.microsoft.com/office/drawing/2014/main" id="{AE84913A-D9B5-A8A0-B811-C50D60450A87}"/>
-              </a:ext>
-            </a:extLst>
-          </p:cNvPr>
-          <p:cNvPicPr>
-            <a:picLocks noChangeAspect="1"/>
-          </p:cNvPicPr>
-          <p:nvPr/>
-        </p:nvPicPr>
-        <p:blipFill>
-          <a:blip r:embed="rId3"/>
-          <a:stretch>
-            <a:fillRect/>
-          </a:stretch>
-        </p:blipFill>
-        <p:spPr>
-          <a:xfrm>
-            <a:off x="5248312" y="4276415"/>
-            <a:ext cx="1622388" cy="1366724"/>
-          </a:xfrm>
-          <a:prstGeom prst="rect">
-            <a:avLst/>
-          </a:prstGeom>
-        </p:spPr>
-      </p:pic>
-      <p:pic>
-        <p:nvPicPr>
-          <p:cNvPr id="28" name="Picture 27">
-            <a:extLst>
-              <a:ext uri="{FF2B5EF4-FFF2-40B4-BE49-F238E27FC236}">
-                <a16:creationId xmlns:a16="http://schemas.microsoft.com/office/drawing/2014/main" id="{A8F43EF7-5E67-E1C4-31E4-CEF47D6864F0}"/>
-              </a:ext>
-            </a:extLst>
-          </p:cNvPr>
-          <p:cNvPicPr>
-            <a:picLocks noChangeAspect="1"/>
-          </p:cNvPicPr>
-          <p:nvPr/>
-        </p:nvPicPr>
-        <p:blipFill>
-          <a:blip r:embed="rId4"/>
-          <a:stretch>
-            <a:fillRect/>
-          </a:stretch>
-        </p:blipFill>
-        <p:spPr>
-          <a:xfrm>
-            <a:off x="2831362" y="4332566"/>
-            <a:ext cx="1390618" cy="1254423"/>
-          </a:xfrm>
-          <a:prstGeom prst="rect">
-            <a:avLst/>
-          </a:prstGeom>
-        </p:spPr>
-      </p:pic>
-      <p:pic>
-        <p:nvPicPr>
-          <p:cNvPr id="31" name="Picture 30">
-            <a:extLst>
-              <a:ext uri="{FF2B5EF4-FFF2-40B4-BE49-F238E27FC236}">
-                <a16:creationId xmlns:a16="http://schemas.microsoft.com/office/drawing/2014/main" id="{4FDE6524-EC9A-C15A-83AD-A7029F6D1D8D}"/>
-              </a:ext>
-            </a:extLst>
-          </p:cNvPr>
-          <p:cNvPicPr>
-            <a:picLocks noChangeAspect="1"/>
-          </p:cNvPicPr>
-          <p:nvPr/>
-        </p:nvPicPr>
-        <p:blipFill>
-          <a:blip r:embed="rId3"/>
-          <a:stretch>
-            <a:fillRect/>
-          </a:stretch>
-        </p:blipFill>
-        <p:spPr>
-          <a:xfrm>
-            <a:off x="8751611" y="4276415"/>
-            <a:ext cx="1622388" cy="1366724"/>
-          </a:xfrm>
-          <a:prstGeom prst="rect">
-            <a:avLst/>
-          </a:prstGeom>
-        </p:spPr>
-      </p:pic>
-      <p:cxnSp>
-        <p:nvCxnSpPr>
-          <p:cNvPr id="32" name="Straight Arrow Connector 31">
-            <a:extLst>
-              <a:ext uri="{FF2B5EF4-FFF2-40B4-BE49-F238E27FC236}">
-                <a16:creationId xmlns:a16="http://schemas.microsoft.com/office/drawing/2014/main" id="{03E501BC-2114-0E2D-741F-505DC708FB48}"/>
-              </a:ext>
-            </a:extLst>
-          </p:cNvPr>
-          <p:cNvCxnSpPr>
-            <a:cxnSpLocks/>
-          </p:cNvCxnSpPr>
-          <p:nvPr/>
-        </p:nvCxnSpPr>
-        <p:spPr>
-          <a:xfrm flipH="1">
-            <a:off x="7313848" y="4762215"/>
-            <a:ext cx="1117600" cy="0"/>
-          </a:xfrm>
-          <a:prstGeom prst="straightConnector1">
-            <a:avLst/>
-          </a:prstGeom>
-          <a:ln w="28575">
-            <a:solidFill>
-              <a:schemeClr val="tx1"/>
-            </a:solidFill>
-            <a:tailEnd type="triangle"/>
-          </a:ln>
-        </p:spPr>
-        <p:style>
-          <a:lnRef idx="1">
-            <a:schemeClr val="accent1"/>
-          </a:lnRef>
-          <a:fillRef idx="0">
-            <a:schemeClr val="accent1"/>
-          </a:fillRef>
-          <a:effectRef idx="0">
-            <a:schemeClr val="accent1"/>
-          </a:effectRef>
-          <a:fontRef idx="minor">
-            <a:schemeClr val="tx1"/>
-          </a:fontRef>
-        </p:style>
-      </p:cxnSp>
-      <p:cxnSp>
-        <p:nvCxnSpPr>
-          <p:cNvPr id="33" name="Straight Arrow Connector 32">
-            <a:extLst>
-              <a:ext uri="{FF2B5EF4-FFF2-40B4-BE49-F238E27FC236}">
-                <a16:creationId xmlns:a16="http://schemas.microsoft.com/office/drawing/2014/main" id="{A1F52D76-0724-3AAE-8CDC-D9BB254855B6}"/>
-              </a:ext>
-            </a:extLst>
-          </p:cNvPr>
-          <p:cNvCxnSpPr>
-            <a:cxnSpLocks/>
-          </p:cNvCxnSpPr>
-          <p:nvPr/>
-        </p:nvCxnSpPr>
-        <p:spPr>
-          <a:xfrm>
-            <a:off x="7313848" y="5083571"/>
-            <a:ext cx="1117600" cy="0"/>
-          </a:xfrm>
-          <a:prstGeom prst="straightConnector1">
-            <a:avLst/>
-          </a:prstGeom>
-          <a:ln w="28575">
-            <a:solidFill>
-              <a:schemeClr val="tx1"/>
-            </a:solidFill>
-            <a:tailEnd type="triangle"/>
-          </a:ln>
-        </p:spPr>
-        <p:style>
-          <a:lnRef idx="1">
-            <a:schemeClr val="accent1"/>
-          </a:lnRef>
-          <a:fillRef idx="0">
-            <a:schemeClr val="accent1"/>
-          </a:fillRef>
-          <a:effectRef idx="0">
-            <a:schemeClr val="accent1"/>
-          </a:effectRef>
-          <a:fontRef idx="minor">
-            <a:schemeClr val="tx1"/>
-          </a:fontRef>
-        </p:style>
-      </p:cxnSp>
-      <p:cxnSp>
-        <p:nvCxnSpPr>
-          <p:cNvPr id="34" name="Straight Arrow Connector 33">
-            <a:extLst>
-              <a:ext uri="{FF2B5EF4-FFF2-40B4-BE49-F238E27FC236}">
-                <a16:creationId xmlns:a16="http://schemas.microsoft.com/office/drawing/2014/main" id="{6B453E88-8FF9-3B19-F457-97640F4A516D}"/>
-              </a:ext>
-            </a:extLst>
-          </p:cNvPr>
-          <p:cNvCxnSpPr>
-            <a:cxnSpLocks/>
-          </p:cNvCxnSpPr>
-          <p:nvPr/>
-        </p:nvCxnSpPr>
-        <p:spPr>
-          <a:xfrm>
-            <a:off x="4419410" y="4922893"/>
-            <a:ext cx="529511" cy="0"/>
-          </a:xfrm>
-          <a:prstGeom prst="straightConnector1">
-            <a:avLst/>
-          </a:prstGeom>
-          <a:ln w="28575">
-            <a:solidFill>
-              <a:schemeClr val="tx1"/>
-            </a:solidFill>
-            <a:tailEnd type="triangle"/>
-          </a:ln>
-        </p:spPr>
-        <p:style>
-          <a:lnRef idx="1">
-            <a:schemeClr val="accent1"/>
-          </a:lnRef>
-          <a:fillRef idx="0">
-            <a:schemeClr val="accent1"/>
-          </a:fillRef>
-          <a:effectRef idx="0">
-            <a:schemeClr val="accent1"/>
-          </a:effectRef>
-          <a:fontRef idx="minor">
-            <a:schemeClr val="tx1"/>
-          </a:fontRef>
-        </p:style>
-      </p:cxnSp>
-      <p:pic>
-        <p:nvPicPr>
-          <p:cNvPr id="36" name="Picture 35">
-            <a:extLst>
-              <a:ext uri="{FF2B5EF4-FFF2-40B4-BE49-F238E27FC236}">
-                <a16:creationId xmlns:a16="http://schemas.microsoft.com/office/drawing/2014/main" id="{877B60EC-84D4-620E-809B-9299D18049E1}"/>
-              </a:ext>
-            </a:extLst>
-          </p:cNvPr>
-          <p:cNvPicPr>
-            <a:picLocks noChangeAspect="1"/>
-          </p:cNvPicPr>
-          <p:nvPr/>
-        </p:nvPicPr>
-        <p:blipFill rotWithShape="1">
-          <a:blip r:embed="rId5"/>
-          <a:srcRect t="35182" b="29033"/>
-          <a:stretch/>
-        </p:blipFill>
-        <p:spPr>
-          <a:xfrm>
-            <a:off x="7291197" y="4276176"/>
-            <a:ext cx="1162902" cy="277485"/>
-          </a:xfrm>
-          <a:prstGeom prst="rect">
-            <a:avLst/>
-          </a:prstGeom>
-        </p:spPr>
-      </p:pic>
-      <p:sp>
-        <p:nvSpPr>
-          <p:cNvPr id="43" name="TextBox 42">
-            <a:extLst>
-              <a:ext uri="{FF2B5EF4-FFF2-40B4-BE49-F238E27FC236}">
-                <a16:creationId xmlns:a16="http://schemas.microsoft.com/office/drawing/2014/main" id="{8A797C1F-3562-56F4-5609-36BFB3010496}"/>
-              </a:ext>
-            </a:extLst>
-          </p:cNvPr>
-          <p:cNvSpPr txBox="1"/>
-          <p:nvPr/>
-        </p:nvSpPr>
-        <p:spPr>
-          <a:xfrm flipH="1">
-            <a:off x="6721532" y="5675070"/>
-            <a:ext cx="2302233" cy="307777"/>
-          </a:xfrm>
-          <a:prstGeom prst="rect">
-            <a:avLst/>
-          </a:prstGeom>
-          <a:noFill/>
-        </p:spPr>
-        <p:txBody>
-          <a:bodyPr wrap="none" rtlCol="0">
-            <a:spAutoFit/>
-          </a:bodyPr>
-          <a:lstStyle/>
-          <a:p>
-            <a:r>
-              <a:rPr lang="en-US" altLang="ko-KR" sz="1400" b="1" dirty="0">
-                <a:solidFill>
-                  <a:srgbClr val="FF0000"/>
-                </a:solidFill>
-                <a:latin typeface="Roboto" panose="02000000000000000000" pitchFamily="2" charset="0"/>
-                <a:ea typeface="Roboto" panose="02000000000000000000" pitchFamily="2" charset="0"/>
-              </a:rPr>
-              <a:t>3. Connection through SSH</a:t>
-            </a:r>
-          </a:p>
-        </p:txBody>
-      </p:sp>
-      <p:sp>
-        <p:nvSpPr>
-          <p:cNvPr id="62" name="TextBox 61">
-            <a:extLst>
-              <a:ext uri="{FF2B5EF4-FFF2-40B4-BE49-F238E27FC236}">
-                <a16:creationId xmlns:a16="http://schemas.microsoft.com/office/drawing/2014/main" id="{E23D7FD3-9375-6328-5553-2FEEA8D0D310}"/>
-              </a:ext>
-            </a:extLst>
-          </p:cNvPr>
-          <p:cNvSpPr txBox="1"/>
-          <p:nvPr/>
-        </p:nvSpPr>
-        <p:spPr>
-          <a:xfrm flipH="1">
-            <a:off x="5362684" y="4026290"/>
-            <a:ext cx="841897" cy="261610"/>
-          </a:xfrm>
-          <a:prstGeom prst="rect">
-            <a:avLst/>
-          </a:prstGeom>
-          <a:noFill/>
-        </p:spPr>
-        <p:txBody>
-          <a:bodyPr wrap="none" rtlCol="0">
-            <a:spAutoFit/>
-          </a:bodyPr>
-          <a:lstStyle/>
-          <a:p>
-            <a:r>
-              <a:rPr lang="en-US" altLang="ko-KR" sz="1100" b="1" dirty="0">
-                <a:latin typeface="Roboto" panose="02000000000000000000" pitchFamily="2" charset="0"/>
-                <a:ea typeface="Roboto" panose="02000000000000000000" pitchFamily="2" charset="0"/>
-              </a:rPr>
-              <a:t>Location A</a:t>
-            </a:r>
-          </a:p>
-        </p:txBody>
-      </p:sp>
-      <p:sp>
-        <p:nvSpPr>
-          <p:cNvPr id="63" name="TextBox 62">
-            <a:extLst>
-              <a:ext uri="{FF2B5EF4-FFF2-40B4-BE49-F238E27FC236}">
-                <a16:creationId xmlns:a16="http://schemas.microsoft.com/office/drawing/2014/main" id="{0C6A0B27-7D92-08EE-9CE9-20BA9344E21F}"/>
-              </a:ext>
-            </a:extLst>
-          </p:cNvPr>
-          <p:cNvSpPr txBox="1"/>
-          <p:nvPr/>
-        </p:nvSpPr>
-        <p:spPr>
-          <a:xfrm flipH="1">
-            <a:off x="8866453" y="4026290"/>
-            <a:ext cx="838691" cy="261610"/>
-          </a:xfrm>
-          <a:prstGeom prst="rect">
-            <a:avLst/>
-          </a:prstGeom>
-          <a:noFill/>
-        </p:spPr>
-        <p:txBody>
-          <a:bodyPr wrap="none" rtlCol="0">
-            <a:spAutoFit/>
-          </a:bodyPr>
-          <a:lstStyle/>
-          <a:p>
-            <a:r>
-              <a:rPr lang="en-US" altLang="ko-KR" sz="1100" b="1" dirty="0">
-                <a:latin typeface="Roboto" panose="02000000000000000000" pitchFamily="2" charset="0"/>
-                <a:ea typeface="Roboto" panose="02000000000000000000" pitchFamily="2" charset="0"/>
-              </a:rPr>
-              <a:t>Location B</a:t>
-            </a:r>
-          </a:p>
-        </p:txBody>
-      </p:sp>
-      <p:sp>
-        <p:nvSpPr>
-          <p:cNvPr id="1040" name="TextBox 1039">
-            <a:extLst>
-              <a:ext uri="{FF2B5EF4-FFF2-40B4-BE49-F238E27FC236}">
-                <a16:creationId xmlns:a16="http://schemas.microsoft.com/office/drawing/2014/main" id="{62EE2236-BE7D-793A-3C57-00EA8278A21A}"/>
-              </a:ext>
-            </a:extLst>
-          </p:cNvPr>
-          <p:cNvSpPr txBox="1"/>
-          <p:nvPr/>
-        </p:nvSpPr>
-        <p:spPr>
-          <a:xfrm flipH="1">
-            <a:off x="3533049" y="5675070"/>
-            <a:ext cx="2302233" cy="523220"/>
-          </a:xfrm>
-          <a:prstGeom prst="rect">
-            <a:avLst/>
-          </a:prstGeom>
-          <a:noFill/>
-        </p:spPr>
-        <p:txBody>
-          <a:bodyPr wrap="none" rtlCol="0">
-            <a:spAutoFit/>
-          </a:bodyPr>
-          <a:lstStyle/>
-          <a:p>
-            <a:r>
-              <a:rPr lang="en-US" altLang="ko-KR" sz="1400" b="1" dirty="0">
-                <a:solidFill>
-                  <a:srgbClr val="FF0000"/>
-                </a:solidFill>
-                <a:latin typeface="Roboto" panose="02000000000000000000" pitchFamily="2" charset="0"/>
-                <a:ea typeface="Roboto" panose="02000000000000000000" pitchFamily="2" charset="0"/>
-              </a:rPr>
-              <a:t>2. Connection through SSH</a:t>
-            </a:r>
-          </a:p>
-          <a:p>
-            <a:r>
-              <a:rPr lang="en-US" altLang="ko-KR" sz="1400" b="1" dirty="0">
-                <a:solidFill>
-                  <a:srgbClr val="FF0000"/>
-                </a:solidFill>
-                <a:latin typeface="Roboto" panose="02000000000000000000" pitchFamily="2" charset="0"/>
-                <a:ea typeface="Roboto" panose="02000000000000000000" pitchFamily="2" charset="0"/>
-              </a:rPr>
-              <a:t>(VS Code or </a:t>
-            </a:r>
-            <a:r>
-              <a:rPr lang="en-US" altLang="ko-KR" sz="1400" b="1" dirty="0" err="1">
-                <a:solidFill>
-                  <a:srgbClr val="FF0000"/>
-                </a:solidFill>
-                <a:latin typeface="Roboto" panose="02000000000000000000" pitchFamily="2" charset="0"/>
-                <a:ea typeface="Roboto" panose="02000000000000000000" pitchFamily="2" charset="0"/>
-              </a:rPr>
-              <a:t>MobaXterm</a:t>
-            </a:r>
-            <a:r>
-              <a:rPr lang="en-US" altLang="ko-KR" sz="1400" b="1" dirty="0">
-                <a:solidFill>
-                  <a:srgbClr val="FF0000"/>
-                </a:solidFill>
-                <a:latin typeface="Roboto" panose="02000000000000000000" pitchFamily="2" charset="0"/>
-                <a:ea typeface="Roboto" panose="02000000000000000000" pitchFamily="2" charset="0"/>
-              </a:rPr>
-              <a:t>)</a:t>
-            </a:r>
-          </a:p>
-        </p:txBody>
-      </p:sp>
-      <p:sp>
-        <p:nvSpPr>
-          <p:cNvPr id="1041" name="TextBox 1040">
-            <a:extLst>
-              <a:ext uri="{FF2B5EF4-FFF2-40B4-BE49-F238E27FC236}">
-                <a16:creationId xmlns:a16="http://schemas.microsoft.com/office/drawing/2014/main" id="{BF053CE3-2A28-E688-3F92-F6AE7C084620}"/>
-              </a:ext>
-            </a:extLst>
-          </p:cNvPr>
-          <p:cNvSpPr txBox="1"/>
-          <p:nvPr/>
-        </p:nvSpPr>
-        <p:spPr>
-          <a:xfrm flipH="1">
-            <a:off x="5371297" y="596891"/>
-            <a:ext cx="1465466" cy="307777"/>
-          </a:xfrm>
-          <a:prstGeom prst="rect">
-            <a:avLst/>
-          </a:prstGeom>
-          <a:noFill/>
-        </p:spPr>
-        <p:txBody>
-          <a:bodyPr wrap="none" rtlCol="0">
-            <a:spAutoFit/>
-          </a:bodyPr>
-          <a:lstStyle/>
-          <a:p>
-            <a:r>
-              <a:rPr lang="en-US" altLang="ko-KR" sz="1400" b="1" dirty="0">
-                <a:solidFill>
-                  <a:srgbClr val="FF0000"/>
-                </a:solidFill>
-                <a:latin typeface="Roboto" panose="02000000000000000000" pitchFamily="2" charset="0"/>
-                <a:ea typeface="Roboto" panose="02000000000000000000" pitchFamily="2" charset="0"/>
-              </a:rPr>
-              <a:t>1. VPN (local IP)</a:t>
-            </a:r>
-            <a:endParaRPr lang="ko-KR" altLang="en-US" sz="1400" b="1" dirty="0">
-              <a:solidFill>
-                <a:srgbClr val="FF0000"/>
-              </a:solidFill>
-              <a:latin typeface="Roboto" panose="02000000000000000000" pitchFamily="2" charset="0"/>
-            </a:endParaRPr>
-          </a:p>
-        </p:txBody>
-      </p:sp>
-      <p:pic>
-        <p:nvPicPr>
-          <p:cNvPr id="1042" name="Picture 1041">
-            <a:extLst>
-              <a:ext uri="{FF2B5EF4-FFF2-40B4-BE49-F238E27FC236}">
-                <a16:creationId xmlns:a16="http://schemas.microsoft.com/office/drawing/2014/main" id="{30A86A17-C8A1-6B08-2AE1-BE68593280F8}"/>
-              </a:ext>
-            </a:extLst>
-          </p:cNvPr>
-          <p:cNvPicPr>
-            <a:picLocks noChangeAspect="1"/>
-          </p:cNvPicPr>
-          <p:nvPr/>
-        </p:nvPicPr>
-        <p:blipFill>
-          <a:blip r:embed="rId3"/>
-          <a:stretch>
-            <a:fillRect/>
-          </a:stretch>
-        </p:blipFill>
-        <p:spPr>
-          <a:xfrm>
-            <a:off x="3479694" y="998154"/>
-            <a:ext cx="1622388" cy="1366724"/>
-          </a:xfrm>
-          <a:prstGeom prst="rect">
-            <a:avLst/>
-          </a:prstGeom>
-        </p:spPr>
-      </p:pic>
-      <p:pic>
-        <p:nvPicPr>
-          <p:cNvPr id="1043" name="Picture 1042">
-            <a:extLst>
-              <a:ext uri="{FF2B5EF4-FFF2-40B4-BE49-F238E27FC236}">
-                <a16:creationId xmlns:a16="http://schemas.microsoft.com/office/drawing/2014/main" id="{312C2D10-1CD4-5C66-F61E-91A8B0CE5026}"/>
-              </a:ext>
-            </a:extLst>
-          </p:cNvPr>
-          <p:cNvPicPr>
-            <a:picLocks noChangeAspect="1"/>
-          </p:cNvPicPr>
-          <p:nvPr/>
-        </p:nvPicPr>
-        <p:blipFill>
-          <a:blip r:embed="rId3"/>
-          <a:stretch>
-            <a:fillRect/>
-          </a:stretch>
-        </p:blipFill>
-        <p:spPr>
-          <a:xfrm>
-            <a:off x="6982993" y="998154"/>
-            <a:ext cx="1622388" cy="1366724"/>
-          </a:xfrm>
-          <a:prstGeom prst="rect">
-            <a:avLst/>
-          </a:prstGeom>
-        </p:spPr>
-      </p:pic>
-      <p:cxnSp>
-        <p:nvCxnSpPr>
-          <p:cNvPr id="1044" name="Straight Arrow Connector 1043">
-            <a:extLst>
-              <a:ext uri="{FF2B5EF4-FFF2-40B4-BE49-F238E27FC236}">
-                <a16:creationId xmlns:a16="http://schemas.microsoft.com/office/drawing/2014/main" id="{EAD9765D-1F86-75A2-C1C4-8DCF486D442A}"/>
-              </a:ext>
-            </a:extLst>
-          </p:cNvPr>
-          <p:cNvCxnSpPr>
-            <a:cxnSpLocks/>
-          </p:cNvCxnSpPr>
-          <p:nvPr/>
-        </p:nvCxnSpPr>
-        <p:spPr>
-          <a:xfrm flipH="1">
-            <a:off x="5545230" y="1483954"/>
-            <a:ext cx="1117600" cy="0"/>
-          </a:xfrm>
-          <a:prstGeom prst="straightConnector1">
-            <a:avLst/>
-          </a:prstGeom>
-          <a:ln w="28575">
-            <a:solidFill>
-              <a:schemeClr val="tx1"/>
-            </a:solidFill>
-            <a:tailEnd type="triangle"/>
-          </a:ln>
-        </p:spPr>
-        <p:style>
-          <a:lnRef idx="1">
-            <a:schemeClr val="accent1"/>
-          </a:lnRef>
-          <a:fillRef idx="0">
-            <a:schemeClr val="accent1"/>
-          </a:fillRef>
-          <a:effectRef idx="0">
-            <a:schemeClr val="accent1"/>
-          </a:effectRef>
-          <a:fontRef idx="minor">
-            <a:schemeClr val="tx1"/>
-          </a:fontRef>
-        </p:style>
-      </p:cxnSp>
-      <p:cxnSp>
-        <p:nvCxnSpPr>
-          <p:cNvPr id="1045" name="Straight Arrow Connector 1044">
-            <a:extLst>
-              <a:ext uri="{FF2B5EF4-FFF2-40B4-BE49-F238E27FC236}">
-                <a16:creationId xmlns:a16="http://schemas.microsoft.com/office/drawing/2014/main" id="{EA7B227D-ADC5-EE3B-D3E5-791E89C7E084}"/>
-              </a:ext>
-            </a:extLst>
-          </p:cNvPr>
-          <p:cNvCxnSpPr>
-            <a:cxnSpLocks/>
-          </p:cNvCxnSpPr>
-          <p:nvPr/>
-        </p:nvCxnSpPr>
-        <p:spPr>
-          <a:xfrm>
-            <a:off x="5545230" y="1805310"/>
-            <a:ext cx="1117600" cy="0"/>
-          </a:xfrm>
-          <a:prstGeom prst="straightConnector1">
-            <a:avLst/>
-          </a:prstGeom>
-          <a:ln w="28575">
-            <a:solidFill>
-              <a:schemeClr val="tx1"/>
-            </a:solidFill>
-            <a:tailEnd type="triangle"/>
-          </a:ln>
-        </p:spPr>
-        <p:style>
-          <a:lnRef idx="1">
-            <a:schemeClr val="accent1"/>
-          </a:lnRef>
-          <a:fillRef idx="0">
-            <a:schemeClr val="accent1"/>
-          </a:fillRef>
-          <a:effectRef idx="0">
-            <a:schemeClr val="accent1"/>
-          </a:effectRef>
-          <a:fontRef idx="minor">
-            <a:schemeClr val="tx1"/>
-          </a:fontRef>
-        </p:style>
-      </p:cxnSp>
-      <p:pic>
-        <p:nvPicPr>
-          <p:cNvPr id="1046" name="Picture 1045">
-            <a:extLst>
-              <a:ext uri="{FF2B5EF4-FFF2-40B4-BE49-F238E27FC236}">
-                <a16:creationId xmlns:a16="http://schemas.microsoft.com/office/drawing/2014/main" id="{037FB24E-61CF-9EF3-AF7F-8AD4A3C8BCB7}"/>
-              </a:ext>
-            </a:extLst>
-          </p:cNvPr>
-          <p:cNvPicPr>
-            <a:picLocks noChangeAspect="1"/>
-          </p:cNvPicPr>
-          <p:nvPr/>
-        </p:nvPicPr>
-        <p:blipFill rotWithShape="1">
-          <a:blip r:embed="rId5"/>
-          <a:srcRect t="35182" b="29033"/>
-          <a:stretch/>
-        </p:blipFill>
-        <p:spPr>
-          <a:xfrm>
-            <a:off x="5522579" y="997915"/>
-            <a:ext cx="1162902" cy="277485"/>
-          </a:xfrm>
-          <a:prstGeom prst="rect">
-            <a:avLst/>
-          </a:prstGeom>
-        </p:spPr>
-      </p:pic>
-      <p:sp>
-        <p:nvSpPr>
-          <p:cNvPr id="1047" name="TextBox 1046">
-            <a:extLst>
-              <a:ext uri="{FF2B5EF4-FFF2-40B4-BE49-F238E27FC236}">
-                <a16:creationId xmlns:a16="http://schemas.microsoft.com/office/drawing/2014/main" id="{D5A22F08-09B0-0D3C-5252-9525BA0A2570}"/>
-              </a:ext>
-            </a:extLst>
-          </p:cNvPr>
-          <p:cNvSpPr txBox="1"/>
-          <p:nvPr/>
-        </p:nvSpPr>
-        <p:spPr>
-          <a:xfrm flipH="1">
-            <a:off x="4952914" y="2396809"/>
-            <a:ext cx="2302233" cy="307777"/>
-          </a:xfrm>
-          <a:prstGeom prst="rect">
-            <a:avLst/>
-          </a:prstGeom>
-          <a:noFill/>
-        </p:spPr>
-        <p:txBody>
-          <a:bodyPr wrap="none" rtlCol="0">
-            <a:spAutoFit/>
-          </a:bodyPr>
-          <a:lstStyle/>
-          <a:p>
-            <a:r>
-              <a:rPr lang="en-US" altLang="ko-KR" sz="1400" b="1" dirty="0">
-                <a:solidFill>
-                  <a:srgbClr val="FF0000"/>
-                </a:solidFill>
-                <a:latin typeface="Roboto" panose="02000000000000000000" pitchFamily="2" charset="0"/>
-                <a:ea typeface="Roboto" panose="02000000000000000000" pitchFamily="2" charset="0"/>
-              </a:rPr>
-              <a:t>2. Connection through SSH</a:t>
-            </a:r>
-          </a:p>
-        </p:txBody>
-      </p:sp>
-      <p:sp>
-        <p:nvSpPr>
-          <p:cNvPr id="1048" name="TextBox 1047">
-            <a:extLst>
-              <a:ext uri="{FF2B5EF4-FFF2-40B4-BE49-F238E27FC236}">
-                <a16:creationId xmlns:a16="http://schemas.microsoft.com/office/drawing/2014/main" id="{96F6AF18-0CF4-D6BA-3F9C-7B3000AF3399}"/>
-              </a:ext>
-            </a:extLst>
-          </p:cNvPr>
-          <p:cNvSpPr txBox="1"/>
-          <p:nvPr/>
-        </p:nvSpPr>
-        <p:spPr>
-          <a:xfrm flipH="1">
-            <a:off x="3594066" y="748029"/>
-            <a:ext cx="841897" cy="261610"/>
-          </a:xfrm>
-          <a:prstGeom prst="rect">
-            <a:avLst/>
-          </a:prstGeom>
-          <a:noFill/>
-        </p:spPr>
-        <p:txBody>
-          <a:bodyPr wrap="none" rtlCol="0">
-            <a:spAutoFit/>
-          </a:bodyPr>
-          <a:lstStyle/>
-          <a:p>
-            <a:r>
-              <a:rPr lang="en-US" altLang="ko-KR" sz="1100" b="1" dirty="0">
-                <a:latin typeface="Roboto" panose="02000000000000000000" pitchFamily="2" charset="0"/>
-                <a:ea typeface="Roboto" panose="02000000000000000000" pitchFamily="2" charset="0"/>
-              </a:rPr>
-              <a:t>Location A</a:t>
-            </a:r>
-          </a:p>
-        </p:txBody>
-      </p:sp>
-      <p:sp>
-        <p:nvSpPr>
-          <p:cNvPr id="1049" name="TextBox 1048">
-            <a:extLst>
-              <a:ext uri="{FF2B5EF4-FFF2-40B4-BE49-F238E27FC236}">
-                <a16:creationId xmlns:a16="http://schemas.microsoft.com/office/drawing/2014/main" id="{EE776DEB-971B-8FC5-DF5E-0CB50627FE1E}"/>
-              </a:ext>
-            </a:extLst>
-          </p:cNvPr>
-          <p:cNvSpPr txBox="1"/>
-          <p:nvPr/>
-        </p:nvSpPr>
-        <p:spPr>
-          <a:xfrm flipH="1">
-            <a:off x="7097835" y="748029"/>
-            <a:ext cx="838691" cy="261610"/>
-          </a:xfrm>
-          <a:prstGeom prst="rect">
-            <a:avLst/>
-          </a:prstGeom>
-          <a:noFill/>
-        </p:spPr>
-        <p:txBody>
-          <a:bodyPr wrap="none" rtlCol="0">
-            <a:spAutoFit/>
-          </a:bodyPr>
-          <a:lstStyle/>
-          <a:p>
-            <a:r>
-              <a:rPr lang="en-US" altLang="ko-KR" sz="1100" b="1" dirty="0">
-                <a:latin typeface="Roboto" panose="02000000000000000000" pitchFamily="2" charset="0"/>
-                <a:ea typeface="Roboto" panose="02000000000000000000" pitchFamily="2" charset="0"/>
-              </a:rPr>
-              <a:t>Location B</a:t>
-            </a:r>
-          </a:p>
-        </p:txBody>
-      </p:sp>
-    </p:spTree>
-    <p:extLst>
-      <p:ext uri="{BB962C8B-B14F-4D97-AF65-F5344CB8AC3E}">
-        <p14:creationId xmlns:p14="http://schemas.microsoft.com/office/powerpoint/2010/main" val="1852516414"/>
-      </p:ext>
-    </p:extLst>
-  </p:cSld>
-  <p:clrMapOvr>
-    <a:masterClrMapping/>
-  </p:clrMapOvr>
-</p:sld>
-</file>
-
-<file path=ppt/slides/slide3.xml><?xml version="1.0" encoding="utf-8"?>
-<p:sld xmlns:a="http://schemas.openxmlformats.org/drawingml/2006/main" xmlns:r="http://schemas.openxmlformats.org/officeDocument/2006/relationships" xmlns:p="http://schemas.openxmlformats.org/presentationml/2006/main">
-  <p:cSld>
-    <p:spTree>
-      <p:nvGrpSpPr>
-        <p:cNvPr id="1" name=""/>
-        <p:cNvGrpSpPr/>
-        <p:nvPr/>
-      </p:nvGrpSpPr>
-      <p:grpSpPr>
-        <a:xfrm>
-          <a:off x="0" y="0"/>
-          <a:ext cx="0" cy="0"/>
-          <a:chOff x="0" y="0"/>
-          <a:chExt cx="0" cy="0"/>
-        </a:xfrm>
-      </p:grpSpPr>
-      <p:sp>
-        <p:nvSpPr>
-          <p:cNvPr id="59" name="Rectangle 58">
-            <a:extLst>
-              <a:ext uri="{FF2B5EF4-FFF2-40B4-BE49-F238E27FC236}">
-                <a16:creationId xmlns:a16="http://schemas.microsoft.com/office/drawing/2014/main" id="{531D59D0-99A5-A5FA-7E00-4764E4B8DA83}"/>
-              </a:ext>
-            </a:extLst>
-          </p:cNvPr>
-          <p:cNvSpPr/>
-          <p:nvPr/>
-        </p:nvSpPr>
-        <p:spPr>
-          <a:xfrm>
-            <a:off x="2598874" y="282021"/>
-            <a:ext cx="7459935" cy="5200337"/>
-          </a:xfrm>
-          <a:prstGeom prst="rect">
-            <a:avLst/>
-          </a:prstGeom>
-          <a:noFill/>
-          <a:ln>
-            <a:solidFill>
-              <a:schemeClr val="bg1"/>
-            </a:solidFill>
-          </a:ln>
-        </p:spPr>
-        <p:style>
-          <a:lnRef idx="2">
-            <a:schemeClr val="accent1">
-              <a:shade val="15000"/>
-            </a:schemeClr>
-          </a:lnRef>
-          <a:fillRef idx="1">
-            <a:schemeClr val="accent1"/>
-          </a:fillRef>
-          <a:effectRef idx="0">
-            <a:schemeClr val="accent1"/>
-          </a:effectRef>
-          <a:fontRef idx="minor">
-            <a:schemeClr val="lt1"/>
-          </a:fontRef>
-        </p:style>
-        <p:txBody>
-          <a:bodyPr rtlCol="0" anchor="ctr"/>
-          <a:lstStyle/>
-          <a:p>
-            <a:pPr algn="ctr"/>
-            <a:endParaRPr lang="ko-KR" altLang="en-US"/>
-          </a:p>
-        </p:txBody>
-      </p:sp>
-      <p:pic>
-        <p:nvPicPr>
-          <p:cNvPr id="44" name="Picture 43">
-            <a:extLst>
-              <a:ext uri="{FF2B5EF4-FFF2-40B4-BE49-F238E27FC236}">
-                <a16:creationId xmlns:a16="http://schemas.microsoft.com/office/drawing/2014/main" id="{CE2E4EE1-A8F4-52CB-F519-72F1968040F6}"/>
-              </a:ext>
-            </a:extLst>
-          </p:cNvPr>
-          <p:cNvPicPr>
-            <a:picLocks noChangeAspect="1"/>
-          </p:cNvPicPr>
-          <p:nvPr/>
-        </p:nvPicPr>
-        <p:blipFill>
-          <a:blip r:embed="rId2"/>
-          <a:stretch>
-            <a:fillRect/>
-          </a:stretch>
-        </p:blipFill>
-        <p:spPr>
-          <a:xfrm>
-            <a:off x="2658313" y="324996"/>
-            <a:ext cx="3275926" cy="1126854"/>
-          </a:xfrm>
-          <a:prstGeom prst="rect">
-            <a:avLst/>
-          </a:prstGeom>
-          <a:ln>
-            <a:solidFill>
-              <a:schemeClr val="bg1">
-                <a:lumMod val="75000"/>
-              </a:schemeClr>
-            </a:solidFill>
-          </a:ln>
-        </p:spPr>
-      </p:pic>
-      <p:pic>
-        <p:nvPicPr>
-          <p:cNvPr id="5" name="Picture 4" descr="A screenshot of a computer&#10;&#10;Description automatically generated">
-            <a:extLst>
-              <a:ext uri="{FF2B5EF4-FFF2-40B4-BE49-F238E27FC236}">
-                <a16:creationId xmlns:a16="http://schemas.microsoft.com/office/drawing/2014/main" id="{A3DCBE04-1534-3313-7E51-90FDBA29B6FA}"/>
-              </a:ext>
-            </a:extLst>
-          </p:cNvPr>
-          <p:cNvPicPr>
-            <a:picLocks noChangeAspect="1"/>
-          </p:cNvPicPr>
-          <p:nvPr/>
-        </p:nvPicPr>
-        <p:blipFill>
-          <a:blip r:embed="rId3">
-            <a:extLst>
-              <a:ext uri="{28A0092B-C50C-407E-A947-70E740481C1C}">
-                <a14:useLocalDpi xmlns:a14="http://schemas.microsoft.com/office/drawing/2010/main" val="0"/>
-              </a:ext>
-            </a:extLst>
-          </a:blip>
-          <a:stretch>
-            <a:fillRect/>
-          </a:stretch>
-        </p:blipFill>
-        <p:spPr>
-          <a:xfrm>
-            <a:off x="2658313" y="2049153"/>
-            <a:ext cx="3275926" cy="1802544"/>
-          </a:xfrm>
-          <a:prstGeom prst="rect">
-            <a:avLst/>
-          </a:prstGeom>
-          <a:noFill/>
-          <a:ln w="19050">
-            <a:solidFill>
-              <a:schemeClr val="tx1"/>
-            </a:solidFill>
-          </a:ln>
-        </p:spPr>
-      </p:pic>
-      <p:sp>
-        <p:nvSpPr>
-          <p:cNvPr id="45" name="Rectangle 44">
-            <a:extLst>
-              <a:ext uri="{FF2B5EF4-FFF2-40B4-BE49-F238E27FC236}">
-                <a16:creationId xmlns:a16="http://schemas.microsoft.com/office/drawing/2014/main" id="{2C355150-8681-B8A7-26F5-750ADDFAF025}"/>
-              </a:ext>
-            </a:extLst>
-          </p:cNvPr>
-          <p:cNvSpPr/>
-          <p:nvPr/>
-        </p:nvSpPr>
-        <p:spPr>
-          <a:xfrm>
-            <a:off x="4226776" y="2459108"/>
-            <a:ext cx="1683001" cy="196179"/>
-          </a:xfrm>
-          <a:prstGeom prst="rect">
-            <a:avLst/>
-          </a:prstGeom>
-          <a:solidFill>
-            <a:srgbClr val="FF0000">
-              <a:alpha val="20000"/>
-            </a:srgbClr>
-          </a:solidFill>
-          <a:ln>
-            <a:noFill/>
-          </a:ln>
-        </p:spPr>
-        <p:style>
-          <a:lnRef idx="2">
-            <a:schemeClr val="accent1">
-              <a:shade val="15000"/>
-            </a:schemeClr>
-          </a:lnRef>
-          <a:fillRef idx="1">
-            <a:schemeClr val="accent1"/>
-          </a:fillRef>
-          <a:effectRef idx="0">
-            <a:schemeClr val="accent1"/>
-          </a:effectRef>
-          <a:fontRef idx="minor">
-            <a:schemeClr val="lt1"/>
-          </a:fontRef>
-        </p:style>
-        <p:txBody>
-          <a:bodyPr rtlCol="0" anchor="ctr"/>
-          <a:lstStyle/>
-          <a:p>
-            <a:pPr algn="ctr"/>
-            <a:endParaRPr lang="ko-KR" altLang="en-US" dirty="0"/>
-          </a:p>
-        </p:txBody>
-      </p:sp>
-      <p:pic>
-        <p:nvPicPr>
-          <p:cNvPr id="48" name="Picture 47">
-            <a:extLst>
-              <a:ext uri="{FF2B5EF4-FFF2-40B4-BE49-F238E27FC236}">
-                <a16:creationId xmlns:a16="http://schemas.microsoft.com/office/drawing/2014/main" id="{58E684A6-E1F1-4092-D395-8113CB638B3D}"/>
-              </a:ext>
-            </a:extLst>
-          </p:cNvPr>
-          <p:cNvPicPr>
-            <a:picLocks noChangeAspect="1"/>
-          </p:cNvPicPr>
-          <p:nvPr/>
-        </p:nvPicPr>
-        <p:blipFill>
-          <a:blip r:embed="rId4"/>
-          <a:stretch>
-            <a:fillRect/>
-          </a:stretch>
-        </p:blipFill>
-        <p:spPr>
-          <a:xfrm>
-            <a:off x="6468834" y="376065"/>
-            <a:ext cx="3539167" cy="1389068"/>
-          </a:xfrm>
-          <a:prstGeom prst="rect">
-            <a:avLst/>
-          </a:prstGeom>
-          <a:noFill/>
-          <a:ln w="19050">
-            <a:solidFill>
-              <a:schemeClr val="tx1"/>
-            </a:solidFill>
-          </a:ln>
-        </p:spPr>
-      </p:pic>
-      <p:pic>
-        <p:nvPicPr>
-          <p:cNvPr id="50" name="Picture 49">
-            <a:extLst>
-              <a:ext uri="{FF2B5EF4-FFF2-40B4-BE49-F238E27FC236}">
-                <a16:creationId xmlns:a16="http://schemas.microsoft.com/office/drawing/2014/main" id="{46BA79F8-B714-1292-43C7-90604E8E5E68}"/>
-              </a:ext>
-            </a:extLst>
-          </p:cNvPr>
-          <p:cNvPicPr>
-            <a:picLocks noChangeAspect="1"/>
-          </p:cNvPicPr>
-          <p:nvPr/>
-        </p:nvPicPr>
-        <p:blipFill>
-          <a:blip r:embed="rId5"/>
-          <a:stretch>
-            <a:fillRect/>
-          </a:stretch>
-        </p:blipFill>
-        <p:spPr>
-          <a:xfrm>
-            <a:off x="6468834" y="2242431"/>
-            <a:ext cx="3539167" cy="1609390"/>
-          </a:xfrm>
-          <a:prstGeom prst="rect">
-            <a:avLst/>
-          </a:prstGeom>
-          <a:noFill/>
-          <a:ln w="19050">
-            <a:solidFill>
-              <a:schemeClr val="tx1"/>
-            </a:solidFill>
-          </a:ln>
-        </p:spPr>
-      </p:pic>
-      <p:cxnSp>
-        <p:nvCxnSpPr>
-          <p:cNvPr id="52" name="Straight Arrow Connector 51">
-            <a:extLst>
-              <a:ext uri="{FF2B5EF4-FFF2-40B4-BE49-F238E27FC236}">
-                <a16:creationId xmlns:a16="http://schemas.microsoft.com/office/drawing/2014/main" id="{6E3CD5CC-8DD6-025F-DF0E-C94ED328FCB6}"/>
-              </a:ext>
-            </a:extLst>
-          </p:cNvPr>
-          <p:cNvCxnSpPr>
-            <a:cxnSpLocks/>
-          </p:cNvCxnSpPr>
-          <p:nvPr/>
-        </p:nvCxnSpPr>
-        <p:spPr>
-          <a:xfrm>
-            <a:off x="4449453" y="1282044"/>
-            <a:ext cx="0" cy="1068108"/>
-          </a:xfrm>
-          <a:prstGeom prst="straightConnector1">
-            <a:avLst/>
-          </a:prstGeom>
-          <a:ln w="19050">
-            <a:solidFill>
-              <a:srgbClr val="FF0000"/>
-            </a:solidFill>
-            <a:prstDash val="dash"/>
-            <a:tailEnd type="triangle"/>
-          </a:ln>
-        </p:spPr>
-        <p:style>
-          <a:lnRef idx="1">
-            <a:schemeClr val="accent1"/>
-          </a:lnRef>
-          <a:fillRef idx="0">
-            <a:schemeClr val="accent1"/>
-          </a:fillRef>
-          <a:effectRef idx="0">
-            <a:schemeClr val="accent1"/>
-          </a:effectRef>
-          <a:fontRef idx="minor">
-            <a:schemeClr val="tx1"/>
-          </a:fontRef>
-        </p:style>
-      </p:cxnSp>
-      <p:cxnSp>
-        <p:nvCxnSpPr>
-          <p:cNvPr id="54" name="Straight Arrow Connector 53">
-            <a:extLst>
-              <a:ext uri="{FF2B5EF4-FFF2-40B4-BE49-F238E27FC236}">
-                <a16:creationId xmlns:a16="http://schemas.microsoft.com/office/drawing/2014/main" id="{ADCAFD7C-D66D-2BCF-1077-74747ED721C5}"/>
-              </a:ext>
-            </a:extLst>
-          </p:cNvPr>
-          <p:cNvCxnSpPr>
-            <a:cxnSpLocks/>
-          </p:cNvCxnSpPr>
-          <p:nvPr/>
-        </p:nvCxnSpPr>
-        <p:spPr>
-          <a:xfrm flipV="1">
-            <a:off x="6023727" y="1696823"/>
-            <a:ext cx="358221" cy="754144"/>
-          </a:xfrm>
-          <a:prstGeom prst="straightConnector1">
-            <a:avLst/>
-          </a:prstGeom>
-          <a:ln w="19050">
-            <a:solidFill>
-              <a:srgbClr val="FF0000"/>
-            </a:solidFill>
-            <a:prstDash val="dash"/>
-            <a:tailEnd type="triangle"/>
-          </a:ln>
-        </p:spPr>
-        <p:style>
-          <a:lnRef idx="1">
-            <a:schemeClr val="accent1"/>
-          </a:lnRef>
-          <a:fillRef idx="0">
-            <a:schemeClr val="accent1"/>
-          </a:fillRef>
-          <a:effectRef idx="0">
-            <a:schemeClr val="accent1"/>
-          </a:effectRef>
-          <a:fontRef idx="minor">
-            <a:schemeClr val="tx1"/>
-          </a:fontRef>
-        </p:style>
-      </p:cxnSp>
-      <p:cxnSp>
-        <p:nvCxnSpPr>
-          <p:cNvPr id="56" name="Straight Arrow Connector 55">
-            <a:extLst>
-              <a:ext uri="{FF2B5EF4-FFF2-40B4-BE49-F238E27FC236}">
-                <a16:creationId xmlns:a16="http://schemas.microsoft.com/office/drawing/2014/main" id="{CEEA5602-A308-C444-170A-07E7FB686F62}"/>
-              </a:ext>
-            </a:extLst>
-          </p:cNvPr>
-          <p:cNvCxnSpPr>
-            <a:cxnSpLocks/>
-          </p:cNvCxnSpPr>
-          <p:nvPr/>
-        </p:nvCxnSpPr>
-        <p:spPr>
-          <a:xfrm>
-            <a:off x="8238417" y="1861848"/>
-            <a:ext cx="0" cy="304517"/>
-          </a:xfrm>
-          <a:prstGeom prst="straightConnector1">
-            <a:avLst/>
-          </a:prstGeom>
-          <a:ln w="19050">
-            <a:solidFill>
-              <a:srgbClr val="FF0000"/>
-            </a:solidFill>
-            <a:prstDash val="dash"/>
-            <a:tailEnd type="triangle"/>
-          </a:ln>
-        </p:spPr>
-        <p:style>
-          <a:lnRef idx="1">
-            <a:schemeClr val="accent1"/>
-          </a:lnRef>
-          <a:fillRef idx="0">
-            <a:schemeClr val="accent1"/>
-          </a:fillRef>
-          <a:effectRef idx="0">
-            <a:schemeClr val="accent1"/>
-          </a:effectRef>
-          <a:fontRef idx="minor">
-            <a:schemeClr val="tx1"/>
-          </a:fontRef>
-        </p:style>
-      </p:cxnSp>
-      <p:sp>
-        <p:nvSpPr>
-          <p:cNvPr id="62" name="Rectangle 61">
-            <a:extLst>
-              <a:ext uri="{FF2B5EF4-FFF2-40B4-BE49-F238E27FC236}">
-                <a16:creationId xmlns:a16="http://schemas.microsoft.com/office/drawing/2014/main" id="{44977DC1-C544-4707-03BE-907EDEB8A88E}"/>
-              </a:ext>
-            </a:extLst>
-          </p:cNvPr>
-          <p:cNvSpPr/>
-          <p:nvPr/>
-        </p:nvSpPr>
-        <p:spPr>
-          <a:xfrm>
-            <a:off x="7099575" y="2836681"/>
-            <a:ext cx="1024339" cy="174816"/>
-          </a:xfrm>
-          <a:prstGeom prst="rect">
-            <a:avLst/>
-          </a:prstGeom>
-          <a:solidFill>
-            <a:srgbClr val="FF0000">
-              <a:alpha val="20000"/>
-            </a:srgbClr>
-          </a:solidFill>
-          <a:ln>
-            <a:noFill/>
-          </a:ln>
-        </p:spPr>
-        <p:style>
-          <a:lnRef idx="2">
-            <a:schemeClr val="accent1">
-              <a:shade val="15000"/>
-            </a:schemeClr>
-          </a:lnRef>
-          <a:fillRef idx="1">
-            <a:schemeClr val="accent1"/>
-          </a:fillRef>
-          <a:effectRef idx="0">
-            <a:schemeClr val="accent1"/>
-          </a:effectRef>
-          <a:fontRef idx="minor">
-            <a:schemeClr val="lt1"/>
-          </a:fontRef>
-        </p:style>
-        <p:txBody>
-          <a:bodyPr rtlCol="0" anchor="ctr"/>
-          <a:lstStyle/>
-          <a:p>
-            <a:pPr algn="ctr"/>
-            <a:endParaRPr lang="ko-KR" altLang="en-US" dirty="0"/>
-          </a:p>
-        </p:txBody>
-      </p:sp>
-      <p:pic>
-        <p:nvPicPr>
-          <p:cNvPr id="63" name="Picture 62">
-            <a:extLst>
-              <a:ext uri="{FF2B5EF4-FFF2-40B4-BE49-F238E27FC236}">
-                <a16:creationId xmlns:a16="http://schemas.microsoft.com/office/drawing/2014/main" id="{236EFE94-B44E-5EDB-B944-3CDF9059450C}"/>
-              </a:ext>
-            </a:extLst>
-          </p:cNvPr>
-          <p:cNvPicPr>
-            <a:picLocks noChangeAspect="1"/>
-          </p:cNvPicPr>
-          <p:nvPr/>
-        </p:nvPicPr>
-        <p:blipFill>
-          <a:blip r:embed="rId6"/>
-          <a:stretch>
-            <a:fillRect/>
-          </a:stretch>
-        </p:blipFill>
-        <p:spPr>
-          <a:xfrm>
-            <a:off x="2658313" y="4262876"/>
-            <a:ext cx="3275926" cy="1184311"/>
-          </a:xfrm>
-          <a:prstGeom prst="rect">
-            <a:avLst/>
-          </a:prstGeom>
-          <a:ln>
-            <a:solidFill>
-              <a:schemeClr val="bg1">
-                <a:lumMod val="75000"/>
-              </a:schemeClr>
-            </a:solidFill>
-          </a:ln>
-        </p:spPr>
-      </p:pic>
-      <p:pic>
-        <p:nvPicPr>
-          <p:cNvPr id="64" name="Picture 63">
-            <a:extLst>
-              <a:ext uri="{FF2B5EF4-FFF2-40B4-BE49-F238E27FC236}">
-                <a16:creationId xmlns:a16="http://schemas.microsoft.com/office/drawing/2014/main" id="{EAD0F666-F6E4-28FF-D24C-8A8EF2492D84}"/>
-              </a:ext>
-            </a:extLst>
-          </p:cNvPr>
-          <p:cNvPicPr>
-            <a:picLocks noChangeAspect="1"/>
-          </p:cNvPicPr>
-          <p:nvPr/>
-        </p:nvPicPr>
-        <p:blipFill>
-          <a:blip r:embed="rId7"/>
-          <a:stretch>
-            <a:fillRect/>
-          </a:stretch>
-        </p:blipFill>
-        <p:spPr>
-          <a:xfrm>
-            <a:off x="6381948" y="4684053"/>
-            <a:ext cx="3248478" cy="247685"/>
-          </a:xfrm>
-          <a:prstGeom prst="rect">
-            <a:avLst/>
-          </a:prstGeom>
-        </p:spPr>
-      </p:pic>
-      <p:cxnSp>
-        <p:nvCxnSpPr>
-          <p:cNvPr id="65" name="Straight Arrow Connector 64">
-            <a:extLst>
-              <a:ext uri="{FF2B5EF4-FFF2-40B4-BE49-F238E27FC236}">
-                <a16:creationId xmlns:a16="http://schemas.microsoft.com/office/drawing/2014/main" id="{8095B8BF-43E0-1DF8-12A6-7E14F816C1C4}"/>
-              </a:ext>
-            </a:extLst>
-          </p:cNvPr>
-          <p:cNvCxnSpPr>
-            <a:cxnSpLocks/>
-          </p:cNvCxnSpPr>
-          <p:nvPr/>
-        </p:nvCxnSpPr>
-        <p:spPr>
-          <a:xfrm>
-            <a:off x="7682235" y="3011497"/>
-            <a:ext cx="0" cy="1569930"/>
-          </a:xfrm>
-          <a:prstGeom prst="straightConnector1">
-            <a:avLst/>
-          </a:prstGeom>
-          <a:ln w="19050">
-            <a:solidFill>
-              <a:srgbClr val="FF0000"/>
-            </a:solidFill>
-            <a:prstDash val="dash"/>
-            <a:tailEnd type="triangle"/>
-          </a:ln>
-        </p:spPr>
-        <p:style>
-          <a:lnRef idx="1">
-            <a:schemeClr val="accent1"/>
-          </a:lnRef>
-          <a:fillRef idx="0">
-            <a:schemeClr val="accent1"/>
-          </a:fillRef>
-          <a:effectRef idx="0">
-            <a:schemeClr val="accent1"/>
-          </a:effectRef>
-          <a:fontRef idx="minor">
-            <a:schemeClr val="tx1"/>
-          </a:fontRef>
-        </p:style>
-      </p:cxnSp>
-    </p:spTree>
-    <p:extLst>
-      <p:ext uri="{BB962C8B-B14F-4D97-AF65-F5344CB8AC3E}">
-        <p14:creationId xmlns:p14="http://schemas.microsoft.com/office/powerpoint/2010/main" val="2919303586"/>
-      </p:ext>
-    </p:extLst>
-  </p:cSld>
-  <p:clrMapOvr>
-    <a:masterClrMapping/>
-  </p:clrMapOvr>
-</p:sld>
-</file>
-
-<file path=ppt/slides/slide4.xml><?xml version="1.0" encoding="utf-8"?>
-<p:sld xmlns:a="http://schemas.openxmlformats.org/drawingml/2006/main" xmlns:r="http://schemas.openxmlformats.org/officeDocument/2006/relationships" xmlns:p="http://schemas.openxmlformats.org/presentationml/2006/main">
-  <p:cSld>
-    <p:spTree>
-      <p:nvGrpSpPr>
-        <p:cNvPr id="1" name=""/>
-        <p:cNvGrpSpPr/>
-        <p:nvPr/>
-      </p:nvGrpSpPr>
-      <p:grpSpPr>
-        <a:xfrm>
-          <a:off x="0" y="0"/>
-          <a:ext cx="0" cy="0"/>
-          <a:chOff x="0" y="0"/>
-          <a:chExt cx="0" cy="0"/>
-        </a:xfrm>
-      </p:grpSpPr>
-      <p:pic>
-        <p:nvPicPr>
-          <p:cNvPr id="14" name="Picture 13">
-            <a:extLst>
-              <a:ext uri="{FF2B5EF4-FFF2-40B4-BE49-F238E27FC236}">
-                <a16:creationId xmlns:a16="http://schemas.microsoft.com/office/drawing/2014/main" id="{E92BD3EC-C85F-68C1-14AE-A1C224288C8F}"/>
-              </a:ext>
-            </a:extLst>
-          </p:cNvPr>
-          <p:cNvPicPr>
-            <a:picLocks noChangeAspect="1"/>
-          </p:cNvPicPr>
-          <p:nvPr/>
-        </p:nvPicPr>
-        <p:blipFill>
-          <a:blip r:embed="rId2"/>
-          <a:stretch>
-            <a:fillRect/>
-          </a:stretch>
-        </p:blipFill>
-        <p:spPr>
-          <a:xfrm>
-            <a:off x="2658313" y="1278626"/>
-            <a:ext cx="3275926" cy="1184311"/>
-          </a:xfrm>
-          <a:prstGeom prst="rect">
-            <a:avLst/>
-          </a:prstGeom>
-        </p:spPr>
-      </p:pic>
-      <p:pic>
-        <p:nvPicPr>
-          <p:cNvPr id="17" name="Picture 16">
-            <a:extLst>
-              <a:ext uri="{FF2B5EF4-FFF2-40B4-BE49-F238E27FC236}">
-                <a16:creationId xmlns:a16="http://schemas.microsoft.com/office/drawing/2014/main" id="{026E9258-F14E-55FE-2A71-C112515DEA12}"/>
-              </a:ext>
-            </a:extLst>
-          </p:cNvPr>
-          <p:cNvPicPr>
-            <a:picLocks noChangeAspect="1"/>
-          </p:cNvPicPr>
-          <p:nvPr/>
-        </p:nvPicPr>
-        <p:blipFill>
-          <a:blip r:embed="rId3"/>
-          <a:stretch>
-            <a:fillRect/>
-          </a:stretch>
-        </p:blipFill>
-        <p:spPr>
-          <a:xfrm>
-            <a:off x="2672037" y="2747568"/>
-            <a:ext cx="3248478" cy="247685"/>
-          </a:xfrm>
-          <a:prstGeom prst="rect">
-            <a:avLst/>
-          </a:prstGeom>
-        </p:spPr>
-      </p:pic>
-      <p:sp>
-        <p:nvSpPr>
-          <p:cNvPr id="18" name="Rectangle 17">
-            <a:extLst>
-              <a:ext uri="{FF2B5EF4-FFF2-40B4-BE49-F238E27FC236}">
-                <a16:creationId xmlns:a16="http://schemas.microsoft.com/office/drawing/2014/main" id="{462C1DB4-136D-2E22-1AB4-6B1C3E87E261}"/>
-              </a:ext>
-            </a:extLst>
-          </p:cNvPr>
-          <p:cNvSpPr/>
-          <p:nvPr/>
-        </p:nvSpPr>
-        <p:spPr>
-          <a:xfrm>
-            <a:off x="2318995" y="1192263"/>
-            <a:ext cx="7777113" cy="3605980"/>
-          </a:xfrm>
-          <a:prstGeom prst="rect">
-            <a:avLst/>
-          </a:prstGeom>
-          <a:noFill/>
-          <a:ln>
-            <a:solidFill>
-              <a:schemeClr val="bg1"/>
-            </a:solidFill>
-          </a:ln>
-        </p:spPr>
-        <p:style>
-          <a:lnRef idx="2">
-            <a:schemeClr val="accent1">
-              <a:shade val="15000"/>
-            </a:schemeClr>
-          </a:lnRef>
-          <a:fillRef idx="1">
-            <a:schemeClr val="accent1"/>
-          </a:fillRef>
-          <a:effectRef idx="0">
-            <a:schemeClr val="accent1"/>
-          </a:effectRef>
-          <a:fontRef idx="minor">
-            <a:schemeClr val="lt1"/>
-          </a:fontRef>
-        </p:style>
-        <p:txBody>
-          <a:bodyPr rtlCol="0" anchor="ctr"/>
-          <a:lstStyle/>
-          <a:p>
-            <a:pPr algn="ctr"/>
-            <a:endParaRPr lang="ko-KR" altLang="en-US"/>
-          </a:p>
-        </p:txBody>
-      </p:sp>
-    </p:spTree>
-    <p:extLst>
-      <p:ext uri="{BB962C8B-B14F-4D97-AF65-F5344CB8AC3E}">
-        <p14:creationId xmlns:p14="http://schemas.microsoft.com/office/powerpoint/2010/main" val="798058460"/>
-      </p:ext>
-    </p:extLst>
-  </p:cSld>
-  <p:clrMapOvr>
-    <a:masterClrMapping/>
-  </p:clrMapOvr>
-</p:sld>
-</file>
-
-<file path=ppt/slides/slide5.xml><?xml version="1.0" encoding="utf-8"?>
-<p:sld xmlns:a="http://schemas.openxmlformats.org/drawingml/2006/main" xmlns:r="http://schemas.openxmlformats.org/officeDocument/2006/relationships" xmlns:p="http://schemas.openxmlformats.org/presentationml/2006/main">
-  <p:cSld>
-    <p:spTree>
-      <p:nvGrpSpPr>
-        <p:cNvPr id="1" name=""/>
-        <p:cNvGrpSpPr/>
-        <p:nvPr/>
-      </p:nvGrpSpPr>
-      <p:grpSpPr>
-        <a:xfrm>
-          <a:off x="0" y="0"/>
-          <a:ext cx="0" cy="0"/>
-          <a:chOff x="0" y="0"/>
-          <a:chExt cx="0" cy="0"/>
-        </a:xfrm>
-      </p:grpSpPr>
-      <p:sp>
-        <p:nvSpPr>
-          <p:cNvPr id="44" name="Rectangle 43">
-            <a:extLst>
-              <a:ext uri="{FF2B5EF4-FFF2-40B4-BE49-F238E27FC236}">
-                <a16:creationId xmlns:a16="http://schemas.microsoft.com/office/drawing/2014/main" id="{0522E2A5-C6EA-70D2-F47D-927C851D976C}"/>
-              </a:ext>
-            </a:extLst>
-          </p:cNvPr>
-          <p:cNvSpPr/>
-          <p:nvPr/>
-        </p:nvSpPr>
-        <p:spPr>
-          <a:xfrm>
-            <a:off x="2895610" y="836624"/>
-            <a:ext cx="4128711" cy="5946647"/>
-          </a:xfrm>
-          <a:prstGeom prst="rect">
-            <a:avLst/>
-          </a:prstGeom>
-          <a:solidFill>
-            <a:schemeClr val="bg1">
-              <a:lumMod val="95000"/>
-            </a:schemeClr>
-          </a:solidFill>
-          <a:ln>
-            <a:noFill/>
-          </a:ln>
-        </p:spPr>
-        <p:style>
-          <a:lnRef idx="2">
-            <a:schemeClr val="accent1">
-              <a:shade val="15000"/>
-            </a:schemeClr>
-          </a:lnRef>
-          <a:fillRef idx="1">
-            <a:schemeClr val="accent1"/>
-          </a:fillRef>
-          <a:effectRef idx="0">
-            <a:schemeClr val="accent1"/>
-          </a:effectRef>
-          <a:fontRef idx="minor">
-            <a:schemeClr val="lt1"/>
-          </a:fontRef>
-        </p:style>
-        <p:txBody>
-          <a:bodyPr rtlCol="0" anchor="ctr"/>
-          <a:lstStyle/>
-          <a:p>
-            <a:pPr algn="ctr"/>
-            <a:endParaRPr lang="ko-KR" altLang="en-US"/>
-          </a:p>
-        </p:txBody>
-      </p:sp>
-      <p:pic>
-        <p:nvPicPr>
-          <p:cNvPr id="6" name="Picture 5">
-            <a:extLst>
-              <a:ext uri="{FF2B5EF4-FFF2-40B4-BE49-F238E27FC236}">
-                <a16:creationId xmlns:a16="http://schemas.microsoft.com/office/drawing/2014/main" id="{07D6A45D-18BB-86C2-EE83-18E92E648863}"/>
-              </a:ext>
-            </a:extLst>
-          </p:cNvPr>
-          <p:cNvPicPr>
-            <a:picLocks noChangeAspect="1"/>
-          </p:cNvPicPr>
-          <p:nvPr/>
-        </p:nvPicPr>
-        <p:blipFill>
-          <a:blip r:embed="rId2"/>
-          <a:stretch>
-            <a:fillRect/>
-          </a:stretch>
-        </p:blipFill>
-        <p:spPr>
-          <a:xfrm>
-            <a:off x="579092" y="1199600"/>
-            <a:ext cx="1810003" cy="952633"/>
-          </a:xfrm>
-          <a:prstGeom prst="rect">
-            <a:avLst/>
-          </a:prstGeom>
-          <a:ln w="19050">
-            <a:solidFill>
-              <a:schemeClr val="tx1"/>
-            </a:solidFill>
-          </a:ln>
-        </p:spPr>
-      </p:pic>
-      <p:pic>
-        <p:nvPicPr>
-          <p:cNvPr id="8" name="Picture 7">
-            <a:extLst>
-              <a:ext uri="{FF2B5EF4-FFF2-40B4-BE49-F238E27FC236}">
-                <a16:creationId xmlns:a16="http://schemas.microsoft.com/office/drawing/2014/main" id="{C8613B6C-09DF-B7B6-96BF-DCBFEA69291E}"/>
-              </a:ext>
-            </a:extLst>
-          </p:cNvPr>
-          <p:cNvPicPr>
-            <a:picLocks noChangeAspect="1"/>
-          </p:cNvPicPr>
-          <p:nvPr/>
-        </p:nvPicPr>
-        <p:blipFill>
-          <a:blip r:embed="rId3"/>
-          <a:stretch>
-            <a:fillRect/>
-          </a:stretch>
-        </p:blipFill>
-        <p:spPr>
-          <a:xfrm>
-            <a:off x="564074" y="2674338"/>
-            <a:ext cx="1790950" cy="914528"/>
-          </a:xfrm>
-          <a:prstGeom prst="rect">
-            <a:avLst/>
-          </a:prstGeom>
-          <a:ln w="19050">
-            <a:solidFill>
-              <a:schemeClr val="tx1"/>
-            </a:solidFill>
-          </a:ln>
-        </p:spPr>
-      </p:pic>
-      <p:sp>
-        <p:nvSpPr>
-          <p:cNvPr id="9" name="TextBox 8">
-            <a:extLst>
-              <a:ext uri="{FF2B5EF4-FFF2-40B4-BE49-F238E27FC236}">
-                <a16:creationId xmlns:a16="http://schemas.microsoft.com/office/drawing/2014/main" id="{E3D814BF-356D-D8D6-5173-DCDCB452E68B}"/>
-              </a:ext>
-            </a:extLst>
-          </p:cNvPr>
-          <p:cNvSpPr txBox="1"/>
-          <p:nvPr/>
-        </p:nvSpPr>
-        <p:spPr>
-          <a:xfrm flipH="1">
-            <a:off x="550811" y="786892"/>
-            <a:ext cx="1077474" cy="369332"/>
-          </a:xfrm>
-          <a:prstGeom prst="rect">
-            <a:avLst/>
-          </a:prstGeom>
-          <a:noFill/>
-        </p:spPr>
-        <p:txBody>
-          <a:bodyPr wrap="none" rtlCol="0">
-            <a:spAutoFit/>
-          </a:bodyPr>
-          <a:lstStyle/>
-          <a:p>
-            <a:r>
-              <a:rPr lang="en-US" altLang="ko-KR" dirty="0">
-                <a:latin typeface="Roboto" panose="02000000000000000000" pitchFamily="2" charset="0"/>
-                <a:ea typeface="Roboto" panose="02000000000000000000" pitchFamily="2" charset="0"/>
-              </a:rPr>
-              <a:t>Program</a:t>
-            </a:r>
-            <a:endParaRPr lang="ko-KR" altLang="en-US" dirty="0">
-              <a:latin typeface="Roboto" panose="02000000000000000000" pitchFamily="2" charset="0"/>
-            </a:endParaRPr>
-          </a:p>
-        </p:txBody>
-      </p:sp>
-      <p:sp>
-        <p:nvSpPr>
-          <p:cNvPr id="10" name="TextBox 9">
-            <a:extLst>
-              <a:ext uri="{FF2B5EF4-FFF2-40B4-BE49-F238E27FC236}">
-                <a16:creationId xmlns:a16="http://schemas.microsoft.com/office/drawing/2014/main" id="{F030D3F9-E48B-9C6A-3003-9B2E68084A10}"/>
-              </a:ext>
-            </a:extLst>
-          </p:cNvPr>
-          <p:cNvSpPr txBox="1"/>
-          <p:nvPr/>
-        </p:nvSpPr>
-        <p:spPr>
-          <a:xfrm flipH="1">
-            <a:off x="510421" y="2229193"/>
-            <a:ext cx="1305165" cy="369332"/>
-          </a:xfrm>
-          <a:prstGeom prst="rect">
-            <a:avLst/>
-          </a:prstGeom>
-          <a:noFill/>
-        </p:spPr>
-        <p:txBody>
-          <a:bodyPr wrap="none" rtlCol="0">
-            <a:spAutoFit/>
-          </a:bodyPr>
-          <a:lstStyle/>
-          <a:p>
-            <a:r>
-              <a:rPr lang="en-US" altLang="ko-KR" dirty="0">
-                <a:latin typeface="Roboto" panose="02000000000000000000" pitchFamily="2" charset="0"/>
-                <a:ea typeface="Roboto" panose="02000000000000000000" pitchFamily="2" charset="0"/>
-              </a:rPr>
-              <a:t>Study type</a:t>
-            </a:r>
-            <a:endParaRPr lang="ko-KR" altLang="en-US" dirty="0">
-              <a:latin typeface="Roboto" panose="02000000000000000000" pitchFamily="2" charset="0"/>
-            </a:endParaRPr>
-          </a:p>
-        </p:txBody>
-      </p:sp>
-      <p:pic>
-        <p:nvPicPr>
-          <p:cNvPr id="12" name="Picture 11">
-            <a:extLst>
-              <a:ext uri="{FF2B5EF4-FFF2-40B4-BE49-F238E27FC236}">
-                <a16:creationId xmlns:a16="http://schemas.microsoft.com/office/drawing/2014/main" id="{110A5A2A-2D2D-C72E-BBA7-2731304629C6}"/>
-              </a:ext>
-            </a:extLst>
-          </p:cNvPr>
-          <p:cNvPicPr>
-            <a:picLocks noChangeAspect="1"/>
-          </p:cNvPicPr>
-          <p:nvPr/>
-        </p:nvPicPr>
-        <p:blipFill>
-          <a:blip r:embed="rId4"/>
-          <a:stretch>
-            <a:fillRect/>
-          </a:stretch>
-        </p:blipFill>
-        <p:spPr>
-          <a:xfrm>
-            <a:off x="3073753" y="1211436"/>
-            <a:ext cx="1800476" cy="1257626"/>
-          </a:xfrm>
-          <a:prstGeom prst="rect">
-            <a:avLst/>
-          </a:prstGeom>
-          <a:ln w="19050">
-            <a:solidFill>
-              <a:schemeClr val="tx1"/>
-            </a:solidFill>
-          </a:ln>
-        </p:spPr>
-      </p:pic>
-      <p:pic>
-        <p:nvPicPr>
-          <p:cNvPr id="14" name="Picture 13">
-            <a:extLst>
-              <a:ext uri="{FF2B5EF4-FFF2-40B4-BE49-F238E27FC236}">
-                <a16:creationId xmlns:a16="http://schemas.microsoft.com/office/drawing/2014/main" id="{79A32A01-F35A-E9C3-A03F-546AB0F59531}"/>
-              </a:ext>
-            </a:extLst>
-          </p:cNvPr>
-          <p:cNvPicPr>
-            <a:picLocks noChangeAspect="1"/>
-          </p:cNvPicPr>
-          <p:nvPr/>
-        </p:nvPicPr>
-        <p:blipFill rotWithShape="1">
-          <a:blip r:embed="rId5"/>
-          <a:srcRect b="50187"/>
-          <a:stretch/>
-        </p:blipFill>
-        <p:spPr>
-          <a:xfrm>
-            <a:off x="3149169" y="3299563"/>
-            <a:ext cx="1797269" cy="3416170"/>
-          </a:xfrm>
-          <a:prstGeom prst="rect">
-            <a:avLst/>
-          </a:prstGeom>
-          <a:ln w="19050">
-            <a:noFill/>
-          </a:ln>
-        </p:spPr>
-      </p:pic>
-      <p:pic>
-        <p:nvPicPr>
-          <p:cNvPr id="16" name="Picture 15">
-            <a:extLst>
-              <a:ext uri="{FF2B5EF4-FFF2-40B4-BE49-F238E27FC236}">
-                <a16:creationId xmlns:a16="http://schemas.microsoft.com/office/drawing/2014/main" id="{18ECE72C-8396-5F0B-08F8-7099712EFD1F}"/>
-              </a:ext>
-            </a:extLst>
-          </p:cNvPr>
-          <p:cNvPicPr>
-            <a:picLocks noChangeAspect="1"/>
-          </p:cNvPicPr>
-          <p:nvPr/>
-        </p:nvPicPr>
-        <p:blipFill>
-          <a:blip r:embed="rId6"/>
-          <a:stretch>
-            <a:fillRect/>
-          </a:stretch>
-        </p:blipFill>
-        <p:spPr>
-          <a:xfrm>
-            <a:off x="5077813" y="1213564"/>
-            <a:ext cx="1800476" cy="1838582"/>
-          </a:xfrm>
-          <a:prstGeom prst="rect">
-            <a:avLst/>
-          </a:prstGeom>
-          <a:ln w="19050">
-            <a:solidFill>
-              <a:schemeClr val="tx1"/>
-            </a:solidFill>
-          </a:ln>
-        </p:spPr>
-      </p:pic>
-      <p:pic>
-        <p:nvPicPr>
-          <p:cNvPr id="17" name="Picture 16">
-            <a:extLst>
-              <a:ext uri="{FF2B5EF4-FFF2-40B4-BE49-F238E27FC236}">
-                <a16:creationId xmlns:a16="http://schemas.microsoft.com/office/drawing/2014/main" id="{3780BC51-130E-0C25-572C-CECB9D6D4D8E}"/>
-              </a:ext>
-            </a:extLst>
-          </p:cNvPr>
-          <p:cNvPicPr>
-            <a:picLocks noChangeAspect="1"/>
-          </p:cNvPicPr>
-          <p:nvPr/>
-        </p:nvPicPr>
-        <p:blipFill rotWithShape="1">
-          <a:blip r:embed="rId5"/>
-          <a:srcRect t="50187"/>
-          <a:stretch/>
-        </p:blipFill>
-        <p:spPr>
-          <a:xfrm>
-            <a:off x="4961456" y="3252429"/>
-            <a:ext cx="1797269" cy="3416169"/>
-          </a:xfrm>
-          <a:prstGeom prst="rect">
-            <a:avLst/>
-          </a:prstGeom>
-          <a:ln w="19050">
-            <a:noFill/>
-          </a:ln>
-        </p:spPr>
-      </p:pic>
-      <p:sp>
-        <p:nvSpPr>
-          <p:cNvPr id="18" name="Rectangle 17">
-            <a:extLst>
-              <a:ext uri="{FF2B5EF4-FFF2-40B4-BE49-F238E27FC236}">
-                <a16:creationId xmlns:a16="http://schemas.microsoft.com/office/drawing/2014/main" id="{EDC10ECE-E91B-D2EA-ED79-D1B028AA0D5D}"/>
-              </a:ext>
-            </a:extLst>
-          </p:cNvPr>
-          <p:cNvSpPr/>
-          <p:nvPr/>
-        </p:nvSpPr>
-        <p:spPr>
-          <a:xfrm>
-            <a:off x="3160979" y="3271280"/>
-            <a:ext cx="3597745" cy="3444453"/>
-          </a:xfrm>
-          <a:prstGeom prst="rect">
-            <a:avLst/>
-          </a:prstGeom>
-          <a:noFill/>
-          <a:ln w="19050">
-            <a:solidFill>
-              <a:schemeClr val="tx1"/>
-            </a:solidFill>
-          </a:ln>
-        </p:spPr>
-        <p:style>
-          <a:lnRef idx="2">
-            <a:schemeClr val="accent1">
-              <a:shade val="15000"/>
-            </a:schemeClr>
-          </a:lnRef>
-          <a:fillRef idx="1">
-            <a:schemeClr val="accent1"/>
-          </a:fillRef>
-          <a:effectRef idx="0">
-            <a:schemeClr val="accent1"/>
-          </a:effectRef>
-          <a:fontRef idx="minor">
-            <a:schemeClr val="lt1"/>
-          </a:fontRef>
-        </p:style>
-        <p:txBody>
-          <a:bodyPr rtlCol="0" anchor="ctr"/>
-          <a:lstStyle/>
-          <a:p>
-            <a:pPr algn="ctr"/>
-            <a:endParaRPr lang="ko-KR" altLang="en-US"/>
-          </a:p>
-        </p:txBody>
-      </p:sp>
-      <p:sp>
-        <p:nvSpPr>
-          <p:cNvPr id="19" name="TextBox 18">
-            <a:extLst>
-              <a:ext uri="{FF2B5EF4-FFF2-40B4-BE49-F238E27FC236}">
-                <a16:creationId xmlns:a16="http://schemas.microsoft.com/office/drawing/2014/main" id="{CA604DA4-C0C4-4C8D-2D20-BD3BB1456493}"/>
-              </a:ext>
-            </a:extLst>
-          </p:cNvPr>
-          <p:cNvSpPr txBox="1"/>
-          <p:nvPr/>
-        </p:nvSpPr>
-        <p:spPr>
-          <a:xfrm flipH="1">
-            <a:off x="3073753" y="827963"/>
-            <a:ext cx="1443024" cy="369332"/>
-          </a:xfrm>
-          <a:prstGeom prst="rect">
-            <a:avLst/>
-          </a:prstGeom>
-          <a:noFill/>
-        </p:spPr>
-        <p:txBody>
-          <a:bodyPr wrap="none" rtlCol="0">
-            <a:spAutoFit/>
-          </a:bodyPr>
-          <a:lstStyle/>
-          <a:p>
-            <a:r>
-              <a:rPr lang="en-US" altLang="ko-KR" dirty="0">
-                <a:latin typeface="Roboto" panose="02000000000000000000" pitchFamily="2" charset="0"/>
-                <a:ea typeface="Roboto" panose="02000000000000000000" pitchFamily="2" charset="0"/>
-              </a:rPr>
-              <a:t>Clinical Trial</a:t>
-            </a:r>
-            <a:endParaRPr lang="ko-KR" altLang="en-US" dirty="0">
-              <a:latin typeface="Roboto" panose="02000000000000000000" pitchFamily="2" charset="0"/>
-            </a:endParaRPr>
-          </a:p>
-        </p:txBody>
-      </p:sp>
-      <p:sp>
-        <p:nvSpPr>
-          <p:cNvPr id="20" name="TextBox 19">
-            <a:extLst>
-              <a:ext uri="{FF2B5EF4-FFF2-40B4-BE49-F238E27FC236}">
-                <a16:creationId xmlns:a16="http://schemas.microsoft.com/office/drawing/2014/main" id="{BB4E6F12-0BBA-8C06-5319-1125CB29DF48}"/>
-              </a:ext>
-            </a:extLst>
-          </p:cNvPr>
-          <p:cNvSpPr txBox="1"/>
-          <p:nvPr/>
-        </p:nvSpPr>
-        <p:spPr>
-          <a:xfrm flipH="1">
-            <a:off x="5077813" y="827963"/>
-            <a:ext cx="1859805" cy="369332"/>
-          </a:xfrm>
-          <a:prstGeom prst="rect">
-            <a:avLst/>
-          </a:prstGeom>
-          <a:noFill/>
-        </p:spPr>
-        <p:txBody>
-          <a:bodyPr wrap="none" rtlCol="0">
-            <a:spAutoFit/>
-          </a:bodyPr>
-          <a:lstStyle/>
-          <a:p>
-            <a:r>
-              <a:rPr lang="en-US" altLang="ko-KR" dirty="0">
-                <a:latin typeface="Roboto" panose="02000000000000000000" pitchFamily="2" charset="0"/>
-                <a:ea typeface="Roboto" panose="02000000000000000000" pitchFamily="2" charset="0"/>
-              </a:rPr>
-              <a:t>Transcriptomics</a:t>
-            </a:r>
-            <a:endParaRPr lang="ko-KR" altLang="en-US" dirty="0">
-              <a:latin typeface="Roboto" panose="02000000000000000000" pitchFamily="2" charset="0"/>
-            </a:endParaRPr>
-          </a:p>
-        </p:txBody>
-      </p:sp>
-      <p:sp>
-        <p:nvSpPr>
-          <p:cNvPr id="21" name="TextBox 20">
-            <a:extLst>
-              <a:ext uri="{FF2B5EF4-FFF2-40B4-BE49-F238E27FC236}">
-                <a16:creationId xmlns:a16="http://schemas.microsoft.com/office/drawing/2014/main" id="{EF85BBB9-BB1C-2B8F-F189-6A258330DBFC}"/>
-              </a:ext>
-            </a:extLst>
-          </p:cNvPr>
-          <p:cNvSpPr txBox="1"/>
-          <p:nvPr/>
-        </p:nvSpPr>
-        <p:spPr>
-          <a:xfrm flipH="1">
-            <a:off x="3149169" y="2887807"/>
-            <a:ext cx="1208985" cy="369332"/>
-          </a:xfrm>
-          <a:prstGeom prst="rect">
-            <a:avLst/>
-          </a:prstGeom>
-          <a:noFill/>
-        </p:spPr>
-        <p:txBody>
-          <a:bodyPr wrap="none" rtlCol="0">
-            <a:spAutoFit/>
-          </a:bodyPr>
-          <a:lstStyle/>
-          <a:p>
-            <a:r>
-              <a:rPr lang="en-US" altLang="ko-KR" dirty="0">
-                <a:latin typeface="Roboto" panose="02000000000000000000" pitchFamily="2" charset="0"/>
-                <a:ea typeface="Roboto" panose="02000000000000000000" pitchFamily="2" charset="0"/>
-              </a:rPr>
-              <a:t>Genomics</a:t>
-            </a:r>
-            <a:endParaRPr lang="ko-KR" altLang="en-US" dirty="0">
-              <a:latin typeface="Roboto" panose="02000000000000000000" pitchFamily="2" charset="0"/>
-            </a:endParaRPr>
-          </a:p>
-        </p:txBody>
-      </p:sp>
-      <p:cxnSp>
-        <p:nvCxnSpPr>
-          <p:cNvPr id="26" name="Straight Arrow Connector 25">
-            <a:extLst>
-              <a:ext uri="{FF2B5EF4-FFF2-40B4-BE49-F238E27FC236}">
-                <a16:creationId xmlns:a16="http://schemas.microsoft.com/office/drawing/2014/main" id="{464B4965-B071-18D3-FED0-74C00919720C}"/>
-              </a:ext>
-            </a:extLst>
-          </p:cNvPr>
-          <p:cNvCxnSpPr>
-            <a:cxnSpLocks/>
-          </p:cNvCxnSpPr>
-          <p:nvPr/>
-        </p:nvCxnSpPr>
-        <p:spPr>
-          <a:xfrm>
-            <a:off x="7095732" y="1345600"/>
-            <a:ext cx="362343" cy="0"/>
-          </a:xfrm>
-          <a:prstGeom prst="straightConnector1">
-            <a:avLst/>
-          </a:prstGeom>
-          <a:ln w="38100">
-            <a:solidFill>
-              <a:schemeClr val="tx1"/>
-            </a:solidFill>
-            <a:tailEnd type="triangle"/>
-          </a:ln>
-        </p:spPr>
-        <p:style>
-          <a:lnRef idx="1">
-            <a:schemeClr val="accent1"/>
-          </a:lnRef>
-          <a:fillRef idx="0">
-            <a:schemeClr val="accent1"/>
-          </a:fillRef>
-          <a:effectRef idx="0">
-            <a:schemeClr val="accent1"/>
-          </a:effectRef>
-          <a:fontRef idx="minor">
-            <a:schemeClr val="tx1"/>
-          </a:fontRef>
-        </p:style>
-      </p:cxnSp>
-      <p:sp>
-        <p:nvSpPr>
-          <p:cNvPr id="27" name="TextBox 26">
-            <a:extLst>
-              <a:ext uri="{FF2B5EF4-FFF2-40B4-BE49-F238E27FC236}">
-                <a16:creationId xmlns:a16="http://schemas.microsoft.com/office/drawing/2014/main" id="{55A15E33-558C-5E3E-AB98-F44B2E1FF683}"/>
-              </a:ext>
-            </a:extLst>
-          </p:cNvPr>
-          <p:cNvSpPr txBox="1"/>
-          <p:nvPr/>
-        </p:nvSpPr>
-        <p:spPr>
-          <a:xfrm flipH="1">
-            <a:off x="7526132" y="827963"/>
-            <a:ext cx="1103187" cy="369332"/>
-          </a:xfrm>
-          <a:prstGeom prst="rect">
-            <a:avLst/>
-          </a:prstGeom>
-          <a:noFill/>
-        </p:spPr>
-        <p:txBody>
-          <a:bodyPr wrap="none" rtlCol="0">
-            <a:spAutoFit/>
-          </a:bodyPr>
-          <a:lstStyle/>
-          <a:p>
-            <a:r>
-              <a:rPr lang="en-US" altLang="ko-KR" dirty="0">
-                <a:latin typeface="Roboto" panose="02000000000000000000" pitchFamily="2" charset="0"/>
-                <a:ea typeface="Roboto" panose="02000000000000000000" pitchFamily="2" charset="0"/>
-              </a:rPr>
-              <a:t>File Type</a:t>
-            </a:r>
-            <a:endParaRPr lang="ko-KR" altLang="en-US" dirty="0">
-              <a:latin typeface="Roboto" panose="02000000000000000000" pitchFamily="2" charset="0"/>
-            </a:endParaRPr>
-          </a:p>
-        </p:txBody>
-      </p:sp>
-      <p:sp>
-        <p:nvSpPr>
-          <p:cNvPr id="30" name="TextBox 29">
-            <a:extLst>
-              <a:ext uri="{FF2B5EF4-FFF2-40B4-BE49-F238E27FC236}">
-                <a16:creationId xmlns:a16="http://schemas.microsoft.com/office/drawing/2014/main" id="{7F4826AB-F1E9-3925-EE01-42FA52B33AF6}"/>
-              </a:ext>
-            </a:extLst>
-          </p:cNvPr>
-          <p:cNvSpPr txBox="1"/>
-          <p:nvPr/>
-        </p:nvSpPr>
-        <p:spPr>
-          <a:xfrm flipH="1">
-            <a:off x="9350461" y="1563548"/>
-            <a:ext cx="1521570" cy="307777"/>
-          </a:xfrm>
-          <a:prstGeom prst="rect">
-            <a:avLst/>
-          </a:prstGeom>
-          <a:noFill/>
-        </p:spPr>
-        <p:txBody>
-          <a:bodyPr wrap="none" rtlCol="0">
-            <a:spAutoFit/>
-          </a:bodyPr>
-          <a:lstStyle/>
-          <a:p>
-            <a:r>
-              <a:rPr lang="en-US" altLang="ko-KR" sz="1400" dirty="0">
-                <a:solidFill>
-                  <a:srgbClr val="0070C0"/>
-                </a:solidFill>
-                <a:latin typeface="Roboto" panose="02000000000000000000" pitchFamily="2" charset="0"/>
-                <a:ea typeface="Roboto" panose="02000000000000000000" pitchFamily="2" charset="0"/>
-              </a:rPr>
-              <a:t>.doc, .pdf, .rtf, .</a:t>
-            </a:r>
-            <a:r>
-              <a:rPr lang="en-US" altLang="ko-KR" sz="1400" dirty="0" err="1">
-                <a:solidFill>
-                  <a:srgbClr val="0070C0"/>
-                </a:solidFill>
-                <a:latin typeface="Roboto" panose="02000000000000000000" pitchFamily="2" charset="0"/>
-                <a:ea typeface="Roboto" panose="02000000000000000000" pitchFamily="2" charset="0"/>
-              </a:rPr>
-              <a:t>tif</a:t>
-            </a:r>
-            <a:endParaRPr lang="ko-KR" altLang="en-US" sz="1400" dirty="0">
-              <a:solidFill>
-                <a:srgbClr val="0070C0"/>
-              </a:solidFill>
-              <a:latin typeface="Roboto" panose="02000000000000000000" pitchFamily="2" charset="0"/>
-            </a:endParaRPr>
-          </a:p>
-        </p:txBody>
-      </p:sp>
-      <p:pic>
-        <p:nvPicPr>
-          <p:cNvPr id="35" name="Picture 34">
-            <a:extLst>
-              <a:ext uri="{FF2B5EF4-FFF2-40B4-BE49-F238E27FC236}">
-                <a16:creationId xmlns:a16="http://schemas.microsoft.com/office/drawing/2014/main" id="{90C4D3C7-A24E-9F71-3AD0-0331F07CE767}"/>
-              </a:ext>
-            </a:extLst>
-          </p:cNvPr>
-          <p:cNvPicPr>
-            <a:picLocks noChangeAspect="1"/>
-          </p:cNvPicPr>
-          <p:nvPr/>
-        </p:nvPicPr>
-        <p:blipFill>
-          <a:blip r:embed="rId7"/>
-          <a:stretch>
-            <a:fillRect/>
-          </a:stretch>
-        </p:blipFill>
-        <p:spPr>
-          <a:xfrm>
-            <a:off x="7556119" y="1226336"/>
-            <a:ext cx="1790950" cy="1448002"/>
-          </a:xfrm>
-          <a:prstGeom prst="rect">
-            <a:avLst/>
-          </a:prstGeom>
-          <a:ln w="19050">
-            <a:solidFill>
-              <a:schemeClr val="tx1"/>
-            </a:solidFill>
-          </a:ln>
-        </p:spPr>
-      </p:pic>
-      <p:sp>
-        <p:nvSpPr>
-          <p:cNvPr id="36" name="TextBox 35">
-            <a:extLst>
-              <a:ext uri="{FF2B5EF4-FFF2-40B4-BE49-F238E27FC236}">
-                <a16:creationId xmlns:a16="http://schemas.microsoft.com/office/drawing/2014/main" id="{A62D8C9C-3819-4557-3A36-BF5865182D07}"/>
-              </a:ext>
-            </a:extLst>
-          </p:cNvPr>
-          <p:cNvSpPr txBox="1"/>
-          <p:nvPr/>
-        </p:nvSpPr>
-        <p:spPr>
-          <a:xfrm flipH="1">
-            <a:off x="9350461" y="1221191"/>
-            <a:ext cx="473206" cy="307777"/>
-          </a:xfrm>
-          <a:prstGeom prst="rect">
-            <a:avLst/>
-          </a:prstGeom>
-          <a:noFill/>
-        </p:spPr>
-        <p:txBody>
-          <a:bodyPr wrap="none" rtlCol="0">
-            <a:spAutoFit/>
-          </a:bodyPr>
-          <a:lstStyle/>
-          <a:p>
-            <a:r>
-              <a:rPr lang="en-US" altLang="ko-KR" sz="1400" dirty="0">
-                <a:solidFill>
-                  <a:srgbClr val="0070C0"/>
-                </a:solidFill>
-                <a:latin typeface="Roboto" panose="02000000000000000000" pitchFamily="2" charset="0"/>
-                <a:ea typeface="Roboto" panose="02000000000000000000" pitchFamily="2" charset="0"/>
-              </a:rPr>
-              <a:t>.bai</a:t>
-            </a:r>
-            <a:endParaRPr lang="ko-KR" altLang="en-US" sz="1400" dirty="0">
-              <a:solidFill>
-                <a:srgbClr val="0070C0"/>
-              </a:solidFill>
-              <a:latin typeface="Roboto" panose="02000000000000000000" pitchFamily="2" charset="0"/>
-            </a:endParaRPr>
-          </a:p>
-        </p:txBody>
-      </p:sp>
-      <p:sp>
-        <p:nvSpPr>
-          <p:cNvPr id="37" name="TextBox 36">
-            <a:extLst>
-              <a:ext uri="{FF2B5EF4-FFF2-40B4-BE49-F238E27FC236}">
-                <a16:creationId xmlns:a16="http://schemas.microsoft.com/office/drawing/2014/main" id="{F4A43F5A-63EA-5017-7408-3896C05F3532}"/>
-              </a:ext>
-            </a:extLst>
-          </p:cNvPr>
-          <p:cNvSpPr txBox="1"/>
-          <p:nvPr/>
-        </p:nvSpPr>
-        <p:spPr>
-          <a:xfrm flipH="1">
-            <a:off x="9350461" y="1905905"/>
-            <a:ext cx="587020" cy="307777"/>
-          </a:xfrm>
-          <a:prstGeom prst="rect">
-            <a:avLst/>
-          </a:prstGeom>
-          <a:noFill/>
-        </p:spPr>
-        <p:txBody>
-          <a:bodyPr wrap="none" rtlCol="0">
-            <a:spAutoFit/>
-          </a:bodyPr>
-          <a:lstStyle/>
-          <a:p>
-            <a:r>
-              <a:rPr lang="en-US" altLang="ko-KR" sz="1400" dirty="0">
-                <a:solidFill>
-                  <a:srgbClr val="0070C0"/>
-                </a:solidFill>
-                <a:latin typeface="Roboto" panose="02000000000000000000" pitchFamily="2" charset="0"/>
-                <a:ea typeface="Roboto" panose="02000000000000000000" pitchFamily="2" charset="0"/>
-              </a:rPr>
-              <a:t>.bam</a:t>
-            </a:r>
-            <a:endParaRPr lang="ko-KR" altLang="en-US" sz="1400" dirty="0">
-              <a:solidFill>
-                <a:srgbClr val="0070C0"/>
-              </a:solidFill>
-              <a:latin typeface="Roboto" panose="02000000000000000000" pitchFamily="2" charset="0"/>
-            </a:endParaRPr>
-          </a:p>
-        </p:txBody>
-      </p:sp>
-      <p:pic>
-        <p:nvPicPr>
-          <p:cNvPr id="39" name="Picture 38">
-            <a:extLst>
-              <a:ext uri="{FF2B5EF4-FFF2-40B4-BE49-F238E27FC236}">
-                <a16:creationId xmlns:a16="http://schemas.microsoft.com/office/drawing/2014/main" id="{320DD7D0-0AD3-35D3-92AD-8891451ECE1F}"/>
-              </a:ext>
-            </a:extLst>
-          </p:cNvPr>
-          <p:cNvPicPr>
-            <a:picLocks noChangeAspect="1"/>
-          </p:cNvPicPr>
-          <p:nvPr/>
-        </p:nvPicPr>
-        <p:blipFill>
-          <a:blip r:embed="rId8"/>
-          <a:stretch>
-            <a:fillRect/>
-          </a:stretch>
-        </p:blipFill>
-        <p:spPr>
-          <a:xfrm>
-            <a:off x="1484093" y="103488"/>
-            <a:ext cx="3753374" cy="523948"/>
-          </a:xfrm>
-          <a:prstGeom prst="rect">
-            <a:avLst/>
-          </a:prstGeom>
-        </p:spPr>
-      </p:pic>
-      <p:sp>
-        <p:nvSpPr>
-          <p:cNvPr id="43" name="Rectangle 42">
-            <a:extLst>
-              <a:ext uri="{FF2B5EF4-FFF2-40B4-BE49-F238E27FC236}">
-                <a16:creationId xmlns:a16="http://schemas.microsoft.com/office/drawing/2014/main" id="{9343F4A0-0E22-0C82-CDCE-D53BBD648659}"/>
-              </a:ext>
-            </a:extLst>
-          </p:cNvPr>
-          <p:cNvSpPr/>
-          <p:nvPr/>
-        </p:nvSpPr>
-        <p:spPr>
-          <a:xfrm>
-            <a:off x="7767551" y="1950337"/>
-            <a:ext cx="1579518" cy="201896"/>
-          </a:xfrm>
-          <a:prstGeom prst="rect">
-            <a:avLst/>
-          </a:prstGeom>
-          <a:solidFill>
-            <a:srgbClr val="FF0000">
-              <a:alpha val="20000"/>
-            </a:srgbClr>
-          </a:solidFill>
-          <a:ln>
-            <a:noFill/>
-          </a:ln>
-        </p:spPr>
-        <p:style>
-          <a:lnRef idx="2">
-            <a:schemeClr val="accent1">
-              <a:shade val="15000"/>
-            </a:schemeClr>
-          </a:lnRef>
-          <a:fillRef idx="1">
-            <a:schemeClr val="accent1"/>
-          </a:fillRef>
-          <a:effectRef idx="0">
-            <a:schemeClr val="accent1"/>
-          </a:effectRef>
-          <a:fontRef idx="minor">
-            <a:schemeClr val="lt1"/>
-          </a:fontRef>
-        </p:style>
-        <p:txBody>
-          <a:bodyPr wrap="square" rtlCol="0" anchor="ctr"/>
-          <a:lstStyle/>
-          <a:p>
-            <a:pPr algn="ctr"/>
-            <a:endParaRPr lang="ko-KR" altLang="en-US"/>
-          </a:p>
-        </p:txBody>
-      </p:sp>
-      <p:cxnSp>
-        <p:nvCxnSpPr>
-          <p:cNvPr id="49" name="Straight Arrow Connector 48">
-            <a:extLst>
-              <a:ext uri="{FF2B5EF4-FFF2-40B4-BE49-F238E27FC236}">
-                <a16:creationId xmlns:a16="http://schemas.microsoft.com/office/drawing/2014/main" id="{0C81CA0F-3161-6638-4A29-9F584BA5F445}"/>
-              </a:ext>
-            </a:extLst>
-          </p:cNvPr>
-          <p:cNvCxnSpPr>
-            <a:cxnSpLocks/>
-          </p:cNvCxnSpPr>
-          <p:nvPr/>
-        </p:nvCxnSpPr>
-        <p:spPr>
-          <a:xfrm>
-            <a:off x="9626546" y="2180250"/>
-            <a:ext cx="0" cy="1072179"/>
-          </a:xfrm>
-          <a:prstGeom prst="straightConnector1">
-            <a:avLst/>
-          </a:prstGeom>
-          <a:ln w="28575">
-            <a:solidFill>
-              <a:schemeClr val="bg1">
-                <a:lumMod val="75000"/>
-              </a:schemeClr>
-            </a:solidFill>
-            <a:prstDash val="dash"/>
-            <a:tailEnd type="triangle"/>
-          </a:ln>
-        </p:spPr>
-        <p:style>
-          <a:lnRef idx="1">
-            <a:schemeClr val="accent1"/>
-          </a:lnRef>
-          <a:fillRef idx="0">
-            <a:schemeClr val="accent1"/>
-          </a:fillRef>
-          <a:effectRef idx="0">
-            <a:schemeClr val="accent1"/>
-          </a:effectRef>
-          <a:fontRef idx="minor">
-            <a:schemeClr val="tx1"/>
-          </a:fontRef>
-        </p:style>
-      </p:cxnSp>
-      <p:sp>
-        <p:nvSpPr>
-          <p:cNvPr id="51" name="TextBox 50">
-            <a:extLst>
-              <a:ext uri="{FF2B5EF4-FFF2-40B4-BE49-F238E27FC236}">
-                <a16:creationId xmlns:a16="http://schemas.microsoft.com/office/drawing/2014/main" id="{336FF79B-EFEA-A114-9639-1B1746312512}"/>
-              </a:ext>
-            </a:extLst>
-          </p:cNvPr>
-          <p:cNvSpPr txBox="1"/>
-          <p:nvPr/>
-        </p:nvSpPr>
-        <p:spPr>
-          <a:xfrm flipH="1">
-            <a:off x="8023382" y="4007091"/>
-            <a:ext cx="3206327" cy="738664"/>
-          </a:xfrm>
-          <a:prstGeom prst="rect">
-            <a:avLst/>
-          </a:prstGeom>
-          <a:noFill/>
-        </p:spPr>
-        <p:txBody>
-          <a:bodyPr wrap="none" rtlCol="0">
-            <a:spAutoFit/>
-          </a:bodyPr>
-          <a:lstStyle>
-            <a:defPPr>
-              <a:defRPr lang="ko-KR"/>
-            </a:defPPr>
-            <a:lvl1pPr>
-              <a:defRPr sz="1400">
-                <a:solidFill>
-                  <a:srgbClr val="0070C0"/>
-                </a:solidFill>
-                <a:latin typeface="Roboto" panose="02000000000000000000" pitchFamily="2" charset="0"/>
-                <a:ea typeface="Roboto" panose="02000000000000000000" pitchFamily="2" charset="0"/>
-              </a:defRPr>
-            </a:lvl1pPr>
-          </a:lstStyle>
-          <a:p>
-            <a:pPr marL="285750" indent="-285750">
-              <a:buFontTx/>
-              <a:buChar char="-"/>
-            </a:pPr>
-            <a:r>
-              <a:rPr lang="en-US" altLang="ko-KR" dirty="0"/>
-              <a:t>download File Manifest from ICGC</a:t>
-            </a:r>
-          </a:p>
-          <a:p>
-            <a:pPr marL="285750" indent="-285750">
-              <a:buFontTx/>
-              <a:buChar char="-"/>
-            </a:pPr>
-            <a:r>
-              <a:rPr lang="en-US" altLang="ko-KR" dirty="0"/>
-              <a:t>upload this file in CGC</a:t>
-            </a:r>
-          </a:p>
-          <a:p>
-            <a:pPr marL="285750" indent="-285750">
-              <a:buFontTx/>
-              <a:buChar char="-"/>
-            </a:pPr>
-            <a:r>
-              <a:rPr lang="en-US" altLang="ko-KR" dirty="0"/>
-              <a:t>get file download link</a:t>
-            </a:r>
-            <a:endParaRPr lang="ko-KR" altLang="en-US" dirty="0"/>
-          </a:p>
-        </p:txBody>
-      </p:sp>
-      <p:pic>
-        <p:nvPicPr>
-          <p:cNvPr id="1026" name="Picture 2" descr="Cancer Genomics Cloud">
-            <a:extLst>
-              <a:ext uri="{FF2B5EF4-FFF2-40B4-BE49-F238E27FC236}">
-                <a16:creationId xmlns:a16="http://schemas.microsoft.com/office/drawing/2014/main" id="{3F902C1F-EEAC-8A33-AA6C-3B8FFF8DA429}"/>
-              </a:ext>
-            </a:extLst>
-          </p:cNvPr>
-          <p:cNvPicPr>
-            <a:picLocks noChangeAspect="1" noChangeArrowheads="1"/>
-          </p:cNvPicPr>
-          <p:nvPr/>
-        </p:nvPicPr>
-        <p:blipFill>
-          <a:blip r:embed="rId9">
-            <a:extLst>
-              <a:ext uri="{28A0092B-C50C-407E-A947-70E740481C1C}">
-                <a14:useLocalDpi xmlns:a14="http://schemas.microsoft.com/office/drawing/2010/main" val="0"/>
-              </a:ext>
-            </a:extLst>
-          </a:blip>
-          <a:srcRect/>
-          <a:stretch>
-            <a:fillRect/>
-          </a:stretch>
-        </p:blipFill>
-        <p:spPr bwMode="auto">
-          <a:xfrm>
-            <a:off x="8226136" y="3429000"/>
-            <a:ext cx="2835670" cy="497300"/>
-          </a:xfrm>
-          <a:prstGeom prst="rect">
-            <a:avLst/>
-          </a:prstGeom>
-          <a:noFill/>
-          <a:extLst>
-            <a:ext uri="{909E8E84-426E-40DD-AFC4-6F175D3DCCD1}">
-              <a14:hiddenFill xmlns:a14="http://schemas.microsoft.com/office/drawing/2010/main">
-                <a:solidFill>
-                  <a:srgbClr val="FFFFFF"/>
-                </a:solidFill>
-              </a14:hiddenFill>
-            </a:ext>
-          </a:extLst>
-        </p:spPr>
-      </p:pic>
-      <p:cxnSp>
-        <p:nvCxnSpPr>
-          <p:cNvPr id="54" name="Straight Arrow Connector 53">
-            <a:extLst>
-              <a:ext uri="{FF2B5EF4-FFF2-40B4-BE49-F238E27FC236}">
-                <a16:creationId xmlns:a16="http://schemas.microsoft.com/office/drawing/2014/main" id="{E01F3B97-82B9-0666-4FBC-1CF9D3D8AE29}"/>
-              </a:ext>
-            </a:extLst>
-          </p:cNvPr>
-          <p:cNvCxnSpPr>
-            <a:cxnSpLocks/>
-          </p:cNvCxnSpPr>
-          <p:nvPr/>
-        </p:nvCxnSpPr>
-        <p:spPr>
-          <a:xfrm>
-            <a:off x="2456273" y="3141670"/>
-            <a:ext cx="362343" cy="0"/>
-          </a:xfrm>
-          <a:prstGeom prst="straightConnector1">
-            <a:avLst/>
-          </a:prstGeom>
-          <a:ln w="38100">
-            <a:solidFill>
-              <a:schemeClr val="tx1"/>
-            </a:solidFill>
-            <a:tailEnd type="triangle"/>
-          </a:ln>
-        </p:spPr>
-        <p:style>
-          <a:lnRef idx="1">
-            <a:schemeClr val="accent1"/>
-          </a:lnRef>
-          <a:fillRef idx="0">
-            <a:schemeClr val="accent1"/>
-          </a:fillRef>
-          <a:effectRef idx="0">
-            <a:schemeClr val="accent1"/>
-          </a:effectRef>
-          <a:fontRef idx="minor">
-            <a:schemeClr val="tx1"/>
-          </a:fontRef>
-        </p:style>
-      </p:cxnSp>
-      <p:sp>
-        <p:nvSpPr>
-          <p:cNvPr id="55" name="TextBox 54">
-            <a:extLst>
-              <a:ext uri="{FF2B5EF4-FFF2-40B4-BE49-F238E27FC236}">
-                <a16:creationId xmlns:a16="http://schemas.microsoft.com/office/drawing/2014/main" id="{9CA44D79-7EC6-9612-9E93-5AB9800939C1}"/>
-              </a:ext>
-            </a:extLst>
-          </p:cNvPr>
-          <p:cNvSpPr txBox="1"/>
-          <p:nvPr/>
-        </p:nvSpPr>
-        <p:spPr>
-          <a:xfrm flipH="1">
-            <a:off x="9350461" y="2248263"/>
-            <a:ext cx="1786066" cy="307777"/>
-          </a:xfrm>
-          <a:prstGeom prst="rect">
-            <a:avLst/>
-          </a:prstGeom>
-          <a:noFill/>
-        </p:spPr>
-        <p:txBody>
-          <a:bodyPr wrap="none" rtlCol="0">
-            <a:spAutoFit/>
-          </a:bodyPr>
-          <a:lstStyle/>
-          <a:p>
-            <a:r>
-              <a:rPr lang="en-US" altLang="ko-KR" sz="1400" dirty="0">
-                <a:solidFill>
-                  <a:srgbClr val="0070C0"/>
-                </a:solidFill>
-                <a:latin typeface="Roboto" panose="02000000000000000000" pitchFamily="2" charset="0"/>
-                <a:ea typeface="Roboto" panose="02000000000000000000" pitchFamily="2" charset="0"/>
-              </a:rPr>
-              <a:t>Merged read counts</a:t>
-            </a:r>
-            <a:endParaRPr lang="ko-KR" altLang="en-US" sz="1400" dirty="0">
-              <a:solidFill>
-                <a:srgbClr val="0070C0"/>
-              </a:solidFill>
-              <a:latin typeface="Roboto" panose="02000000000000000000" pitchFamily="2" charset="0"/>
-            </a:endParaRPr>
-          </a:p>
-        </p:txBody>
-      </p:sp>
-      <p:sp>
-        <p:nvSpPr>
-          <p:cNvPr id="56" name="Rectangle 55">
-            <a:extLst>
-              <a:ext uri="{FF2B5EF4-FFF2-40B4-BE49-F238E27FC236}">
-                <a16:creationId xmlns:a16="http://schemas.microsoft.com/office/drawing/2014/main" id="{51CCA5AB-66E6-118F-93F1-0F7F3F4C16E5}"/>
-              </a:ext>
-            </a:extLst>
-          </p:cNvPr>
-          <p:cNvSpPr/>
-          <p:nvPr/>
-        </p:nvSpPr>
-        <p:spPr>
-          <a:xfrm>
-            <a:off x="8007804" y="3429000"/>
-            <a:ext cx="3239551" cy="1316755"/>
-          </a:xfrm>
-          <a:prstGeom prst="rect">
-            <a:avLst/>
-          </a:prstGeom>
-          <a:noFill/>
-          <a:ln w="19050">
-            <a:solidFill>
-              <a:schemeClr val="bg1">
-                <a:lumMod val="75000"/>
-              </a:schemeClr>
-            </a:solidFill>
-          </a:ln>
-        </p:spPr>
-        <p:style>
-          <a:lnRef idx="2">
-            <a:schemeClr val="accent1">
-              <a:shade val="15000"/>
-            </a:schemeClr>
-          </a:lnRef>
-          <a:fillRef idx="1">
-            <a:schemeClr val="accent1"/>
-          </a:fillRef>
-          <a:effectRef idx="0">
-            <a:schemeClr val="accent1"/>
-          </a:effectRef>
-          <a:fontRef idx="minor">
-            <a:schemeClr val="lt1"/>
-          </a:fontRef>
-        </p:style>
-        <p:txBody>
-          <a:bodyPr rtlCol="0" anchor="ctr"/>
-          <a:lstStyle/>
-          <a:p>
-            <a:pPr algn="ctr"/>
-            <a:endParaRPr lang="ko-KR" altLang="en-US"/>
-          </a:p>
-        </p:txBody>
-      </p:sp>
-      <p:sp>
-        <p:nvSpPr>
-          <p:cNvPr id="3" name="TextBox 2">
-            <a:extLst>
-              <a:ext uri="{FF2B5EF4-FFF2-40B4-BE49-F238E27FC236}">
-                <a16:creationId xmlns:a16="http://schemas.microsoft.com/office/drawing/2014/main" id="{943B04D3-53C7-EAEC-746B-FDB10C51827F}"/>
-              </a:ext>
-            </a:extLst>
-          </p:cNvPr>
-          <p:cNvSpPr txBox="1"/>
-          <p:nvPr/>
-        </p:nvSpPr>
-        <p:spPr>
-          <a:xfrm flipH="1">
-            <a:off x="0" y="0"/>
-            <a:ext cx="1091966" cy="307777"/>
-          </a:xfrm>
-          <a:prstGeom prst="rect">
-            <a:avLst/>
-          </a:prstGeom>
-          <a:noFill/>
-        </p:spPr>
-        <p:txBody>
-          <a:bodyPr wrap="none" rtlCol="0">
-            <a:spAutoFit/>
-          </a:bodyPr>
-          <a:lstStyle/>
-          <a:p>
-            <a:r>
-              <a:rPr lang="en-US" altLang="ko-KR" sz="1400" dirty="0">
-                <a:highlight>
-                  <a:srgbClr val="FFFF00"/>
-                </a:highlight>
-                <a:latin typeface="Roboto" panose="02000000000000000000" pitchFamily="2" charset="0"/>
-                <a:ea typeface="Roboto" panose="02000000000000000000" pitchFamily="2" charset="0"/>
-              </a:rPr>
-              <a:t>2023-08-07</a:t>
-            </a:r>
-            <a:endParaRPr lang="ko-KR" altLang="en-US" sz="1400" dirty="0">
-              <a:highlight>
-                <a:srgbClr val="FFFF00"/>
-              </a:highlight>
-              <a:latin typeface="Roboto" panose="02000000000000000000" pitchFamily="2" charset="0"/>
-            </a:endParaRPr>
-          </a:p>
-        </p:txBody>
-      </p:sp>
-    </p:spTree>
-    <p:extLst>
-      <p:ext uri="{BB962C8B-B14F-4D97-AF65-F5344CB8AC3E}">
-        <p14:creationId xmlns:p14="http://schemas.microsoft.com/office/powerpoint/2010/main" val="237398065"/>
-      </p:ext>
-    </p:extLst>
-  </p:cSld>
-  <p:clrMapOvr>
-    <a:masterClrMapping/>
-  </p:clrMapOvr>
-</p:sld>
-</file>
-
-<file path=ppt/slides/slide6.xml><?xml version="1.0" encoding="utf-8"?>
+<file path=ppt/slides/slide10.xml><?xml version="1.0" encoding="utf-8"?>
 <p:sld xmlns:a="http://schemas.openxmlformats.org/drawingml/2006/main" xmlns:r="http://schemas.openxmlformats.org/officeDocument/2006/relationships" xmlns:p="http://schemas.openxmlformats.org/presentationml/2006/main">
   <p:cSld>
     <p:spTree>
@@ -7068,7 +4180,7 @@
           <p:cNvPr id="5" name="Picture 4">
             <a:extLst>
               <a:ext uri="{FF2B5EF4-FFF2-40B4-BE49-F238E27FC236}">
-                <a16:creationId xmlns:a16="http://schemas.microsoft.com/office/drawing/2014/main" id="{21137D3E-ED83-BCA0-96B8-219568DDD7CE}"/>
+                <a16:creationId xmlns:a16="http://schemas.microsoft.com/office/drawing/2014/main" id="{C0252697-13EA-D152-58DD-4DAF42D62AF6}"/>
               </a:ext>
             </a:extLst>
           </p:cNvPr>
@@ -7085,8 +4197,8 @@
         </p:blipFill>
         <p:spPr>
           <a:xfrm>
-            <a:off x="289088" y="83035"/>
-            <a:ext cx="11613823" cy="4363944"/>
+            <a:off x="0" y="147925"/>
+            <a:ext cx="12192000" cy="2257778"/>
           </a:xfrm>
           <a:prstGeom prst="rect">
             <a:avLst/>
@@ -7103,7 +4215,7 @@
           <p:cNvPr id="7" name="Picture 6">
             <a:extLst>
               <a:ext uri="{FF2B5EF4-FFF2-40B4-BE49-F238E27FC236}">
-                <a16:creationId xmlns:a16="http://schemas.microsoft.com/office/drawing/2014/main" id="{44AD5C49-1D48-6C28-2BBB-A36A75D39316}"/>
+                <a16:creationId xmlns:a16="http://schemas.microsoft.com/office/drawing/2014/main" id="{27ED3EEC-F2DB-1727-5706-9219B17FE104}"/>
               </a:ext>
             </a:extLst>
           </p:cNvPr>
@@ -7112,52 +4224,54 @@
           </p:cNvPicPr>
           <p:nvPr/>
         </p:nvPicPr>
-        <p:blipFill rotWithShape="1">
+        <p:blipFill>
           <a:blip r:embed="rId3"/>
-          <a:srcRect t="17085"/>
-          <a:stretch/>
+          <a:stretch>
+            <a:fillRect/>
+          </a:stretch>
         </p:blipFill>
         <p:spPr>
           <a:xfrm>
-            <a:off x="7149680" y="374079"/>
-            <a:ext cx="1145509" cy="1022064"/>
-          </a:xfrm>
-          <a:prstGeom prst="rect">
-            <a:avLst/>
-          </a:prstGeom>
-          <a:ln>
+            <a:off x="3748246" y="3044660"/>
+            <a:ext cx="4695508" cy="3665415"/>
+          </a:xfrm>
+          <a:prstGeom prst="rect">
+            <a:avLst/>
+          </a:prstGeom>
+          <a:ln w="19050">
             <a:solidFill>
-              <a:schemeClr val="bg1">
-                <a:lumMod val="75000"/>
-              </a:schemeClr>
+              <a:schemeClr val="tx1"/>
             </a:solidFill>
           </a:ln>
         </p:spPr>
       </p:pic>
       <p:cxnSp>
         <p:nvCxnSpPr>
-          <p:cNvPr id="10" name="Straight Connector 9">
-            <a:extLst>
-              <a:ext uri="{FF2B5EF4-FFF2-40B4-BE49-F238E27FC236}">
-                <a16:creationId xmlns:a16="http://schemas.microsoft.com/office/drawing/2014/main" id="{7A45E2A1-A888-376D-EEFD-AB90B4C91012}"/>
-              </a:ext>
-            </a:extLst>
-          </p:cNvPr>
-          <p:cNvCxnSpPr/>
+          <p:cNvPr id="9" name="Straight Arrow Connector 8">
+            <a:extLst>
+              <a:ext uri="{FF2B5EF4-FFF2-40B4-BE49-F238E27FC236}">
+                <a16:creationId xmlns:a16="http://schemas.microsoft.com/office/drawing/2014/main" id="{9D733DCD-E9EF-13ED-66C0-EC23F52CA72F}"/>
+              </a:ext>
+            </a:extLst>
+          </p:cNvPr>
+          <p:cNvCxnSpPr>
+            <a:cxnSpLocks/>
+          </p:cNvCxnSpPr>
           <p:nvPr/>
         </p:nvCxnSpPr>
         <p:spPr>
           <a:xfrm>
-            <a:off x="9928860" y="784860"/>
-            <a:ext cx="0" cy="1089660"/>
-          </a:xfrm>
-          <a:prstGeom prst="line">
-            <a:avLst/>
-          </a:prstGeom>
-          <a:ln w="19050">
+            <a:off x="6096000" y="2535929"/>
+            <a:ext cx="0" cy="350335"/>
+          </a:xfrm>
+          <a:prstGeom prst="straightConnector1">
+            <a:avLst/>
+          </a:prstGeom>
+          <a:ln w="38100">
             <a:solidFill>
               <a:srgbClr val="FF0000"/>
             </a:solidFill>
+            <a:tailEnd type="triangle"/>
           </a:ln>
         </p:spPr>
         <p:style>
@@ -7175,178 +4289,142 @@
           </a:fontRef>
         </p:style>
       </p:cxnSp>
-      <p:cxnSp>
-        <p:nvCxnSpPr>
-          <p:cNvPr id="11" name="Straight Connector 10">
-            <a:extLst>
-              <a:ext uri="{FF2B5EF4-FFF2-40B4-BE49-F238E27FC236}">
-                <a16:creationId xmlns:a16="http://schemas.microsoft.com/office/drawing/2014/main" id="{156ACF45-CF66-99A1-62FB-611FD926714C}"/>
-              </a:ext>
-            </a:extLst>
-          </p:cNvPr>
-          <p:cNvCxnSpPr>
-            <a:cxnSpLocks/>
-          </p:cNvCxnSpPr>
-          <p:nvPr/>
-        </p:nvCxnSpPr>
-        <p:spPr>
-          <a:xfrm>
-            <a:off x="9928860" y="2057400"/>
-            <a:ext cx="0" cy="2034540"/>
-          </a:xfrm>
-          <a:prstGeom prst="line">
-            <a:avLst/>
-          </a:prstGeom>
-          <a:ln w="19050">
+      <p:sp>
+        <p:nvSpPr>
+          <p:cNvPr id="11" name="Rectangle 10">
+            <a:extLst>
+              <a:ext uri="{FF2B5EF4-FFF2-40B4-BE49-F238E27FC236}">
+                <a16:creationId xmlns:a16="http://schemas.microsoft.com/office/drawing/2014/main" id="{1190F54C-ED63-ACD1-981D-7C49F7119CEF}"/>
+              </a:ext>
+            </a:extLst>
+          </p:cNvPr>
+          <p:cNvSpPr/>
+          <p:nvPr/>
+        </p:nvSpPr>
+        <p:spPr>
+          <a:xfrm>
+            <a:off x="1990413" y="362246"/>
+            <a:ext cx="1652673" cy="203811"/>
+          </a:xfrm>
+          <a:prstGeom prst="rect">
+            <a:avLst/>
+          </a:prstGeom>
+          <a:noFill/>
+          <a:ln w="28575">
             <a:solidFill>
-              <a:srgbClr val="FFC000"/>
+              <a:srgbClr val="FF0000"/>
             </a:solidFill>
           </a:ln>
         </p:spPr>
         <p:style>
-          <a:lnRef idx="1">
-            <a:schemeClr val="accent1"/>
+          <a:lnRef idx="2">
+            <a:schemeClr val="accent1">
+              <a:shade val="15000"/>
+            </a:schemeClr>
           </a:lnRef>
-          <a:fillRef idx="0">
+          <a:fillRef idx="1">
             <a:schemeClr val="accent1"/>
           </a:fillRef>
           <a:effectRef idx="0">
             <a:schemeClr val="accent1"/>
           </a:effectRef>
           <a:fontRef idx="minor">
-            <a:schemeClr val="tx1"/>
+            <a:schemeClr val="lt1"/>
           </a:fontRef>
         </p:style>
-      </p:cxnSp>
-      <p:cxnSp>
-        <p:nvCxnSpPr>
-          <p:cNvPr id="13" name="Straight Connector 12">
-            <a:extLst>
-              <a:ext uri="{FF2B5EF4-FFF2-40B4-BE49-F238E27FC236}">
-                <a16:creationId xmlns:a16="http://schemas.microsoft.com/office/drawing/2014/main" id="{95586578-6750-75E8-E530-76CC3BA72C87}"/>
-              </a:ext>
-            </a:extLst>
-          </p:cNvPr>
-          <p:cNvCxnSpPr>
-            <a:cxnSpLocks/>
-          </p:cNvCxnSpPr>
-          <p:nvPr/>
-        </p:nvCxnSpPr>
-        <p:spPr>
-          <a:xfrm>
-            <a:off x="9928860" y="4225147"/>
-            <a:ext cx="0" cy="180065"/>
-          </a:xfrm>
-          <a:prstGeom prst="line">
-            <a:avLst/>
-          </a:prstGeom>
-          <a:ln w="19050">
-            <a:solidFill>
-              <a:srgbClr val="0070C0"/>
-            </a:solidFill>
-          </a:ln>
-        </p:spPr>
-        <p:style>
-          <a:lnRef idx="1">
-            <a:schemeClr val="accent1"/>
-          </a:lnRef>
-          <a:fillRef idx="0">
-            <a:schemeClr val="accent1"/>
-          </a:fillRef>
-          <a:effectRef idx="0">
-            <a:schemeClr val="accent1"/>
-          </a:effectRef>
-          <a:fontRef idx="minor">
-            <a:schemeClr val="tx1"/>
-          </a:fontRef>
-        </p:style>
-      </p:cxnSp>
-      <p:cxnSp>
-        <p:nvCxnSpPr>
-          <p:cNvPr id="16" name="Straight Connector 15">
-            <a:extLst>
-              <a:ext uri="{FF2B5EF4-FFF2-40B4-BE49-F238E27FC236}">
-                <a16:creationId xmlns:a16="http://schemas.microsoft.com/office/drawing/2014/main" id="{91B6AAA2-DB8C-0187-33E5-872635C8B93B}"/>
-              </a:ext>
-            </a:extLst>
-          </p:cNvPr>
-          <p:cNvCxnSpPr/>
-          <p:nvPr/>
-        </p:nvCxnSpPr>
-        <p:spPr>
-          <a:xfrm flipH="1">
-            <a:off x="289088" y="1950720"/>
-            <a:ext cx="11613823" cy="0"/>
-          </a:xfrm>
-          <a:prstGeom prst="line">
-            <a:avLst/>
-          </a:prstGeom>
-          <a:ln w="12700">
-            <a:solidFill>
-              <a:schemeClr val="tx1"/>
-            </a:solidFill>
-          </a:ln>
-        </p:spPr>
-        <p:style>
-          <a:lnRef idx="1">
-            <a:schemeClr val="accent1"/>
-          </a:lnRef>
-          <a:fillRef idx="0">
-            <a:schemeClr val="accent1"/>
-          </a:fillRef>
-          <a:effectRef idx="0">
-            <a:schemeClr val="accent1"/>
-          </a:effectRef>
-          <a:fontRef idx="minor">
-            <a:schemeClr val="tx1"/>
-          </a:fontRef>
-        </p:style>
-      </p:cxnSp>
-      <p:cxnSp>
-        <p:nvCxnSpPr>
-          <p:cNvPr id="17" name="Straight Connector 16">
-            <a:extLst>
-              <a:ext uri="{FF2B5EF4-FFF2-40B4-BE49-F238E27FC236}">
-                <a16:creationId xmlns:a16="http://schemas.microsoft.com/office/drawing/2014/main" id="{DEFF8E23-7D63-AF87-024E-D314DD3242F3}"/>
-              </a:ext>
-            </a:extLst>
-          </p:cNvPr>
-          <p:cNvCxnSpPr/>
-          <p:nvPr/>
-        </p:nvCxnSpPr>
-        <p:spPr>
-          <a:xfrm flipH="1">
-            <a:off x="289088" y="4168140"/>
-            <a:ext cx="11613823" cy="0"/>
-          </a:xfrm>
-          <a:prstGeom prst="line">
-            <a:avLst/>
-          </a:prstGeom>
-          <a:ln w="12700">
-            <a:solidFill>
-              <a:schemeClr val="tx1"/>
-            </a:solidFill>
-          </a:ln>
-        </p:spPr>
-        <p:style>
-          <a:lnRef idx="1">
-            <a:schemeClr val="accent1"/>
-          </a:lnRef>
-          <a:fillRef idx="0">
-            <a:schemeClr val="accent1"/>
-          </a:fillRef>
-          <a:effectRef idx="0">
-            <a:schemeClr val="accent1"/>
-          </a:effectRef>
-          <a:fontRef idx="minor">
-            <a:schemeClr val="tx1"/>
-          </a:fontRef>
-        </p:style>
-      </p:cxnSp>
+        <p:txBody>
+          <a:bodyPr rtlCol="0" anchor="ctr"/>
+          <a:lstStyle/>
+          <a:p>
+            <a:pPr algn="ctr"/>
+            <a:endParaRPr lang="ko-KR" altLang="en-US"/>
+          </a:p>
+        </p:txBody>
+      </p:sp>
+      <p:sp>
+        <p:nvSpPr>
+          <p:cNvPr id="12" name="TextBox 11">
+            <a:extLst>
+              <a:ext uri="{FF2B5EF4-FFF2-40B4-BE49-F238E27FC236}">
+                <a16:creationId xmlns:a16="http://schemas.microsoft.com/office/drawing/2014/main" id="{0FA15C2B-79FC-2A2E-48FD-AFBCB4C7438C}"/>
+              </a:ext>
+            </a:extLst>
+          </p:cNvPr>
+          <p:cNvSpPr txBox="1"/>
+          <p:nvPr/>
+        </p:nvSpPr>
+        <p:spPr>
+          <a:xfrm>
+            <a:off x="212281" y="362246"/>
+            <a:ext cx="543739" cy="523220"/>
+          </a:xfrm>
+          <a:prstGeom prst="rect">
+            <a:avLst/>
+          </a:prstGeom>
+          <a:noFill/>
+        </p:spPr>
+        <p:txBody>
+          <a:bodyPr wrap="none" rtlCol="0">
+            <a:spAutoFit/>
+          </a:bodyPr>
+          <a:lstStyle/>
+          <a:p>
+            <a:r>
+              <a:rPr lang="ko-KR" altLang="en-US" sz="2800" b="1" dirty="0">
+                <a:solidFill>
+                  <a:srgbClr val="FF0000"/>
+                </a:solidFill>
+                <a:latin typeface="Roboto" panose="02000000000000000000" pitchFamily="2" charset="0"/>
+              </a:rPr>
+              <a:t>①</a:t>
+            </a:r>
+          </a:p>
+        </p:txBody>
+      </p:sp>
+      <p:sp>
+        <p:nvSpPr>
+          <p:cNvPr id="13" name="TextBox 12">
+            <a:extLst>
+              <a:ext uri="{FF2B5EF4-FFF2-40B4-BE49-F238E27FC236}">
+                <a16:creationId xmlns:a16="http://schemas.microsoft.com/office/drawing/2014/main" id="{110E788D-9E29-1A30-122A-9133C4F1106D}"/>
+              </a:ext>
+            </a:extLst>
+          </p:cNvPr>
+          <p:cNvSpPr txBox="1"/>
+          <p:nvPr/>
+        </p:nvSpPr>
+        <p:spPr>
+          <a:xfrm>
+            <a:off x="1446674" y="202541"/>
+            <a:ext cx="543739" cy="523220"/>
+          </a:xfrm>
+          <a:prstGeom prst="rect">
+            <a:avLst/>
+          </a:prstGeom>
+          <a:noFill/>
+        </p:spPr>
+        <p:txBody>
+          <a:bodyPr wrap="none" rtlCol="0">
+            <a:spAutoFit/>
+          </a:bodyPr>
+          <a:lstStyle/>
+          <a:p>
+            <a:r>
+              <a:rPr lang="ko-KR" altLang="en-US" sz="2800" b="1" dirty="0">
+                <a:solidFill>
+                  <a:srgbClr val="FF0000"/>
+                </a:solidFill>
+                <a:latin typeface="Roboto" panose="02000000000000000000" pitchFamily="2" charset="0"/>
+              </a:rPr>
+              <a:t>②</a:t>
+            </a:r>
+          </a:p>
+        </p:txBody>
+      </p:sp>
     </p:spTree>
     <p:extLst>
       <p:ext uri="{BB962C8B-B14F-4D97-AF65-F5344CB8AC3E}">
-        <p14:creationId xmlns:p14="http://schemas.microsoft.com/office/powerpoint/2010/main" val="41763789"/>
+        <p14:creationId xmlns:p14="http://schemas.microsoft.com/office/powerpoint/2010/main" val="3641406279"/>
       </p:ext>
     </p:extLst>
   </p:cSld>
@@ -7356,7 +4434,67 @@
 </p:sld>
 </file>
 
-<file path=ppt/slides/slide7.xml><?xml version="1.0" encoding="utf-8"?>
+<file path=ppt/slides/slide11.xml><?xml version="1.0" encoding="utf-8"?>
+<p:sld xmlns:a="http://schemas.openxmlformats.org/drawingml/2006/main" xmlns:r="http://schemas.openxmlformats.org/officeDocument/2006/relationships" xmlns:p="http://schemas.openxmlformats.org/presentationml/2006/main">
+  <p:cSld>
+    <p:spTree>
+      <p:nvGrpSpPr>
+        <p:cNvPr id="1" name=""/>
+        <p:cNvGrpSpPr/>
+        <p:nvPr/>
+      </p:nvGrpSpPr>
+      <p:grpSpPr>
+        <a:xfrm>
+          <a:off x="0" y="0"/>
+          <a:ext cx="0" cy="0"/>
+          <a:chOff x="0" y="0"/>
+          <a:chExt cx="0" cy="0"/>
+        </a:xfrm>
+      </p:grpSpPr>
+      <p:pic>
+        <p:nvPicPr>
+          <p:cNvPr id="5" name="Picture 4">
+            <a:extLst>
+              <a:ext uri="{FF2B5EF4-FFF2-40B4-BE49-F238E27FC236}">
+                <a16:creationId xmlns:a16="http://schemas.microsoft.com/office/drawing/2014/main" id="{C11883E9-AA03-ED25-96A9-3605B62B9E2A}"/>
+              </a:ext>
+            </a:extLst>
+          </p:cNvPr>
+          <p:cNvPicPr>
+            <a:picLocks noChangeAspect="1"/>
+          </p:cNvPicPr>
+          <p:nvPr/>
+        </p:nvPicPr>
+        <p:blipFill>
+          <a:blip r:embed="rId2"/>
+          <a:stretch>
+            <a:fillRect/>
+          </a:stretch>
+        </p:blipFill>
+        <p:spPr>
+          <a:xfrm>
+            <a:off x="147484" y="1756654"/>
+            <a:ext cx="11897032" cy="3344692"/>
+          </a:xfrm>
+          <a:prstGeom prst="rect">
+            <a:avLst/>
+          </a:prstGeom>
+        </p:spPr>
+      </p:pic>
+    </p:spTree>
+    <p:extLst>
+      <p:ext uri="{BB962C8B-B14F-4D97-AF65-F5344CB8AC3E}">
+        <p14:creationId xmlns:p14="http://schemas.microsoft.com/office/powerpoint/2010/main" val="479173293"/>
+      </p:ext>
+    </p:extLst>
+  </p:cSld>
+  <p:clrMapOvr>
+    <a:masterClrMapping/>
+  </p:clrMapOvr>
+</p:sld>
+</file>
+
+<file path=ppt/slides/slide12.xml><?xml version="1.0" encoding="utf-8"?>
 <p:sld xmlns:a="http://schemas.openxmlformats.org/drawingml/2006/main" xmlns:r="http://schemas.openxmlformats.org/officeDocument/2006/relationships" xmlns:p="http://schemas.openxmlformats.org/presentationml/2006/main">
   <p:cSld>
     <p:spTree>
@@ -7413,6 +4551,53 @@
           </a:solidFill>
         </p:spPr>
       </p:pic>
+      <p:sp>
+        <p:nvSpPr>
+          <p:cNvPr id="2" name="TextBox 1">
+            <a:extLst>
+              <a:ext uri="{FF2B5EF4-FFF2-40B4-BE49-F238E27FC236}">
+                <a16:creationId xmlns:a16="http://schemas.microsoft.com/office/drawing/2014/main" id="{FB312DE4-2B82-71AE-A6F7-22A63381BA5E}"/>
+              </a:ext>
+            </a:extLst>
+          </p:cNvPr>
+          <p:cNvSpPr txBox="1"/>
+          <p:nvPr/>
+        </p:nvSpPr>
+        <p:spPr>
+          <a:xfrm flipH="1">
+            <a:off x="0" y="0"/>
+            <a:ext cx="1091966" cy="307777"/>
+          </a:xfrm>
+          <a:prstGeom prst="rect">
+            <a:avLst/>
+          </a:prstGeom>
+          <a:noFill/>
+        </p:spPr>
+        <p:txBody>
+          <a:bodyPr wrap="none" rtlCol="0">
+            <a:spAutoFit/>
+          </a:bodyPr>
+          <a:lstStyle/>
+          <a:p>
+            <a:r>
+              <a:rPr lang="en-US" altLang="ko-KR" sz="1400" dirty="0">
+                <a:highlight>
+                  <a:srgbClr val="FFFF00"/>
+                </a:highlight>
+                <a:latin typeface="Roboto" panose="02000000000000000000" pitchFamily="2" charset="0"/>
+                <a:ea typeface="Roboto" panose="02000000000000000000" pitchFamily="2" charset="0"/>
+              </a:rPr>
+              <a:t>2023-09-19</a:t>
+            </a:r>
+            <a:endParaRPr lang="ko-KR" altLang="en-US" sz="1400" dirty="0">
+              <a:highlight>
+                <a:srgbClr val="FFFF00"/>
+              </a:highlight>
+              <a:latin typeface="Roboto" panose="02000000000000000000" pitchFamily="2" charset="0"/>
+            </a:endParaRPr>
+          </a:p>
+        </p:txBody>
+      </p:sp>
     </p:spTree>
     <p:extLst>
       <p:ext uri="{BB962C8B-B14F-4D97-AF65-F5344CB8AC3E}">
@@ -7426,7 +4611,7 @@
 </p:sld>
 </file>
 
-<file path=ppt/slides/slide8.xml><?xml version="1.0" encoding="utf-8"?>
+<file path=ppt/slides/slide13.xml><?xml version="1.0" encoding="utf-8"?>
 <p:sld xmlns:a="http://schemas.openxmlformats.org/drawingml/2006/main" xmlns:r="http://schemas.openxmlformats.org/officeDocument/2006/relationships" xmlns:p="http://schemas.openxmlformats.org/presentationml/2006/main">
   <p:cSld>
     <p:spTree>
@@ -7491,7 +4676,7 @@
 </p:sld>
 </file>
 
-<file path=ppt/slides/slide9.xml><?xml version="1.0" encoding="utf-8"?>
+<file path=ppt/slides/slide14.xml><?xml version="1.0" encoding="utf-8"?>
 <p:sld xmlns:a="http://schemas.openxmlformats.org/drawingml/2006/main" xmlns:r="http://schemas.openxmlformats.org/officeDocument/2006/relationships" xmlns:p="http://schemas.openxmlformats.org/presentationml/2006/main">
   <p:cSld>
     <p:spTree>
@@ -7889,6 +5074,4695 @@
     <p:extLst>
       <p:ext uri="{BB962C8B-B14F-4D97-AF65-F5344CB8AC3E}">
         <p14:creationId xmlns:p14="http://schemas.microsoft.com/office/powerpoint/2010/main" val="2309466490"/>
+      </p:ext>
+    </p:extLst>
+  </p:cSld>
+  <p:clrMapOvr>
+    <a:masterClrMapping/>
+  </p:clrMapOvr>
+</p:sld>
+</file>
+
+<file path=ppt/slides/slide2.xml><?xml version="1.0" encoding="utf-8"?>
+<p:sld xmlns:a="http://schemas.openxmlformats.org/drawingml/2006/main" xmlns:r="http://schemas.openxmlformats.org/officeDocument/2006/relationships" xmlns:p="http://schemas.openxmlformats.org/presentationml/2006/main">
+  <p:cSld>
+    <p:spTree>
+      <p:nvGrpSpPr>
+        <p:cNvPr id="1" name=""/>
+        <p:cNvGrpSpPr/>
+        <p:nvPr/>
+      </p:nvGrpSpPr>
+      <p:grpSpPr>
+        <a:xfrm>
+          <a:off x="0" y="0"/>
+          <a:ext cx="0" cy="0"/>
+          <a:chOff x="0" y="0"/>
+          <a:chExt cx="0" cy="0"/>
+        </a:xfrm>
+      </p:grpSpPr>
+      <p:sp>
+        <p:nvSpPr>
+          <p:cNvPr id="2" name="TextBox 1">
+            <a:extLst>
+              <a:ext uri="{FF2B5EF4-FFF2-40B4-BE49-F238E27FC236}">
+                <a16:creationId xmlns:a16="http://schemas.microsoft.com/office/drawing/2014/main" id="{CE01F6DF-BBB9-0213-921B-10344FFD11DF}"/>
+              </a:ext>
+            </a:extLst>
+          </p:cNvPr>
+          <p:cNvSpPr txBox="1"/>
+          <p:nvPr/>
+        </p:nvSpPr>
+        <p:spPr>
+          <a:xfrm flipH="1">
+            <a:off x="7139915" y="3875152"/>
+            <a:ext cx="1465466" cy="307777"/>
+          </a:xfrm>
+          <a:prstGeom prst="rect">
+            <a:avLst/>
+          </a:prstGeom>
+          <a:noFill/>
+        </p:spPr>
+        <p:txBody>
+          <a:bodyPr wrap="none" rtlCol="0">
+            <a:spAutoFit/>
+          </a:bodyPr>
+          <a:lstStyle/>
+          <a:p>
+            <a:r>
+              <a:rPr lang="en-US" altLang="ko-KR" sz="1400" b="1" dirty="0">
+                <a:solidFill>
+                  <a:srgbClr val="FF0000"/>
+                </a:solidFill>
+                <a:latin typeface="Roboto" panose="02000000000000000000" pitchFamily="2" charset="0"/>
+                <a:ea typeface="Roboto" panose="02000000000000000000" pitchFamily="2" charset="0"/>
+              </a:rPr>
+              <a:t>1. VPN (local IP)</a:t>
+            </a:r>
+            <a:endParaRPr lang="ko-KR" altLang="en-US" sz="1400" b="1" dirty="0">
+              <a:solidFill>
+                <a:srgbClr val="FF0000"/>
+              </a:solidFill>
+              <a:latin typeface="Roboto" panose="02000000000000000000" pitchFamily="2" charset="0"/>
+            </a:endParaRPr>
+          </a:p>
+        </p:txBody>
+      </p:sp>
+      <p:pic>
+        <p:nvPicPr>
+          <p:cNvPr id="25" name="Picture 4" descr="Windows — Story">
+            <a:extLst>
+              <a:ext uri="{FF2B5EF4-FFF2-40B4-BE49-F238E27FC236}">
+                <a16:creationId xmlns:a16="http://schemas.microsoft.com/office/drawing/2014/main" id="{6697F56C-67BF-6A06-2E5E-FA36774C544D}"/>
+              </a:ext>
+            </a:extLst>
+          </p:cNvPr>
+          <p:cNvPicPr>
+            <a:picLocks noChangeAspect="1" noChangeArrowheads="1"/>
+          </p:cNvPicPr>
+          <p:nvPr/>
+        </p:nvPicPr>
+        <p:blipFill rotWithShape="1">
+          <a:blip r:embed="rId2">
+            <a:extLst>
+              <a:ext uri="{28A0092B-C50C-407E-A947-70E740481C1C}">
+                <a14:useLocalDpi xmlns:a14="http://schemas.microsoft.com/office/drawing/2010/main" val="0"/>
+              </a:ext>
+            </a:extLst>
+          </a:blip>
+          <a:srcRect l="12839" t="35856" r="12739" b="34674"/>
+          <a:stretch/>
+        </p:blipFill>
+        <p:spPr bwMode="auto">
+          <a:xfrm>
+            <a:off x="2818774" y="3878859"/>
+            <a:ext cx="1415793" cy="349126"/>
+          </a:xfrm>
+          <a:prstGeom prst="rect">
+            <a:avLst/>
+          </a:prstGeom>
+          <a:noFill/>
+          <a:extLst>
+            <a:ext uri="{909E8E84-426E-40DD-AFC4-6F175D3DCCD1}">
+              <a14:hiddenFill xmlns:a14="http://schemas.microsoft.com/office/drawing/2010/main">
+                <a:solidFill>
+                  <a:srgbClr val="FFFFFF"/>
+                </a:solidFill>
+              </a14:hiddenFill>
+            </a:ext>
+          </a:extLst>
+        </p:spPr>
+      </p:pic>
+      <p:pic>
+        <p:nvPicPr>
+          <p:cNvPr id="27" name="Picture 26">
+            <a:extLst>
+              <a:ext uri="{FF2B5EF4-FFF2-40B4-BE49-F238E27FC236}">
+                <a16:creationId xmlns:a16="http://schemas.microsoft.com/office/drawing/2014/main" id="{AE84913A-D9B5-A8A0-B811-C50D60450A87}"/>
+              </a:ext>
+            </a:extLst>
+          </p:cNvPr>
+          <p:cNvPicPr>
+            <a:picLocks noChangeAspect="1"/>
+          </p:cNvPicPr>
+          <p:nvPr/>
+        </p:nvPicPr>
+        <p:blipFill>
+          <a:blip r:embed="rId3"/>
+          <a:stretch>
+            <a:fillRect/>
+          </a:stretch>
+        </p:blipFill>
+        <p:spPr>
+          <a:xfrm>
+            <a:off x="5248312" y="4276415"/>
+            <a:ext cx="1622388" cy="1366724"/>
+          </a:xfrm>
+          <a:prstGeom prst="rect">
+            <a:avLst/>
+          </a:prstGeom>
+        </p:spPr>
+      </p:pic>
+      <p:pic>
+        <p:nvPicPr>
+          <p:cNvPr id="28" name="Picture 27">
+            <a:extLst>
+              <a:ext uri="{FF2B5EF4-FFF2-40B4-BE49-F238E27FC236}">
+                <a16:creationId xmlns:a16="http://schemas.microsoft.com/office/drawing/2014/main" id="{A8F43EF7-5E67-E1C4-31E4-CEF47D6864F0}"/>
+              </a:ext>
+            </a:extLst>
+          </p:cNvPr>
+          <p:cNvPicPr>
+            <a:picLocks noChangeAspect="1"/>
+          </p:cNvPicPr>
+          <p:nvPr/>
+        </p:nvPicPr>
+        <p:blipFill>
+          <a:blip r:embed="rId4"/>
+          <a:stretch>
+            <a:fillRect/>
+          </a:stretch>
+        </p:blipFill>
+        <p:spPr>
+          <a:xfrm>
+            <a:off x="2831362" y="4332566"/>
+            <a:ext cx="1390618" cy="1254423"/>
+          </a:xfrm>
+          <a:prstGeom prst="rect">
+            <a:avLst/>
+          </a:prstGeom>
+        </p:spPr>
+      </p:pic>
+      <p:pic>
+        <p:nvPicPr>
+          <p:cNvPr id="31" name="Picture 30">
+            <a:extLst>
+              <a:ext uri="{FF2B5EF4-FFF2-40B4-BE49-F238E27FC236}">
+                <a16:creationId xmlns:a16="http://schemas.microsoft.com/office/drawing/2014/main" id="{4FDE6524-EC9A-C15A-83AD-A7029F6D1D8D}"/>
+              </a:ext>
+            </a:extLst>
+          </p:cNvPr>
+          <p:cNvPicPr>
+            <a:picLocks noChangeAspect="1"/>
+          </p:cNvPicPr>
+          <p:nvPr/>
+        </p:nvPicPr>
+        <p:blipFill>
+          <a:blip r:embed="rId3"/>
+          <a:stretch>
+            <a:fillRect/>
+          </a:stretch>
+        </p:blipFill>
+        <p:spPr>
+          <a:xfrm>
+            <a:off x="8751611" y="4276415"/>
+            <a:ext cx="1622388" cy="1366724"/>
+          </a:xfrm>
+          <a:prstGeom prst="rect">
+            <a:avLst/>
+          </a:prstGeom>
+        </p:spPr>
+      </p:pic>
+      <p:cxnSp>
+        <p:nvCxnSpPr>
+          <p:cNvPr id="32" name="Straight Arrow Connector 31">
+            <a:extLst>
+              <a:ext uri="{FF2B5EF4-FFF2-40B4-BE49-F238E27FC236}">
+                <a16:creationId xmlns:a16="http://schemas.microsoft.com/office/drawing/2014/main" id="{03E501BC-2114-0E2D-741F-505DC708FB48}"/>
+              </a:ext>
+            </a:extLst>
+          </p:cNvPr>
+          <p:cNvCxnSpPr>
+            <a:cxnSpLocks/>
+          </p:cNvCxnSpPr>
+          <p:nvPr/>
+        </p:nvCxnSpPr>
+        <p:spPr>
+          <a:xfrm flipH="1">
+            <a:off x="7313848" y="4762215"/>
+            <a:ext cx="1117600" cy="0"/>
+          </a:xfrm>
+          <a:prstGeom prst="straightConnector1">
+            <a:avLst/>
+          </a:prstGeom>
+          <a:ln w="28575">
+            <a:solidFill>
+              <a:schemeClr val="tx1"/>
+            </a:solidFill>
+            <a:tailEnd type="triangle"/>
+          </a:ln>
+        </p:spPr>
+        <p:style>
+          <a:lnRef idx="1">
+            <a:schemeClr val="accent1"/>
+          </a:lnRef>
+          <a:fillRef idx="0">
+            <a:schemeClr val="accent1"/>
+          </a:fillRef>
+          <a:effectRef idx="0">
+            <a:schemeClr val="accent1"/>
+          </a:effectRef>
+          <a:fontRef idx="minor">
+            <a:schemeClr val="tx1"/>
+          </a:fontRef>
+        </p:style>
+      </p:cxnSp>
+      <p:cxnSp>
+        <p:nvCxnSpPr>
+          <p:cNvPr id="33" name="Straight Arrow Connector 32">
+            <a:extLst>
+              <a:ext uri="{FF2B5EF4-FFF2-40B4-BE49-F238E27FC236}">
+                <a16:creationId xmlns:a16="http://schemas.microsoft.com/office/drawing/2014/main" id="{A1F52D76-0724-3AAE-8CDC-D9BB254855B6}"/>
+              </a:ext>
+            </a:extLst>
+          </p:cNvPr>
+          <p:cNvCxnSpPr>
+            <a:cxnSpLocks/>
+          </p:cNvCxnSpPr>
+          <p:nvPr/>
+        </p:nvCxnSpPr>
+        <p:spPr>
+          <a:xfrm>
+            <a:off x="7313848" y="5083571"/>
+            <a:ext cx="1117600" cy="0"/>
+          </a:xfrm>
+          <a:prstGeom prst="straightConnector1">
+            <a:avLst/>
+          </a:prstGeom>
+          <a:ln w="28575">
+            <a:solidFill>
+              <a:schemeClr val="tx1"/>
+            </a:solidFill>
+            <a:tailEnd type="triangle"/>
+          </a:ln>
+        </p:spPr>
+        <p:style>
+          <a:lnRef idx="1">
+            <a:schemeClr val="accent1"/>
+          </a:lnRef>
+          <a:fillRef idx="0">
+            <a:schemeClr val="accent1"/>
+          </a:fillRef>
+          <a:effectRef idx="0">
+            <a:schemeClr val="accent1"/>
+          </a:effectRef>
+          <a:fontRef idx="minor">
+            <a:schemeClr val="tx1"/>
+          </a:fontRef>
+        </p:style>
+      </p:cxnSp>
+      <p:cxnSp>
+        <p:nvCxnSpPr>
+          <p:cNvPr id="34" name="Straight Arrow Connector 33">
+            <a:extLst>
+              <a:ext uri="{FF2B5EF4-FFF2-40B4-BE49-F238E27FC236}">
+                <a16:creationId xmlns:a16="http://schemas.microsoft.com/office/drawing/2014/main" id="{6B453E88-8FF9-3B19-F457-97640F4A516D}"/>
+              </a:ext>
+            </a:extLst>
+          </p:cNvPr>
+          <p:cNvCxnSpPr>
+            <a:cxnSpLocks/>
+          </p:cNvCxnSpPr>
+          <p:nvPr/>
+        </p:nvCxnSpPr>
+        <p:spPr>
+          <a:xfrm>
+            <a:off x="4419410" y="4922893"/>
+            <a:ext cx="529511" cy="0"/>
+          </a:xfrm>
+          <a:prstGeom prst="straightConnector1">
+            <a:avLst/>
+          </a:prstGeom>
+          <a:ln w="28575">
+            <a:solidFill>
+              <a:schemeClr val="tx1"/>
+            </a:solidFill>
+            <a:tailEnd type="triangle"/>
+          </a:ln>
+        </p:spPr>
+        <p:style>
+          <a:lnRef idx="1">
+            <a:schemeClr val="accent1"/>
+          </a:lnRef>
+          <a:fillRef idx="0">
+            <a:schemeClr val="accent1"/>
+          </a:fillRef>
+          <a:effectRef idx="0">
+            <a:schemeClr val="accent1"/>
+          </a:effectRef>
+          <a:fontRef idx="minor">
+            <a:schemeClr val="tx1"/>
+          </a:fontRef>
+        </p:style>
+      </p:cxnSp>
+      <p:pic>
+        <p:nvPicPr>
+          <p:cNvPr id="36" name="Picture 35">
+            <a:extLst>
+              <a:ext uri="{FF2B5EF4-FFF2-40B4-BE49-F238E27FC236}">
+                <a16:creationId xmlns:a16="http://schemas.microsoft.com/office/drawing/2014/main" id="{877B60EC-84D4-620E-809B-9299D18049E1}"/>
+              </a:ext>
+            </a:extLst>
+          </p:cNvPr>
+          <p:cNvPicPr>
+            <a:picLocks noChangeAspect="1"/>
+          </p:cNvPicPr>
+          <p:nvPr/>
+        </p:nvPicPr>
+        <p:blipFill rotWithShape="1">
+          <a:blip r:embed="rId5"/>
+          <a:srcRect t="35182" b="29033"/>
+          <a:stretch/>
+        </p:blipFill>
+        <p:spPr>
+          <a:xfrm>
+            <a:off x="7291197" y="4276176"/>
+            <a:ext cx="1162902" cy="277485"/>
+          </a:xfrm>
+          <a:prstGeom prst="rect">
+            <a:avLst/>
+          </a:prstGeom>
+        </p:spPr>
+      </p:pic>
+      <p:sp>
+        <p:nvSpPr>
+          <p:cNvPr id="43" name="TextBox 42">
+            <a:extLst>
+              <a:ext uri="{FF2B5EF4-FFF2-40B4-BE49-F238E27FC236}">
+                <a16:creationId xmlns:a16="http://schemas.microsoft.com/office/drawing/2014/main" id="{8A797C1F-3562-56F4-5609-36BFB3010496}"/>
+              </a:ext>
+            </a:extLst>
+          </p:cNvPr>
+          <p:cNvSpPr txBox="1"/>
+          <p:nvPr/>
+        </p:nvSpPr>
+        <p:spPr>
+          <a:xfrm flipH="1">
+            <a:off x="6721532" y="5675070"/>
+            <a:ext cx="2302233" cy="307777"/>
+          </a:xfrm>
+          <a:prstGeom prst="rect">
+            <a:avLst/>
+          </a:prstGeom>
+          <a:noFill/>
+        </p:spPr>
+        <p:txBody>
+          <a:bodyPr wrap="none" rtlCol="0">
+            <a:spAutoFit/>
+          </a:bodyPr>
+          <a:lstStyle/>
+          <a:p>
+            <a:r>
+              <a:rPr lang="en-US" altLang="ko-KR" sz="1400" b="1" dirty="0">
+                <a:solidFill>
+                  <a:srgbClr val="FF0000"/>
+                </a:solidFill>
+                <a:latin typeface="Roboto" panose="02000000000000000000" pitchFamily="2" charset="0"/>
+                <a:ea typeface="Roboto" panose="02000000000000000000" pitchFamily="2" charset="0"/>
+              </a:rPr>
+              <a:t>3. Connection through SSH</a:t>
+            </a:r>
+          </a:p>
+        </p:txBody>
+      </p:sp>
+      <p:sp>
+        <p:nvSpPr>
+          <p:cNvPr id="62" name="TextBox 61">
+            <a:extLst>
+              <a:ext uri="{FF2B5EF4-FFF2-40B4-BE49-F238E27FC236}">
+                <a16:creationId xmlns:a16="http://schemas.microsoft.com/office/drawing/2014/main" id="{E23D7FD3-9375-6328-5553-2FEEA8D0D310}"/>
+              </a:ext>
+            </a:extLst>
+          </p:cNvPr>
+          <p:cNvSpPr txBox="1"/>
+          <p:nvPr/>
+        </p:nvSpPr>
+        <p:spPr>
+          <a:xfrm flipH="1">
+            <a:off x="5362684" y="4026290"/>
+            <a:ext cx="841897" cy="261610"/>
+          </a:xfrm>
+          <a:prstGeom prst="rect">
+            <a:avLst/>
+          </a:prstGeom>
+          <a:noFill/>
+        </p:spPr>
+        <p:txBody>
+          <a:bodyPr wrap="none" rtlCol="0">
+            <a:spAutoFit/>
+          </a:bodyPr>
+          <a:lstStyle/>
+          <a:p>
+            <a:r>
+              <a:rPr lang="en-US" altLang="ko-KR" sz="1100" b="1" dirty="0">
+                <a:latin typeface="Roboto" panose="02000000000000000000" pitchFamily="2" charset="0"/>
+                <a:ea typeface="Roboto" panose="02000000000000000000" pitchFamily="2" charset="0"/>
+              </a:rPr>
+              <a:t>Location A</a:t>
+            </a:r>
+          </a:p>
+        </p:txBody>
+      </p:sp>
+      <p:sp>
+        <p:nvSpPr>
+          <p:cNvPr id="63" name="TextBox 62">
+            <a:extLst>
+              <a:ext uri="{FF2B5EF4-FFF2-40B4-BE49-F238E27FC236}">
+                <a16:creationId xmlns:a16="http://schemas.microsoft.com/office/drawing/2014/main" id="{0C6A0B27-7D92-08EE-9CE9-20BA9344E21F}"/>
+              </a:ext>
+            </a:extLst>
+          </p:cNvPr>
+          <p:cNvSpPr txBox="1"/>
+          <p:nvPr/>
+        </p:nvSpPr>
+        <p:spPr>
+          <a:xfrm flipH="1">
+            <a:off x="8866453" y="4026290"/>
+            <a:ext cx="838691" cy="261610"/>
+          </a:xfrm>
+          <a:prstGeom prst="rect">
+            <a:avLst/>
+          </a:prstGeom>
+          <a:noFill/>
+        </p:spPr>
+        <p:txBody>
+          <a:bodyPr wrap="none" rtlCol="0">
+            <a:spAutoFit/>
+          </a:bodyPr>
+          <a:lstStyle/>
+          <a:p>
+            <a:r>
+              <a:rPr lang="en-US" altLang="ko-KR" sz="1100" b="1" dirty="0">
+                <a:latin typeface="Roboto" panose="02000000000000000000" pitchFamily="2" charset="0"/>
+                <a:ea typeface="Roboto" panose="02000000000000000000" pitchFamily="2" charset="0"/>
+              </a:rPr>
+              <a:t>Location B</a:t>
+            </a:r>
+          </a:p>
+        </p:txBody>
+      </p:sp>
+      <p:sp>
+        <p:nvSpPr>
+          <p:cNvPr id="1040" name="TextBox 1039">
+            <a:extLst>
+              <a:ext uri="{FF2B5EF4-FFF2-40B4-BE49-F238E27FC236}">
+                <a16:creationId xmlns:a16="http://schemas.microsoft.com/office/drawing/2014/main" id="{62EE2236-BE7D-793A-3C57-00EA8278A21A}"/>
+              </a:ext>
+            </a:extLst>
+          </p:cNvPr>
+          <p:cNvSpPr txBox="1"/>
+          <p:nvPr/>
+        </p:nvSpPr>
+        <p:spPr>
+          <a:xfrm flipH="1">
+            <a:off x="3533049" y="5675070"/>
+            <a:ext cx="2302233" cy="523220"/>
+          </a:xfrm>
+          <a:prstGeom prst="rect">
+            <a:avLst/>
+          </a:prstGeom>
+          <a:noFill/>
+        </p:spPr>
+        <p:txBody>
+          <a:bodyPr wrap="none" rtlCol="0">
+            <a:spAutoFit/>
+          </a:bodyPr>
+          <a:lstStyle/>
+          <a:p>
+            <a:r>
+              <a:rPr lang="en-US" altLang="ko-KR" sz="1400" b="1" dirty="0">
+                <a:solidFill>
+                  <a:srgbClr val="FF0000"/>
+                </a:solidFill>
+                <a:latin typeface="Roboto" panose="02000000000000000000" pitchFamily="2" charset="0"/>
+                <a:ea typeface="Roboto" panose="02000000000000000000" pitchFamily="2" charset="0"/>
+              </a:rPr>
+              <a:t>2. Connection through SSH</a:t>
+            </a:r>
+          </a:p>
+          <a:p>
+            <a:r>
+              <a:rPr lang="en-US" altLang="ko-KR" sz="1400" b="1" dirty="0">
+                <a:solidFill>
+                  <a:srgbClr val="FF0000"/>
+                </a:solidFill>
+                <a:latin typeface="Roboto" panose="02000000000000000000" pitchFamily="2" charset="0"/>
+                <a:ea typeface="Roboto" panose="02000000000000000000" pitchFamily="2" charset="0"/>
+              </a:rPr>
+              <a:t>(VS Code or </a:t>
+            </a:r>
+            <a:r>
+              <a:rPr lang="en-US" altLang="ko-KR" sz="1400" b="1" dirty="0" err="1">
+                <a:solidFill>
+                  <a:srgbClr val="FF0000"/>
+                </a:solidFill>
+                <a:latin typeface="Roboto" panose="02000000000000000000" pitchFamily="2" charset="0"/>
+                <a:ea typeface="Roboto" panose="02000000000000000000" pitchFamily="2" charset="0"/>
+              </a:rPr>
+              <a:t>MobaXterm</a:t>
+            </a:r>
+            <a:r>
+              <a:rPr lang="en-US" altLang="ko-KR" sz="1400" b="1" dirty="0">
+                <a:solidFill>
+                  <a:srgbClr val="FF0000"/>
+                </a:solidFill>
+                <a:latin typeface="Roboto" panose="02000000000000000000" pitchFamily="2" charset="0"/>
+                <a:ea typeface="Roboto" panose="02000000000000000000" pitchFamily="2" charset="0"/>
+              </a:rPr>
+              <a:t>)</a:t>
+            </a:r>
+          </a:p>
+        </p:txBody>
+      </p:sp>
+      <p:sp>
+        <p:nvSpPr>
+          <p:cNvPr id="1041" name="TextBox 1040">
+            <a:extLst>
+              <a:ext uri="{FF2B5EF4-FFF2-40B4-BE49-F238E27FC236}">
+                <a16:creationId xmlns:a16="http://schemas.microsoft.com/office/drawing/2014/main" id="{BF053CE3-2A28-E688-3F92-F6AE7C084620}"/>
+              </a:ext>
+            </a:extLst>
+          </p:cNvPr>
+          <p:cNvSpPr txBox="1"/>
+          <p:nvPr/>
+        </p:nvSpPr>
+        <p:spPr>
+          <a:xfrm flipH="1">
+            <a:off x="5371297" y="596891"/>
+            <a:ext cx="1465466" cy="307777"/>
+          </a:xfrm>
+          <a:prstGeom prst="rect">
+            <a:avLst/>
+          </a:prstGeom>
+          <a:noFill/>
+        </p:spPr>
+        <p:txBody>
+          <a:bodyPr wrap="none" rtlCol="0">
+            <a:spAutoFit/>
+          </a:bodyPr>
+          <a:lstStyle/>
+          <a:p>
+            <a:r>
+              <a:rPr lang="en-US" altLang="ko-KR" sz="1400" b="1" dirty="0">
+                <a:solidFill>
+                  <a:srgbClr val="FF0000"/>
+                </a:solidFill>
+                <a:latin typeface="Roboto" panose="02000000000000000000" pitchFamily="2" charset="0"/>
+                <a:ea typeface="Roboto" panose="02000000000000000000" pitchFamily="2" charset="0"/>
+              </a:rPr>
+              <a:t>1. VPN (local IP)</a:t>
+            </a:r>
+            <a:endParaRPr lang="ko-KR" altLang="en-US" sz="1400" b="1" dirty="0">
+              <a:solidFill>
+                <a:srgbClr val="FF0000"/>
+              </a:solidFill>
+              <a:latin typeface="Roboto" panose="02000000000000000000" pitchFamily="2" charset="0"/>
+            </a:endParaRPr>
+          </a:p>
+        </p:txBody>
+      </p:sp>
+      <p:pic>
+        <p:nvPicPr>
+          <p:cNvPr id="1042" name="Picture 1041">
+            <a:extLst>
+              <a:ext uri="{FF2B5EF4-FFF2-40B4-BE49-F238E27FC236}">
+                <a16:creationId xmlns:a16="http://schemas.microsoft.com/office/drawing/2014/main" id="{30A86A17-C8A1-6B08-2AE1-BE68593280F8}"/>
+              </a:ext>
+            </a:extLst>
+          </p:cNvPr>
+          <p:cNvPicPr>
+            <a:picLocks noChangeAspect="1"/>
+          </p:cNvPicPr>
+          <p:nvPr/>
+        </p:nvPicPr>
+        <p:blipFill>
+          <a:blip r:embed="rId3"/>
+          <a:stretch>
+            <a:fillRect/>
+          </a:stretch>
+        </p:blipFill>
+        <p:spPr>
+          <a:xfrm>
+            <a:off x="3479694" y="998154"/>
+            <a:ext cx="1622388" cy="1366724"/>
+          </a:xfrm>
+          <a:prstGeom prst="rect">
+            <a:avLst/>
+          </a:prstGeom>
+        </p:spPr>
+      </p:pic>
+      <p:pic>
+        <p:nvPicPr>
+          <p:cNvPr id="1043" name="Picture 1042">
+            <a:extLst>
+              <a:ext uri="{FF2B5EF4-FFF2-40B4-BE49-F238E27FC236}">
+                <a16:creationId xmlns:a16="http://schemas.microsoft.com/office/drawing/2014/main" id="{312C2D10-1CD4-5C66-F61E-91A8B0CE5026}"/>
+              </a:ext>
+            </a:extLst>
+          </p:cNvPr>
+          <p:cNvPicPr>
+            <a:picLocks noChangeAspect="1"/>
+          </p:cNvPicPr>
+          <p:nvPr/>
+        </p:nvPicPr>
+        <p:blipFill>
+          <a:blip r:embed="rId3"/>
+          <a:stretch>
+            <a:fillRect/>
+          </a:stretch>
+        </p:blipFill>
+        <p:spPr>
+          <a:xfrm>
+            <a:off x="6982993" y="998154"/>
+            <a:ext cx="1622388" cy="1366724"/>
+          </a:xfrm>
+          <a:prstGeom prst="rect">
+            <a:avLst/>
+          </a:prstGeom>
+        </p:spPr>
+      </p:pic>
+      <p:cxnSp>
+        <p:nvCxnSpPr>
+          <p:cNvPr id="1044" name="Straight Arrow Connector 1043">
+            <a:extLst>
+              <a:ext uri="{FF2B5EF4-FFF2-40B4-BE49-F238E27FC236}">
+                <a16:creationId xmlns:a16="http://schemas.microsoft.com/office/drawing/2014/main" id="{EAD9765D-1F86-75A2-C1C4-8DCF486D442A}"/>
+              </a:ext>
+            </a:extLst>
+          </p:cNvPr>
+          <p:cNvCxnSpPr>
+            <a:cxnSpLocks/>
+          </p:cNvCxnSpPr>
+          <p:nvPr/>
+        </p:nvCxnSpPr>
+        <p:spPr>
+          <a:xfrm flipH="1">
+            <a:off x="5545230" y="1483954"/>
+            <a:ext cx="1117600" cy="0"/>
+          </a:xfrm>
+          <a:prstGeom prst="straightConnector1">
+            <a:avLst/>
+          </a:prstGeom>
+          <a:ln w="28575">
+            <a:solidFill>
+              <a:schemeClr val="tx1"/>
+            </a:solidFill>
+            <a:tailEnd type="triangle"/>
+          </a:ln>
+        </p:spPr>
+        <p:style>
+          <a:lnRef idx="1">
+            <a:schemeClr val="accent1"/>
+          </a:lnRef>
+          <a:fillRef idx="0">
+            <a:schemeClr val="accent1"/>
+          </a:fillRef>
+          <a:effectRef idx="0">
+            <a:schemeClr val="accent1"/>
+          </a:effectRef>
+          <a:fontRef idx="minor">
+            <a:schemeClr val="tx1"/>
+          </a:fontRef>
+        </p:style>
+      </p:cxnSp>
+      <p:cxnSp>
+        <p:nvCxnSpPr>
+          <p:cNvPr id="1045" name="Straight Arrow Connector 1044">
+            <a:extLst>
+              <a:ext uri="{FF2B5EF4-FFF2-40B4-BE49-F238E27FC236}">
+                <a16:creationId xmlns:a16="http://schemas.microsoft.com/office/drawing/2014/main" id="{EA7B227D-ADC5-EE3B-D3E5-791E89C7E084}"/>
+              </a:ext>
+            </a:extLst>
+          </p:cNvPr>
+          <p:cNvCxnSpPr>
+            <a:cxnSpLocks/>
+          </p:cNvCxnSpPr>
+          <p:nvPr/>
+        </p:nvCxnSpPr>
+        <p:spPr>
+          <a:xfrm>
+            <a:off x="5545230" y="1805310"/>
+            <a:ext cx="1117600" cy="0"/>
+          </a:xfrm>
+          <a:prstGeom prst="straightConnector1">
+            <a:avLst/>
+          </a:prstGeom>
+          <a:ln w="28575">
+            <a:solidFill>
+              <a:schemeClr val="tx1"/>
+            </a:solidFill>
+            <a:tailEnd type="triangle"/>
+          </a:ln>
+        </p:spPr>
+        <p:style>
+          <a:lnRef idx="1">
+            <a:schemeClr val="accent1"/>
+          </a:lnRef>
+          <a:fillRef idx="0">
+            <a:schemeClr val="accent1"/>
+          </a:fillRef>
+          <a:effectRef idx="0">
+            <a:schemeClr val="accent1"/>
+          </a:effectRef>
+          <a:fontRef idx="minor">
+            <a:schemeClr val="tx1"/>
+          </a:fontRef>
+        </p:style>
+      </p:cxnSp>
+      <p:pic>
+        <p:nvPicPr>
+          <p:cNvPr id="1046" name="Picture 1045">
+            <a:extLst>
+              <a:ext uri="{FF2B5EF4-FFF2-40B4-BE49-F238E27FC236}">
+                <a16:creationId xmlns:a16="http://schemas.microsoft.com/office/drawing/2014/main" id="{037FB24E-61CF-9EF3-AF7F-8AD4A3C8BCB7}"/>
+              </a:ext>
+            </a:extLst>
+          </p:cNvPr>
+          <p:cNvPicPr>
+            <a:picLocks noChangeAspect="1"/>
+          </p:cNvPicPr>
+          <p:nvPr/>
+        </p:nvPicPr>
+        <p:blipFill rotWithShape="1">
+          <a:blip r:embed="rId5"/>
+          <a:srcRect t="35182" b="29033"/>
+          <a:stretch/>
+        </p:blipFill>
+        <p:spPr>
+          <a:xfrm>
+            <a:off x="5522579" y="997915"/>
+            <a:ext cx="1162902" cy="277485"/>
+          </a:xfrm>
+          <a:prstGeom prst="rect">
+            <a:avLst/>
+          </a:prstGeom>
+        </p:spPr>
+      </p:pic>
+      <p:sp>
+        <p:nvSpPr>
+          <p:cNvPr id="1047" name="TextBox 1046">
+            <a:extLst>
+              <a:ext uri="{FF2B5EF4-FFF2-40B4-BE49-F238E27FC236}">
+                <a16:creationId xmlns:a16="http://schemas.microsoft.com/office/drawing/2014/main" id="{D5A22F08-09B0-0D3C-5252-9525BA0A2570}"/>
+              </a:ext>
+            </a:extLst>
+          </p:cNvPr>
+          <p:cNvSpPr txBox="1"/>
+          <p:nvPr/>
+        </p:nvSpPr>
+        <p:spPr>
+          <a:xfrm flipH="1">
+            <a:off x="4952914" y="2396809"/>
+            <a:ext cx="2302233" cy="307777"/>
+          </a:xfrm>
+          <a:prstGeom prst="rect">
+            <a:avLst/>
+          </a:prstGeom>
+          <a:noFill/>
+        </p:spPr>
+        <p:txBody>
+          <a:bodyPr wrap="none" rtlCol="0">
+            <a:spAutoFit/>
+          </a:bodyPr>
+          <a:lstStyle/>
+          <a:p>
+            <a:r>
+              <a:rPr lang="en-US" altLang="ko-KR" sz="1400" b="1" dirty="0">
+                <a:solidFill>
+                  <a:srgbClr val="FF0000"/>
+                </a:solidFill>
+                <a:latin typeface="Roboto" panose="02000000000000000000" pitchFamily="2" charset="0"/>
+                <a:ea typeface="Roboto" panose="02000000000000000000" pitchFamily="2" charset="0"/>
+              </a:rPr>
+              <a:t>2. Connection through SSH</a:t>
+            </a:r>
+          </a:p>
+        </p:txBody>
+      </p:sp>
+      <p:sp>
+        <p:nvSpPr>
+          <p:cNvPr id="1048" name="TextBox 1047">
+            <a:extLst>
+              <a:ext uri="{FF2B5EF4-FFF2-40B4-BE49-F238E27FC236}">
+                <a16:creationId xmlns:a16="http://schemas.microsoft.com/office/drawing/2014/main" id="{96F6AF18-0CF4-D6BA-3F9C-7B3000AF3399}"/>
+              </a:ext>
+            </a:extLst>
+          </p:cNvPr>
+          <p:cNvSpPr txBox="1"/>
+          <p:nvPr/>
+        </p:nvSpPr>
+        <p:spPr>
+          <a:xfrm flipH="1">
+            <a:off x="3594066" y="748029"/>
+            <a:ext cx="841897" cy="261610"/>
+          </a:xfrm>
+          <a:prstGeom prst="rect">
+            <a:avLst/>
+          </a:prstGeom>
+          <a:noFill/>
+        </p:spPr>
+        <p:txBody>
+          <a:bodyPr wrap="none" rtlCol="0">
+            <a:spAutoFit/>
+          </a:bodyPr>
+          <a:lstStyle/>
+          <a:p>
+            <a:r>
+              <a:rPr lang="en-US" altLang="ko-KR" sz="1100" b="1" dirty="0">
+                <a:latin typeface="Roboto" panose="02000000000000000000" pitchFamily="2" charset="0"/>
+                <a:ea typeface="Roboto" panose="02000000000000000000" pitchFamily="2" charset="0"/>
+              </a:rPr>
+              <a:t>Location A</a:t>
+            </a:r>
+          </a:p>
+        </p:txBody>
+      </p:sp>
+      <p:sp>
+        <p:nvSpPr>
+          <p:cNvPr id="1049" name="TextBox 1048">
+            <a:extLst>
+              <a:ext uri="{FF2B5EF4-FFF2-40B4-BE49-F238E27FC236}">
+                <a16:creationId xmlns:a16="http://schemas.microsoft.com/office/drawing/2014/main" id="{EE776DEB-971B-8FC5-DF5E-0CB50627FE1E}"/>
+              </a:ext>
+            </a:extLst>
+          </p:cNvPr>
+          <p:cNvSpPr txBox="1"/>
+          <p:nvPr/>
+        </p:nvSpPr>
+        <p:spPr>
+          <a:xfrm flipH="1">
+            <a:off x="7097835" y="748029"/>
+            <a:ext cx="838691" cy="261610"/>
+          </a:xfrm>
+          <a:prstGeom prst="rect">
+            <a:avLst/>
+          </a:prstGeom>
+          <a:noFill/>
+        </p:spPr>
+        <p:txBody>
+          <a:bodyPr wrap="none" rtlCol="0">
+            <a:spAutoFit/>
+          </a:bodyPr>
+          <a:lstStyle/>
+          <a:p>
+            <a:r>
+              <a:rPr lang="en-US" altLang="ko-KR" sz="1100" b="1" dirty="0">
+                <a:latin typeface="Roboto" panose="02000000000000000000" pitchFamily="2" charset="0"/>
+                <a:ea typeface="Roboto" panose="02000000000000000000" pitchFamily="2" charset="0"/>
+              </a:rPr>
+              <a:t>Location B</a:t>
+            </a:r>
+          </a:p>
+        </p:txBody>
+      </p:sp>
+    </p:spTree>
+    <p:extLst>
+      <p:ext uri="{BB962C8B-B14F-4D97-AF65-F5344CB8AC3E}">
+        <p14:creationId xmlns:p14="http://schemas.microsoft.com/office/powerpoint/2010/main" val="1852516414"/>
+      </p:ext>
+    </p:extLst>
+  </p:cSld>
+  <p:clrMapOvr>
+    <a:masterClrMapping/>
+  </p:clrMapOvr>
+</p:sld>
+</file>
+
+<file path=ppt/slides/slide3.xml><?xml version="1.0" encoding="utf-8"?>
+<p:sld xmlns:a="http://schemas.openxmlformats.org/drawingml/2006/main" xmlns:r="http://schemas.openxmlformats.org/officeDocument/2006/relationships" xmlns:p="http://schemas.openxmlformats.org/presentationml/2006/main">
+  <p:cSld>
+    <p:spTree>
+      <p:nvGrpSpPr>
+        <p:cNvPr id="1" name=""/>
+        <p:cNvGrpSpPr/>
+        <p:nvPr/>
+      </p:nvGrpSpPr>
+      <p:grpSpPr>
+        <a:xfrm>
+          <a:off x="0" y="0"/>
+          <a:ext cx="0" cy="0"/>
+          <a:chOff x="0" y="0"/>
+          <a:chExt cx="0" cy="0"/>
+        </a:xfrm>
+      </p:grpSpPr>
+      <p:sp>
+        <p:nvSpPr>
+          <p:cNvPr id="59" name="Rectangle 58">
+            <a:extLst>
+              <a:ext uri="{FF2B5EF4-FFF2-40B4-BE49-F238E27FC236}">
+                <a16:creationId xmlns:a16="http://schemas.microsoft.com/office/drawing/2014/main" id="{531D59D0-99A5-A5FA-7E00-4764E4B8DA83}"/>
+              </a:ext>
+            </a:extLst>
+          </p:cNvPr>
+          <p:cNvSpPr/>
+          <p:nvPr/>
+        </p:nvSpPr>
+        <p:spPr>
+          <a:xfrm>
+            <a:off x="2598874" y="282021"/>
+            <a:ext cx="7459935" cy="5200337"/>
+          </a:xfrm>
+          <a:prstGeom prst="rect">
+            <a:avLst/>
+          </a:prstGeom>
+          <a:noFill/>
+          <a:ln>
+            <a:solidFill>
+              <a:schemeClr val="bg1"/>
+            </a:solidFill>
+          </a:ln>
+        </p:spPr>
+        <p:style>
+          <a:lnRef idx="2">
+            <a:schemeClr val="accent1">
+              <a:shade val="15000"/>
+            </a:schemeClr>
+          </a:lnRef>
+          <a:fillRef idx="1">
+            <a:schemeClr val="accent1"/>
+          </a:fillRef>
+          <a:effectRef idx="0">
+            <a:schemeClr val="accent1"/>
+          </a:effectRef>
+          <a:fontRef idx="minor">
+            <a:schemeClr val="lt1"/>
+          </a:fontRef>
+        </p:style>
+        <p:txBody>
+          <a:bodyPr rtlCol="0" anchor="ctr"/>
+          <a:lstStyle/>
+          <a:p>
+            <a:pPr algn="ctr"/>
+            <a:endParaRPr lang="ko-KR" altLang="en-US"/>
+          </a:p>
+        </p:txBody>
+      </p:sp>
+      <p:pic>
+        <p:nvPicPr>
+          <p:cNvPr id="44" name="Picture 43">
+            <a:extLst>
+              <a:ext uri="{FF2B5EF4-FFF2-40B4-BE49-F238E27FC236}">
+                <a16:creationId xmlns:a16="http://schemas.microsoft.com/office/drawing/2014/main" id="{CE2E4EE1-A8F4-52CB-F519-72F1968040F6}"/>
+              </a:ext>
+            </a:extLst>
+          </p:cNvPr>
+          <p:cNvPicPr>
+            <a:picLocks noChangeAspect="1"/>
+          </p:cNvPicPr>
+          <p:nvPr/>
+        </p:nvPicPr>
+        <p:blipFill>
+          <a:blip r:embed="rId2"/>
+          <a:stretch>
+            <a:fillRect/>
+          </a:stretch>
+        </p:blipFill>
+        <p:spPr>
+          <a:xfrm>
+            <a:off x="2658313" y="324996"/>
+            <a:ext cx="3275926" cy="1126854"/>
+          </a:xfrm>
+          <a:prstGeom prst="rect">
+            <a:avLst/>
+          </a:prstGeom>
+          <a:ln>
+            <a:solidFill>
+              <a:schemeClr val="bg1">
+                <a:lumMod val="75000"/>
+              </a:schemeClr>
+            </a:solidFill>
+          </a:ln>
+        </p:spPr>
+      </p:pic>
+      <p:pic>
+        <p:nvPicPr>
+          <p:cNvPr id="5" name="Picture 4" descr="A screenshot of a computer&#10;&#10;Description automatically generated">
+            <a:extLst>
+              <a:ext uri="{FF2B5EF4-FFF2-40B4-BE49-F238E27FC236}">
+                <a16:creationId xmlns:a16="http://schemas.microsoft.com/office/drawing/2014/main" id="{A3DCBE04-1534-3313-7E51-90FDBA29B6FA}"/>
+              </a:ext>
+            </a:extLst>
+          </p:cNvPr>
+          <p:cNvPicPr>
+            <a:picLocks noChangeAspect="1"/>
+          </p:cNvPicPr>
+          <p:nvPr/>
+        </p:nvPicPr>
+        <p:blipFill>
+          <a:blip r:embed="rId3">
+            <a:extLst>
+              <a:ext uri="{28A0092B-C50C-407E-A947-70E740481C1C}">
+                <a14:useLocalDpi xmlns:a14="http://schemas.microsoft.com/office/drawing/2010/main" val="0"/>
+              </a:ext>
+            </a:extLst>
+          </a:blip>
+          <a:stretch>
+            <a:fillRect/>
+          </a:stretch>
+        </p:blipFill>
+        <p:spPr>
+          <a:xfrm>
+            <a:off x="2658313" y="2049153"/>
+            <a:ext cx="3275926" cy="1802544"/>
+          </a:xfrm>
+          <a:prstGeom prst="rect">
+            <a:avLst/>
+          </a:prstGeom>
+          <a:noFill/>
+          <a:ln w="19050">
+            <a:solidFill>
+              <a:schemeClr val="tx1"/>
+            </a:solidFill>
+          </a:ln>
+        </p:spPr>
+      </p:pic>
+      <p:sp>
+        <p:nvSpPr>
+          <p:cNvPr id="45" name="Rectangle 44">
+            <a:extLst>
+              <a:ext uri="{FF2B5EF4-FFF2-40B4-BE49-F238E27FC236}">
+                <a16:creationId xmlns:a16="http://schemas.microsoft.com/office/drawing/2014/main" id="{2C355150-8681-B8A7-26F5-750ADDFAF025}"/>
+              </a:ext>
+            </a:extLst>
+          </p:cNvPr>
+          <p:cNvSpPr/>
+          <p:nvPr/>
+        </p:nvSpPr>
+        <p:spPr>
+          <a:xfrm>
+            <a:off x="4226776" y="2459108"/>
+            <a:ext cx="1683001" cy="196179"/>
+          </a:xfrm>
+          <a:prstGeom prst="rect">
+            <a:avLst/>
+          </a:prstGeom>
+          <a:solidFill>
+            <a:srgbClr val="FF0000">
+              <a:alpha val="20000"/>
+            </a:srgbClr>
+          </a:solidFill>
+          <a:ln>
+            <a:noFill/>
+          </a:ln>
+        </p:spPr>
+        <p:style>
+          <a:lnRef idx="2">
+            <a:schemeClr val="accent1">
+              <a:shade val="15000"/>
+            </a:schemeClr>
+          </a:lnRef>
+          <a:fillRef idx="1">
+            <a:schemeClr val="accent1"/>
+          </a:fillRef>
+          <a:effectRef idx="0">
+            <a:schemeClr val="accent1"/>
+          </a:effectRef>
+          <a:fontRef idx="minor">
+            <a:schemeClr val="lt1"/>
+          </a:fontRef>
+        </p:style>
+        <p:txBody>
+          <a:bodyPr rtlCol="0" anchor="ctr"/>
+          <a:lstStyle/>
+          <a:p>
+            <a:pPr algn="ctr"/>
+            <a:endParaRPr lang="ko-KR" altLang="en-US" dirty="0"/>
+          </a:p>
+        </p:txBody>
+      </p:sp>
+      <p:pic>
+        <p:nvPicPr>
+          <p:cNvPr id="48" name="Picture 47">
+            <a:extLst>
+              <a:ext uri="{FF2B5EF4-FFF2-40B4-BE49-F238E27FC236}">
+                <a16:creationId xmlns:a16="http://schemas.microsoft.com/office/drawing/2014/main" id="{58E684A6-E1F1-4092-D395-8113CB638B3D}"/>
+              </a:ext>
+            </a:extLst>
+          </p:cNvPr>
+          <p:cNvPicPr>
+            <a:picLocks noChangeAspect="1"/>
+          </p:cNvPicPr>
+          <p:nvPr/>
+        </p:nvPicPr>
+        <p:blipFill>
+          <a:blip r:embed="rId4"/>
+          <a:stretch>
+            <a:fillRect/>
+          </a:stretch>
+        </p:blipFill>
+        <p:spPr>
+          <a:xfrm>
+            <a:off x="6468834" y="376065"/>
+            <a:ext cx="3539167" cy="1389068"/>
+          </a:xfrm>
+          <a:prstGeom prst="rect">
+            <a:avLst/>
+          </a:prstGeom>
+          <a:noFill/>
+          <a:ln w="19050">
+            <a:solidFill>
+              <a:schemeClr val="tx1"/>
+            </a:solidFill>
+          </a:ln>
+        </p:spPr>
+      </p:pic>
+      <p:pic>
+        <p:nvPicPr>
+          <p:cNvPr id="50" name="Picture 49">
+            <a:extLst>
+              <a:ext uri="{FF2B5EF4-FFF2-40B4-BE49-F238E27FC236}">
+                <a16:creationId xmlns:a16="http://schemas.microsoft.com/office/drawing/2014/main" id="{46BA79F8-B714-1292-43C7-90604E8E5E68}"/>
+              </a:ext>
+            </a:extLst>
+          </p:cNvPr>
+          <p:cNvPicPr>
+            <a:picLocks noChangeAspect="1"/>
+          </p:cNvPicPr>
+          <p:nvPr/>
+        </p:nvPicPr>
+        <p:blipFill>
+          <a:blip r:embed="rId5"/>
+          <a:stretch>
+            <a:fillRect/>
+          </a:stretch>
+        </p:blipFill>
+        <p:spPr>
+          <a:xfrm>
+            <a:off x="6468834" y="2242431"/>
+            <a:ext cx="3539167" cy="1609390"/>
+          </a:xfrm>
+          <a:prstGeom prst="rect">
+            <a:avLst/>
+          </a:prstGeom>
+          <a:noFill/>
+          <a:ln w="19050">
+            <a:solidFill>
+              <a:schemeClr val="tx1"/>
+            </a:solidFill>
+          </a:ln>
+        </p:spPr>
+      </p:pic>
+      <p:cxnSp>
+        <p:nvCxnSpPr>
+          <p:cNvPr id="52" name="Straight Arrow Connector 51">
+            <a:extLst>
+              <a:ext uri="{FF2B5EF4-FFF2-40B4-BE49-F238E27FC236}">
+                <a16:creationId xmlns:a16="http://schemas.microsoft.com/office/drawing/2014/main" id="{6E3CD5CC-8DD6-025F-DF0E-C94ED328FCB6}"/>
+              </a:ext>
+            </a:extLst>
+          </p:cNvPr>
+          <p:cNvCxnSpPr>
+            <a:cxnSpLocks/>
+          </p:cNvCxnSpPr>
+          <p:nvPr/>
+        </p:nvCxnSpPr>
+        <p:spPr>
+          <a:xfrm>
+            <a:off x="4449453" y="1282044"/>
+            <a:ext cx="0" cy="1068108"/>
+          </a:xfrm>
+          <a:prstGeom prst="straightConnector1">
+            <a:avLst/>
+          </a:prstGeom>
+          <a:ln w="19050">
+            <a:solidFill>
+              <a:srgbClr val="FF0000"/>
+            </a:solidFill>
+            <a:prstDash val="dash"/>
+            <a:tailEnd type="triangle"/>
+          </a:ln>
+        </p:spPr>
+        <p:style>
+          <a:lnRef idx="1">
+            <a:schemeClr val="accent1"/>
+          </a:lnRef>
+          <a:fillRef idx="0">
+            <a:schemeClr val="accent1"/>
+          </a:fillRef>
+          <a:effectRef idx="0">
+            <a:schemeClr val="accent1"/>
+          </a:effectRef>
+          <a:fontRef idx="minor">
+            <a:schemeClr val="tx1"/>
+          </a:fontRef>
+        </p:style>
+      </p:cxnSp>
+      <p:cxnSp>
+        <p:nvCxnSpPr>
+          <p:cNvPr id="54" name="Straight Arrow Connector 53">
+            <a:extLst>
+              <a:ext uri="{FF2B5EF4-FFF2-40B4-BE49-F238E27FC236}">
+                <a16:creationId xmlns:a16="http://schemas.microsoft.com/office/drawing/2014/main" id="{ADCAFD7C-D66D-2BCF-1077-74747ED721C5}"/>
+              </a:ext>
+            </a:extLst>
+          </p:cNvPr>
+          <p:cNvCxnSpPr>
+            <a:cxnSpLocks/>
+          </p:cNvCxnSpPr>
+          <p:nvPr/>
+        </p:nvCxnSpPr>
+        <p:spPr>
+          <a:xfrm flipV="1">
+            <a:off x="6023727" y="1696823"/>
+            <a:ext cx="358221" cy="754144"/>
+          </a:xfrm>
+          <a:prstGeom prst="straightConnector1">
+            <a:avLst/>
+          </a:prstGeom>
+          <a:ln w="19050">
+            <a:solidFill>
+              <a:srgbClr val="FF0000"/>
+            </a:solidFill>
+            <a:prstDash val="dash"/>
+            <a:tailEnd type="triangle"/>
+          </a:ln>
+        </p:spPr>
+        <p:style>
+          <a:lnRef idx="1">
+            <a:schemeClr val="accent1"/>
+          </a:lnRef>
+          <a:fillRef idx="0">
+            <a:schemeClr val="accent1"/>
+          </a:fillRef>
+          <a:effectRef idx="0">
+            <a:schemeClr val="accent1"/>
+          </a:effectRef>
+          <a:fontRef idx="minor">
+            <a:schemeClr val="tx1"/>
+          </a:fontRef>
+        </p:style>
+      </p:cxnSp>
+      <p:cxnSp>
+        <p:nvCxnSpPr>
+          <p:cNvPr id="56" name="Straight Arrow Connector 55">
+            <a:extLst>
+              <a:ext uri="{FF2B5EF4-FFF2-40B4-BE49-F238E27FC236}">
+                <a16:creationId xmlns:a16="http://schemas.microsoft.com/office/drawing/2014/main" id="{CEEA5602-A308-C444-170A-07E7FB686F62}"/>
+              </a:ext>
+            </a:extLst>
+          </p:cNvPr>
+          <p:cNvCxnSpPr>
+            <a:cxnSpLocks/>
+          </p:cNvCxnSpPr>
+          <p:nvPr/>
+        </p:nvCxnSpPr>
+        <p:spPr>
+          <a:xfrm>
+            <a:off x="8238417" y="1861848"/>
+            <a:ext cx="0" cy="304517"/>
+          </a:xfrm>
+          <a:prstGeom prst="straightConnector1">
+            <a:avLst/>
+          </a:prstGeom>
+          <a:ln w="19050">
+            <a:solidFill>
+              <a:srgbClr val="FF0000"/>
+            </a:solidFill>
+            <a:prstDash val="dash"/>
+            <a:tailEnd type="triangle"/>
+          </a:ln>
+        </p:spPr>
+        <p:style>
+          <a:lnRef idx="1">
+            <a:schemeClr val="accent1"/>
+          </a:lnRef>
+          <a:fillRef idx="0">
+            <a:schemeClr val="accent1"/>
+          </a:fillRef>
+          <a:effectRef idx="0">
+            <a:schemeClr val="accent1"/>
+          </a:effectRef>
+          <a:fontRef idx="minor">
+            <a:schemeClr val="tx1"/>
+          </a:fontRef>
+        </p:style>
+      </p:cxnSp>
+      <p:sp>
+        <p:nvSpPr>
+          <p:cNvPr id="62" name="Rectangle 61">
+            <a:extLst>
+              <a:ext uri="{FF2B5EF4-FFF2-40B4-BE49-F238E27FC236}">
+                <a16:creationId xmlns:a16="http://schemas.microsoft.com/office/drawing/2014/main" id="{44977DC1-C544-4707-03BE-907EDEB8A88E}"/>
+              </a:ext>
+            </a:extLst>
+          </p:cNvPr>
+          <p:cNvSpPr/>
+          <p:nvPr/>
+        </p:nvSpPr>
+        <p:spPr>
+          <a:xfrm>
+            <a:off x="7099575" y="2836681"/>
+            <a:ext cx="1024339" cy="174816"/>
+          </a:xfrm>
+          <a:prstGeom prst="rect">
+            <a:avLst/>
+          </a:prstGeom>
+          <a:solidFill>
+            <a:srgbClr val="FF0000">
+              <a:alpha val="20000"/>
+            </a:srgbClr>
+          </a:solidFill>
+          <a:ln>
+            <a:noFill/>
+          </a:ln>
+        </p:spPr>
+        <p:style>
+          <a:lnRef idx="2">
+            <a:schemeClr val="accent1">
+              <a:shade val="15000"/>
+            </a:schemeClr>
+          </a:lnRef>
+          <a:fillRef idx="1">
+            <a:schemeClr val="accent1"/>
+          </a:fillRef>
+          <a:effectRef idx="0">
+            <a:schemeClr val="accent1"/>
+          </a:effectRef>
+          <a:fontRef idx="minor">
+            <a:schemeClr val="lt1"/>
+          </a:fontRef>
+        </p:style>
+        <p:txBody>
+          <a:bodyPr rtlCol="0" anchor="ctr"/>
+          <a:lstStyle/>
+          <a:p>
+            <a:pPr algn="ctr"/>
+            <a:endParaRPr lang="ko-KR" altLang="en-US" dirty="0"/>
+          </a:p>
+        </p:txBody>
+      </p:sp>
+      <p:pic>
+        <p:nvPicPr>
+          <p:cNvPr id="63" name="Picture 62">
+            <a:extLst>
+              <a:ext uri="{FF2B5EF4-FFF2-40B4-BE49-F238E27FC236}">
+                <a16:creationId xmlns:a16="http://schemas.microsoft.com/office/drawing/2014/main" id="{236EFE94-B44E-5EDB-B944-3CDF9059450C}"/>
+              </a:ext>
+            </a:extLst>
+          </p:cNvPr>
+          <p:cNvPicPr>
+            <a:picLocks noChangeAspect="1"/>
+          </p:cNvPicPr>
+          <p:nvPr/>
+        </p:nvPicPr>
+        <p:blipFill>
+          <a:blip r:embed="rId6"/>
+          <a:stretch>
+            <a:fillRect/>
+          </a:stretch>
+        </p:blipFill>
+        <p:spPr>
+          <a:xfrm>
+            <a:off x="2658313" y="4262876"/>
+            <a:ext cx="3275926" cy="1184311"/>
+          </a:xfrm>
+          <a:prstGeom prst="rect">
+            <a:avLst/>
+          </a:prstGeom>
+          <a:ln>
+            <a:solidFill>
+              <a:schemeClr val="bg1">
+                <a:lumMod val="75000"/>
+              </a:schemeClr>
+            </a:solidFill>
+          </a:ln>
+        </p:spPr>
+      </p:pic>
+      <p:pic>
+        <p:nvPicPr>
+          <p:cNvPr id="64" name="Picture 63">
+            <a:extLst>
+              <a:ext uri="{FF2B5EF4-FFF2-40B4-BE49-F238E27FC236}">
+                <a16:creationId xmlns:a16="http://schemas.microsoft.com/office/drawing/2014/main" id="{EAD0F666-F6E4-28FF-D24C-8A8EF2492D84}"/>
+              </a:ext>
+            </a:extLst>
+          </p:cNvPr>
+          <p:cNvPicPr>
+            <a:picLocks noChangeAspect="1"/>
+          </p:cNvPicPr>
+          <p:nvPr/>
+        </p:nvPicPr>
+        <p:blipFill>
+          <a:blip r:embed="rId7"/>
+          <a:stretch>
+            <a:fillRect/>
+          </a:stretch>
+        </p:blipFill>
+        <p:spPr>
+          <a:xfrm>
+            <a:off x="6381948" y="4684053"/>
+            <a:ext cx="3248478" cy="247685"/>
+          </a:xfrm>
+          <a:prstGeom prst="rect">
+            <a:avLst/>
+          </a:prstGeom>
+        </p:spPr>
+      </p:pic>
+      <p:cxnSp>
+        <p:nvCxnSpPr>
+          <p:cNvPr id="65" name="Straight Arrow Connector 64">
+            <a:extLst>
+              <a:ext uri="{FF2B5EF4-FFF2-40B4-BE49-F238E27FC236}">
+                <a16:creationId xmlns:a16="http://schemas.microsoft.com/office/drawing/2014/main" id="{8095B8BF-43E0-1DF8-12A6-7E14F816C1C4}"/>
+              </a:ext>
+            </a:extLst>
+          </p:cNvPr>
+          <p:cNvCxnSpPr>
+            <a:cxnSpLocks/>
+          </p:cNvCxnSpPr>
+          <p:nvPr/>
+        </p:nvCxnSpPr>
+        <p:spPr>
+          <a:xfrm>
+            <a:off x="7682235" y="3011497"/>
+            <a:ext cx="0" cy="1569930"/>
+          </a:xfrm>
+          <a:prstGeom prst="straightConnector1">
+            <a:avLst/>
+          </a:prstGeom>
+          <a:ln w="19050">
+            <a:solidFill>
+              <a:srgbClr val="FF0000"/>
+            </a:solidFill>
+            <a:prstDash val="dash"/>
+            <a:tailEnd type="triangle"/>
+          </a:ln>
+        </p:spPr>
+        <p:style>
+          <a:lnRef idx="1">
+            <a:schemeClr val="accent1"/>
+          </a:lnRef>
+          <a:fillRef idx="0">
+            <a:schemeClr val="accent1"/>
+          </a:fillRef>
+          <a:effectRef idx="0">
+            <a:schemeClr val="accent1"/>
+          </a:effectRef>
+          <a:fontRef idx="minor">
+            <a:schemeClr val="tx1"/>
+          </a:fontRef>
+        </p:style>
+      </p:cxnSp>
+    </p:spTree>
+    <p:extLst>
+      <p:ext uri="{BB962C8B-B14F-4D97-AF65-F5344CB8AC3E}">
+        <p14:creationId xmlns:p14="http://schemas.microsoft.com/office/powerpoint/2010/main" val="2919303586"/>
+      </p:ext>
+    </p:extLst>
+  </p:cSld>
+  <p:clrMapOvr>
+    <a:masterClrMapping/>
+  </p:clrMapOvr>
+</p:sld>
+</file>
+
+<file path=ppt/slides/slide4.xml><?xml version="1.0" encoding="utf-8"?>
+<p:sld xmlns:a="http://schemas.openxmlformats.org/drawingml/2006/main" xmlns:r="http://schemas.openxmlformats.org/officeDocument/2006/relationships" xmlns:p="http://schemas.openxmlformats.org/presentationml/2006/main">
+  <p:cSld>
+    <p:spTree>
+      <p:nvGrpSpPr>
+        <p:cNvPr id="1" name=""/>
+        <p:cNvGrpSpPr/>
+        <p:nvPr/>
+      </p:nvGrpSpPr>
+      <p:grpSpPr>
+        <a:xfrm>
+          <a:off x="0" y="0"/>
+          <a:ext cx="0" cy="0"/>
+          <a:chOff x="0" y="0"/>
+          <a:chExt cx="0" cy="0"/>
+        </a:xfrm>
+      </p:grpSpPr>
+      <p:pic>
+        <p:nvPicPr>
+          <p:cNvPr id="14" name="Picture 13">
+            <a:extLst>
+              <a:ext uri="{FF2B5EF4-FFF2-40B4-BE49-F238E27FC236}">
+                <a16:creationId xmlns:a16="http://schemas.microsoft.com/office/drawing/2014/main" id="{E92BD3EC-C85F-68C1-14AE-A1C224288C8F}"/>
+              </a:ext>
+            </a:extLst>
+          </p:cNvPr>
+          <p:cNvPicPr>
+            <a:picLocks noChangeAspect="1"/>
+          </p:cNvPicPr>
+          <p:nvPr/>
+        </p:nvPicPr>
+        <p:blipFill>
+          <a:blip r:embed="rId2"/>
+          <a:stretch>
+            <a:fillRect/>
+          </a:stretch>
+        </p:blipFill>
+        <p:spPr>
+          <a:xfrm>
+            <a:off x="2658313" y="1278626"/>
+            <a:ext cx="3275926" cy="1184311"/>
+          </a:xfrm>
+          <a:prstGeom prst="rect">
+            <a:avLst/>
+          </a:prstGeom>
+        </p:spPr>
+      </p:pic>
+      <p:pic>
+        <p:nvPicPr>
+          <p:cNvPr id="17" name="Picture 16">
+            <a:extLst>
+              <a:ext uri="{FF2B5EF4-FFF2-40B4-BE49-F238E27FC236}">
+                <a16:creationId xmlns:a16="http://schemas.microsoft.com/office/drawing/2014/main" id="{026E9258-F14E-55FE-2A71-C112515DEA12}"/>
+              </a:ext>
+            </a:extLst>
+          </p:cNvPr>
+          <p:cNvPicPr>
+            <a:picLocks noChangeAspect="1"/>
+          </p:cNvPicPr>
+          <p:nvPr/>
+        </p:nvPicPr>
+        <p:blipFill>
+          <a:blip r:embed="rId3"/>
+          <a:stretch>
+            <a:fillRect/>
+          </a:stretch>
+        </p:blipFill>
+        <p:spPr>
+          <a:xfrm>
+            <a:off x="2672037" y="2747568"/>
+            <a:ext cx="3248478" cy="247685"/>
+          </a:xfrm>
+          <a:prstGeom prst="rect">
+            <a:avLst/>
+          </a:prstGeom>
+        </p:spPr>
+      </p:pic>
+      <p:sp>
+        <p:nvSpPr>
+          <p:cNvPr id="18" name="Rectangle 17">
+            <a:extLst>
+              <a:ext uri="{FF2B5EF4-FFF2-40B4-BE49-F238E27FC236}">
+                <a16:creationId xmlns:a16="http://schemas.microsoft.com/office/drawing/2014/main" id="{462C1DB4-136D-2E22-1AB4-6B1C3E87E261}"/>
+              </a:ext>
+            </a:extLst>
+          </p:cNvPr>
+          <p:cNvSpPr/>
+          <p:nvPr/>
+        </p:nvSpPr>
+        <p:spPr>
+          <a:xfrm>
+            <a:off x="2318995" y="1192263"/>
+            <a:ext cx="7777113" cy="3605980"/>
+          </a:xfrm>
+          <a:prstGeom prst="rect">
+            <a:avLst/>
+          </a:prstGeom>
+          <a:noFill/>
+          <a:ln>
+            <a:solidFill>
+              <a:schemeClr val="bg1"/>
+            </a:solidFill>
+          </a:ln>
+        </p:spPr>
+        <p:style>
+          <a:lnRef idx="2">
+            <a:schemeClr val="accent1">
+              <a:shade val="15000"/>
+            </a:schemeClr>
+          </a:lnRef>
+          <a:fillRef idx="1">
+            <a:schemeClr val="accent1"/>
+          </a:fillRef>
+          <a:effectRef idx="0">
+            <a:schemeClr val="accent1"/>
+          </a:effectRef>
+          <a:fontRef idx="minor">
+            <a:schemeClr val="lt1"/>
+          </a:fontRef>
+        </p:style>
+        <p:txBody>
+          <a:bodyPr rtlCol="0" anchor="ctr"/>
+          <a:lstStyle/>
+          <a:p>
+            <a:pPr algn="ctr"/>
+            <a:endParaRPr lang="ko-KR" altLang="en-US"/>
+          </a:p>
+        </p:txBody>
+      </p:sp>
+    </p:spTree>
+    <p:extLst>
+      <p:ext uri="{BB962C8B-B14F-4D97-AF65-F5344CB8AC3E}">
+        <p14:creationId xmlns:p14="http://schemas.microsoft.com/office/powerpoint/2010/main" val="798058460"/>
+      </p:ext>
+    </p:extLst>
+  </p:cSld>
+  <p:clrMapOvr>
+    <a:masterClrMapping/>
+  </p:clrMapOvr>
+</p:sld>
+</file>
+
+<file path=ppt/slides/slide5.xml><?xml version="1.0" encoding="utf-8"?>
+<p:sld xmlns:a="http://schemas.openxmlformats.org/drawingml/2006/main" xmlns:r="http://schemas.openxmlformats.org/officeDocument/2006/relationships" xmlns:p="http://schemas.openxmlformats.org/presentationml/2006/main">
+  <p:cSld>
+    <p:spTree>
+      <p:nvGrpSpPr>
+        <p:cNvPr id="1" name=""/>
+        <p:cNvGrpSpPr/>
+        <p:nvPr/>
+      </p:nvGrpSpPr>
+      <p:grpSpPr>
+        <a:xfrm>
+          <a:off x="0" y="0"/>
+          <a:ext cx="0" cy="0"/>
+          <a:chOff x="0" y="0"/>
+          <a:chExt cx="0" cy="0"/>
+        </a:xfrm>
+      </p:grpSpPr>
+      <p:pic>
+        <p:nvPicPr>
+          <p:cNvPr id="5" name="Picture 4">
+            <a:extLst>
+              <a:ext uri="{FF2B5EF4-FFF2-40B4-BE49-F238E27FC236}">
+                <a16:creationId xmlns:a16="http://schemas.microsoft.com/office/drawing/2014/main" id="{21137D3E-ED83-BCA0-96B8-219568DDD7CE}"/>
+              </a:ext>
+            </a:extLst>
+          </p:cNvPr>
+          <p:cNvPicPr>
+            <a:picLocks noChangeAspect="1"/>
+          </p:cNvPicPr>
+          <p:nvPr/>
+        </p:nvPicPr>
+        <p:blipFill>
+          <a:blip r:embed="rId2"/>
+          <a:stretch>
+            <a:fillRect/>
+          </a:stretch>
+        </p:blipFill>
+        <p:spPr>
+          <a:xfrm>
+            <a:off x="289088" y="1568935"/>
+            <a:ext cx="11613823" cy="4363944"/>
+          </a:xfrm>
+          <a:prstGeom prst="rect">
+            <a:avLst/>
+          </a:prstGeom>
+          <a:ln w="19050">
+            <a:solidFill>
+              <a:schemeClr val="tx1"/>
+            </a:solidFill>
+          </a:ln>
+        </p:spPr>
+      </p:pic>
+      <p:pic>
+        <p:nvPicPr>
+          <p:cNvPr id="7" name="Picture 6">
+            <a:extLst>
+              <a:ext uri="{FF2B5EF4-FFF2-40B4-BE49-F238E27FC236}">
+                <a16:creationId xmlns:a16="http://schemas.microsoft.com/office/drawing/2014/main" id="{44AD5C49-1D48-6C28-2BBB-A36A75D39316}"/>
+              </a:ext>
+            </a:extLst>
+          </p:cNvPr>
+          <p:cNvPicPr>
+            <a:picLocks noChangeAspect="1"/>
+          </p:cNvPicPr>
+          <p:nvPr/>
+        </p:nvPicPr>
+        <p:blipFill rotWithShape="1">
+          <a:blip r:embed="rId3"/>
+          <a:srcRect t="17085"/>
+          <a:stretch/>
+        </p:blipFill>
+        <p:spPr>
+          <a:xfrm>
+            <a:off x="7149680" y="1859979"/>
+            <a:ext cx="1145509" cy="1022064"/>
+          </a:xfrm>
+          <a:prstGeom prst="rect">
+            <a:avLst/>
+          </a:prstGeom>
+          <a:ln>
+            <a:solidFill>
+              <a:schemeClr val="bg1">
+                <a:lumMod val="75000"/>
+              </a:schemeClr>
+            </a:solidFill>
+          </a:ln>
+        </p:spPr>
+      </p:pic>
+      <p:cxnSp>
+        <p:nvCxnSpPr>
+          <p:cNvPr id="10" name="Straight Connector 9">
+            <a:extLst>
+              <a:ext uri="{FF2B5EF4-FFF2-40B4-BE49-F238E27FC236}">
+                <a16:creationId xmlns:a16="http://schemas.microsoft.com/office/drawing/2014/main" id="{7A45E2A1-A888-376D-EEFD-AB90B4C91012}"/>
+              </a:ext>
+            </a:extLst>
+          </p:cNvPr>
+          <p:cNvCxnSpPr>
+            <a:cxnSpLocks/>
+          </p:cNvCxnSpPr>
+          <p:nvPr/>
+        </p:nvCxnSpPr>
+        <p:spPr>
+          <a:xfrm>
+            <a:off x="9928860" y="2242851"/>
+            <a:ext cx="0" cy="823532"/>
+          </a:xfrm>
+          <a:prstGeom prst="line">
+            <a:avLst/>
+          </a:prstGeom>
+          <a:ln w="38100">
+            <a:solidFill>
+              <a:srgbClr val="FF0000"/>
+            </a:solidFill>
+          </a:ln>
+        </p:spPr>
+        <p:style>
+          <a:lnRef idx="1">
+            <a:schemeClr val="accent1"/>
+          </a:lnRef>
+          <a:fillRef idx="0">
+            <a:schemeClr val="accent1"/>
+          </a:fillRef>
+          <a:effectRef idx="0">
+            <a:schemeClr val="accent1"/>
+          </a:effectRef>
+          <a:fontRef idx="minor">
+            <a:schemeClr val="tx1"/>
+          </a:fontRef>
+        </p:style>
+      </p:cxnSp>
+      <p:cxnSp>
+        <p:nvCxnSpPr>
+          <p:cNvPr id="11" name="Straight Connector 10">
+            <a:extLst>
+              <a:ext uri="{FF2B5EF4-FFF2-40B4-BE49-F238E27FC236}">
+                <a16:creationId xmlns:a16="http://schemas.microsoft.com/office/drawing/2014/main" id="{156ACF45-CF66-99A1-62FB-611FD926714C}"/>
+              </a:ext>
+            </a:extLst>
+          </p:cNvPr>
+          <p:cNvCxnSpPr>
+            <a:cxnSpLocks/>
+          </p:cNvCxnSpPr>
+          <p:nvPr/>
+        </p:nvCxnSpPr>
+        <p:spPr>
+          <a:xfrm>
+            <a:off x="9928860" y="3203949"/>
+            <a:ext cx="0" cy="2389392"/>
+          </a:xfrm>
+          <a:prstGeom prst="line">
+            <a:avLst/>
+          </a:prstGeom>
+          <a:ln w="38100">
+            <a:solidFill>
+              <a:srgbClr val="FFC000"/>
+            </a:solidFill>
+          </a:ln>
+        </p:spPr>
+        <p:style>
+          <a:lnRef idx="1">
+            <a:schemeClr val="accent1"/>
+          </a:lnRef>
+          <a:fillRef idx="0">
+            <a:schemeClr val="accent1"/>
+          </a:fillRef>
+          <a:effectRef idx="0">
+            <a:schemeClr val="accent1"/>
+          </a:effectRef>
+          <a:fontRef idx="minor">
+            <a:schemeClr val="tx1"/>
+          </a:fontRef>
+        </p:style>
+      </p:cxnSp>
+      <p:cxnSp>
+        <p:nvCxnSpPr>
+          <p:cNvPr id="13" name="Straight Connector 12">
+            <a:extLst>
+              <a:ext uri="{FF2B5EF4-FFF2-40B4-BE49-F238E27FC236}">
+                <a16:creationId xmlns:a16="http://schemas.microsoft.com/office/drawing/2014/main" id="{95586578-6750-75E8-E530-76CC3BA72C87}"/>
+              </a:ext>
+            </a:extLst>
+          </p:cNvPr>
+          <p:cNvCxnSpPr>
+            <a:cxnSpLocks/>
+          </p:cNvCxnSpPr>
+          <p:nvPr/>
+        </p:nvCxnSpPr>
+        <p:spPr>
+          <a:xfrm>
+            <a:off x="9928860" y="5711047"/>
+            <a:ext cx="0" cy="180065"/>
+          </a:xfrm>
+          <a:prstGeom prst="line">
+            <a:avLst/>
+          </a:prstGeom>
+          <a:ln w="38100">
+            <a:solidFill>
+              <a:srgbClr val="0070C0"/>
+            </a:solidFill>
+          </a:ln>
+        </p:spPr>
+        <p:style>
+          <a:lnRef idx="1">
+            <a:schemeClr val="accent1"/>
+          </a:lnRef>
+          <a:fillRef idx="0">
+            <a:schemeClr val="accent1"/>
+          </a:fillRef>
+          <a:effectRef idx="0">
+            <a:schemeClr val="accent1"/>
+          </a:effectRef>
+          <a:fontRef idx="minor">
+            <a:schemeClr val="tx1"/>
+          </a:fontRef>
+        </p:style>
+      </p:cxnSp>
+      <p:cxnSp>
+        <p:nvCxnSpPr>
+          <p:cNvPr id="16" name="Straight Connector 15">
+            <a:extLst>
+              <a:ext uri="{FF2B5EF4-FFF2-40B4-BE49-F238E27FC236}">
+                <a16:creationId xmlns:a16="http://schemas.microsoft.com/office/drawing/2014/main" id="{91B6AAA2-DB8C-0187-33E5-872635C8B93B}"/>
+              </a:ext>
+            </a:extLst>
+          </p:cNvPr>
+          <p:cNvCxnSpPr/>
+          <p:nvPr/>
+        </p:nvCxnSpPr>
+        <p:spPr>
+          <a:xfrm flipH="1">
+            <a:off x="289088" y="3112770"/>
+            <a:ext cx="11613823" cy="0"/>
+          </a:xfrm>
+          <a:prstGeom prst="line">
+            <a:avLst/>
+          </a:prstGeom>
+          <a:ln w="12700">
+            <a:solidFill>
+              <a:schemeClr val="tx1"/>
+            </a:solidFill>
+          </a:ln>
+        </p:spPr>
+        <p:style>
+          <a:lnRef idx="1">
+            <a:schemeClr val="accent1"/>
+          </a:lnRef>
+          <a:fillRef idx="0">
+            <a:schemeClr val="accent1"/>
+          </a:fillRef>
+          <a:effectRef idx="0">
+            <a:schemeClr val="accent1"/>
+          </a:effectRef>
+          <a:fontRef idx="minor">
+            <a:schemeClr val="tx1"/>
+          </a:fontRef>
+        </p:style>
+      </p:cxnSp>
+      <p:cxnSp>
+        <p:nvCxnSpPr>
+          <p:cNvPr id="17" name="Straight Connector 16">
+            <a:extLst>
+              <a:ext uri="{FF2B5EF4-FFF2-40B4-BE49-F238E27FC236}">
+                <a16:creationId xmlns:a16="http://schemas.microsoft.com/office/drawing/2014/main" id="{DEFF8E23-7D63-AF87-024E-D314DD3242F3}"/>
+              </a:ext>
+            </a:extLst>
+          </p:cNvPr>
+          <p:cNvCxnSpPr/>
+          <p:nvPr/>
+        </p:nvCxnSpPr>
+        <p:spPr>
+          <a:xfrm flipH="1">
+            <a:off x="289088" y="5654040"/>
+            <a:ext cx="11613823" cy="0"/>
+          </a:xfrm>
+          <a:prstGeom prst="line">
+            <a:avLst/>
+          </a:prstGeom>
+          <a:ln w="12700">
+            <a:solidFill>
+              <a:schemeClr val="tx1"/>
+            </a:solidFill>
+          </a:ln>
+        </p:spPr>
+        <p:style>
+          <a:lnRef idx="1">
+            <a:schemeClr val="accent1"/>
+          </a:lnRef>
+          <a:fillRef idx="0">
+            <a:schemeClr val="accent1"/>
+          </a:fillRef>
+          <a:effectRef idx="0">
+            <a:schemeClr val="accent1"/>
+          </a:effectRef>
+          <a:fontRef idx="minor">
+            <a:schemeClr val="tx1"/>
+          </a:fontRef>
+        </p:style>
+      </p:cxnSp>
+      <p:sp>
+        <p:nvSpPr>
+          <p:cNvPr id="3" name="TextBox 2">
+            <a:extLst>
+              <a:ext uri="{FF2B5EF4-FFF2-40B4-BE49-F238E27FC236}">
+                <a16:creationId xmlns:a16="http://schemas.microsoft.com/office/drawing/2014/main" id="{16D1269B-E8A1-0B9A-2986-74950EC3BCFA}"/>
+              </a:ext>
+            </a:extLst>
+          </p:cNvPr>
+          <p:cNvSpPr txBox="1"/>
+          <p:nvPr/>
+        </p:nvSpPr>
+        <p:spPr>
+          <a:xfrm flipH="1">
+            <a:off x="0" y="0"/>
+            <a:ext cx="1091966" cy="307777"/>
+          </a:xfrm>
+          <a:prstGeom prst="rect">
+            <a:avLst/>
+          </a:prstGeom>
+          <a:noFill/>
+        </p:spPr>
+        <p:txBody>
+          <a:bodyPr wrap="none" rtlCol="0">
+            <a:spAutoFit/>
+          </a:bodyPr>
+          <a:lstStyle/>
+          <a:p>
+            <a:r>
+              <a:rPr lang="en-US" altLang="ko-KR" sz="1400" dirty="0">
+                <a:highlight>
+                  <a:srgbClr val="FFFF00"/>
+                </a:highlight>
+                <a:latin typeface="Roboto" panose="02000000000000000000" pitchFamily="2" charset="0"/>
+                <a:ea typeface="Roboto" panose="02000000000000000000" pitchFamily="2" charset="0"/>
+              </a:rPr>
+              <a:t>2023-09-18</a:t>
+            </a:r>
+            <a:endParaRPr lang="ko-KR" altLang="en-US" sz="1400" dirty="0">
+              <a:highlight>
+                <a:srgbClr val="FFFF00"/>
+              </a:highlight>
+              <a:latin typeface="Roboto" panose="02000000000000000000" pitchFamily="2" charset="0"/>
+            </a:endParaRPr>
+          </a:p>
+        </p:txBody>
+      </p:sp>
+    </p:spTree>
+    <p:extLst>
+      <p:ext uri="{BB962C8B-B14F-4D97-AF65-F5344CB8AC3E}">
+        <p14:creationId xmlns:p14="http://schemas.microsoft.com/office/powerpoint/2010/main" val="41763789"/>
+      </p:ext>
+    </p:extLst>
+  </p:cSld>
+  <p:clrMapOvr>
+    <a:masterClrMapping/>
+  </p:clrMapOvr>
+</p:sld>
+</file>
+
+<file path=ppt/slides/slide6.xml><?xml version="1.0" encoding="utf-8"?>
+<p:sld xmlns:a="http://schemas.openxmlformats.org/drawingml/2006/main" xmlns:r="http://schemas.openxmlformats.org/officeDocument/2006/relationships" xmlns:p="http://schemas.openxmlformats.org/presentationml/2006/main">
+  <p:cSld>
+    <p:spTree>
+      <p:nvGrpSpPr>
+        <p:cNvPr id="1" name=""/>
+        <p:cNvGrpSpPr/>
+        <p:nvPr/>
+      </p:nvGrpSpPr>
+      <p:grpSpPr>
+        <a:xfrm>
+          <a:off x="0" y="0"/>
+          <a:ext cx="0" cy="0"/>
+          <a:chOff x="0" y="0"/>
+          <a:chExt cx="0" cy="0"/>
+        </a:xfrm>
+      </p:grpSpPr>
+      <p:sp>
+        <p:nvSpPr>
+          <p:cNvPr id="4" name="Rectangle 3">
+            <a:extLst>
+              <a:ext uri="{FF2B5EF4-FFF2-40B4-BE49-F238E27FC236}">
+                <a16:creationId xmlns:a16="http://schemas.microsoft.com/office/drawing/2014/main" id="{2B373168-E5E7-8161-E779-3F116ECE6C39}"/>
+              </a:ext>
+            </a:extLst>
+          </p:cNvPr>
+          <p:cNvSpPr/>
+          <p:nvPr/>
+        </p:nvSpPr>
+        <p:spPr>
+          <a:xfrm>
+            <a:off x="529919" y="298102"/>
+            <a:ext cx="10755536" cy="6485169"/>
+          </a:xfrm>
+          <a:prstGeom prst="rect">
+            <a:avLst/>
+          </a:prstGeom>
+          <a:solidFill>
+            <a:schemeClr val="bg1"/>
+          </a:solidFill>
+          <a:ln>
+            <a:noFill/>
+          </a:ln>
+        </p:spPr>
+        <p:style>
+          <a:lnRef idx="2">
+            <a:schemeClr val="accent1">
+              <a:shade val="15000"/>
+            </a:schemeClr>
+          </a:lnRef>
+          <a:fillRef idx="1">
+            <a:schemeClr val="accent1"/>
+          </a:fillRef>
+          <a:effectRef idx="0">
+            <a:schemeClr val="accent1"/>
+          </a:effectRef>
+          <a:fontRef idx="minor">
+            <a:schemeClr val="lt1"/>
+          </a:fontRef>
+        </p:style>
+        <p:txBody>
+          <a:bodyPr rtlCol="0" anchor="ctr"/>
+          <a:lstStyle/>
+          <a:p>
+            <a:pPr algn="ctr"/>
+            <a:endParaRPr lang="ko-KR" altLang="en-US"/>
+          </a:p>
+        </p:txBody>
+      </p:sp>
+      <p:sp>
+        <p:nvSpPr>
+          <p:cNvPr id="44" name="Rectangle 43">
+            <a:extLst>
+              <a:ext uri="{FF2B5EF4-FFF2-40B4-BE49-F238E27FC236}">
+                <a16:creationId xmlns:a16="http://schemas.microsoft.com/office/drawing/2014/main" id="{0522E2A5-C6EA-70D2-F47D-927C851D976C}"/>
+              </a:ext>
+            </a:extLst>
+          </p:cNvPr>
+          <p:cNvSpPr/>
+          <p:nvPr/>
+        </p:nvSpPr>
+        <p:spPr>
+          <a:xfrm>
+            <a:off x="2895610" y="836624"/>
+            <a:ext cx="4128711" cy="5946647"/>
+          </a:xfrm>
+          <a:prstGeom prst="rect">
+            <a:avLst/>
+          </a:prstGeom>
+          <a:solidFill>
+            <a:schemeClr val="bg1">
+              <a:lumMod val="95000"/>
+            </a:schemeClr>
+          </a:solidFill>
+          <a:ln>
+            <a:noFill/>
+          </a:ln>
+        </p:spPr>
+        <p:style>
+          <a:lnRef idx="2">
+            <a:schemeClr val="accent1">
+              <a:shade val="15000"/>
+            </a:schemeClr>
+          </a:lnRef>
+          <a:fillRef idx="1">
+            <a:schemeClr val="accent1"/>
+          </a:fillRef>
+          <a:effectRef idx="0">
+            <a:schemeClr val="accent1"/>
+          </a:effectRef>
+          <a:fontRef idx="minor">
+            <a:schemeClr val="lt1"/>
+          </a:fontRef>
+        </p:style>
+        <p:txBody>
+          <a:bodyPr rtlCol="0" anchor="ctr"/>
+          <a:lstStyle/>
+          <a:p>
+            <a:pPr algn="ctr"/>
+            <a:endParaRPr lang="ko-KR" altLang="en-US"/>
+          </a:p>
+        </p:txBody>
+      </p:sp>
+      <p:pic>
+        <p:nvPicPr>
+          <p:cNvPr id="6" name="Picture 5">
+            <a:extLst>
+              <a:ext uri="{FF2B5EF4-FFF2-40B4-BE49-F238E27FC236}">
+                <a16:creationId xmlns:a16="http://schemas.microsoft.com/office/drawing/2014/main" id="{07D6A45D-18BB-86C2-EE83-18E92E648863}"/>
+              </a:ext>
+            </a:extLst>
+          </p:cNvPr>
+          <p:cNvPicPr>
+            <a:picLocks noChangeAspect="1"/>
+          </p:cNvPicPr>
+          <p:nvPr/>
+        </p:nvPicPr>
+        <p:blipFill>
+          <a:blip r:embed="rId2"/>
+          <a:stretch>
+            <a:fillRect/>
+          </a:stretch>
+        </p:blipFill>
+        <p:spPr>
+          <a:xfrm>
+            <a:off x="612021" y="1199600"/>
+            <a:ext cx="1810003" cy="952633"/>
+          </a:xfrm>
+          <a:prstGeom prst="rect">
+            <a:avLst/>
+          </a:prstGeom>
+          <a:ln w="19050">
+            <a:solidFill>
+              <a:schemeClr val="tx1"/>
+            </a:solidFill>
+          </a:ln>
+        </p:spPr>
+      </p:pic>
+      <p:pic>
+        <p:nvPicPr>
+          <p:cNvPr id="8" name="Picture 7">
+            <a:extLst>
+              <a:ext uri="{FF2B5EF4-FFF2-40B4-BE49-F238E27FC236}">
+                <a16:creationId xmlns:a16="http://schemas.microsoft.com/office/drawing/2014/main" id="{C8613B6C-09DF-B7B6-96BF-DCBFEA69291E}"/>
+              </a:ext>
+            </a:extLst>
+          </p:cNvPr>
+          <p:cNvPicPr>
+            <a:picLocks noChangeAspect="1"/>
+          </p:cNvPicPr>
+          <p:nvPr/>
+        </p:nvPicPr>
+        <p:blipFill>
+          <a:blip r:embed="rId3"/>
+          <a:stretch>
+            <a:fillRect/>
+          </a:stretch>
+        </p:blipFill>
+        <p:spPr>
+          <a:xfrm>
+            <a:off x="612021" y="2674338"/>
+            <a:ext cx="1790950" cy="914528"/>
+          </a:xfrm>
+          <a:prstGeom prst="rect">
+            <a:avLst/>
+          </a:prstGeom>
+          <a:ln w="19050">
+            <a:solidFill>
+              <a:schemeClr val="tx1"/>
+            </a:solidFill>
+          </a:ln>
+        </p:spPr>
+      </p:pic>
+      <p:sp>
+        <p:nvSpPr>
+          <p:cNvPr id="9" name="TextBox 8">
+            <a:extLst>
+              <a:ext uri="{FF2B5EF4-FFF2-40B4-BE49-F238E27FC236}">
+                <a16:creationId xmlns:a16="http://schemas.microsoft.com/office/drawing/2014/main" id="{E3D814BF-356D-D8D6-5173-DCDCB452E68B}"/>
+              </a:ext>
+            </a:extLst>
+          </p:cNvPr>
+          <p:cNvSpPr txBox="1"/>
+          <p:nvPr/>
+        </p:nvSpPr>
+        <p:spPr>
+          <a:xfrm flipH="1">
+            <a:off x="612021" y="853567"/>
+            <a:ext cx="963725" cy="338554"/>
+          </a:xfrm>
+          <a:prstGeom prst="rect">
+            <a:avLst/>
+          </a:prstGeom>
+          <a:noFill/>
+        </p:spPr>
+        <p:txBody>
+          <a:bodyPr wrap="none" rtlCol="0">
+            <a:spAutoFit/>
+          </a:bodyPr>
+          <a:lstStyle/>
+          <a:p>
+            <a:r>
+              <a:rPr lang="en-US" altLang="ko-KR" sz="1600" b="1" dirty="0">
+                <a:solidFill>
+                  <a:srgbClr val="FF0000"/>
+                </a:solidFill>
+                <a:latin typeface="Roboto" panose="02000000000000000000" pitchFamily="2" charset="0"/>
+                <a:ea typeface="Roboto" panose="02000000000000000000" pitchFamily="2" charset="0"/>
+              </a:rPr>
+              <a:t>Program</a:t>
+            </a:r>
+            <a:endParaRPr lang="ko-KR" altLang="en-US" sz="1600" b="1" dirty="0">
+              <a:solidFill>
+                <a:srgbClr val="FF0000"/>
+              </a:solidFill>
+              <a:latin typeface="Roboto" panose="02000000000000000000" pitchFamily="2" charset="0"/>
+            </a:endParaRPr>
+          </a:p>
+        </p:txBody>
+      </p:sp>
+      <p:sp>
+        <p:nvSpPr>
+          <p:cNvPr id="10" name="TextBox 9">
+            <a:extLst>
+              <a:ext uri="{FF2B5EF4-FFF2-40B4-BE49-F238E27FC236}">
+                <a16:creationId xmlns:a16="http://schemas.microsoft.com/office/drawing/2014/main" id="{F030D3F9-E48B-9C6A-3003-9B2E68084A10}"/>
+              </a:ext>
+            </a:extLst>
+          </p:cNvPr>
+          <p:cNvSpPr txBox="1"/>
+          <p:nvPr/>
+        </p:nvSpPr>
+        <p:spPr>
+          <a:xfrm flipH="1">
+            <a:off x="612021" y="2295868"/>
+            <a:ext cx="1120820" cy="338554"/>
+          </a:xfrm>
+          <a:prstGeom prst="rect">
+            <a:avLst/>
+          </a:prstGeom>
+          <a:noFill/>
+        </p:spPr>
+        <p:txBody>
+          <a:bodyPr wrap="none" rtlCol="0">
+            <a:spAutoFit/>
+          </a:bodyPr>
+          <a:lstStyle/>
+          <a:p>
+            <a:r>
+              <a:rPr lang="en-US" altLang="ko-KR" sz="1600" b="1" dirty="0">
+                <a:solidFill>
+                  <a:srgbClr val="FF0000"/>
+                </a:solidFill>
+                <a:latin typeface="Roboto" panose="02000000000000000000" pitchFamily="2" charset="0"/>
+                <a:ea typeface="Roboto" panose="02000000000000000000" pitchFamily="2" charset="0"/>
+              </a:rPr>
+              <a:t>Study type</a:t>
+            </a:r>
+            <a:endParaRPr lang="ko-KR" altLang="en-US" sz="1600" b="1" dirty="0">
+              <a:solidFill>
+                <a:srgbClr val="FF0000"/>
+              </a:solidFill>
+              <a:latin typeface="Roboto" panose="02000000000000000000" pitchFamily="2" charset="0"/>
+            </a:endParaRPr>
+          </a:p>
+        </p:txBody>
+      </p:sp>
+      <p:pic>
+        <p:nvPicPr>
+          <p:cNvPr id="12" name="Picture 11">
+            <a:extLst>
+              <a:ext uri="{FF2B5EF4-FFF2-40B4-BE49-F238E27FC236}">
+                <a16:creationId xmlns:a16="http://schemas.microsoft.com/office/drawing/2014/main" id="{110A5A2A-2D2D-C72E-BBA7-2731304629C6}"/>
+              </a:ext>
+            </a:extLst>
+          </p:cNvPr>
+          <p:cNvPicPr>
+            <a:picLocks noChangeAspect="1"/>
+          </p:cNvPicPr>
+          <p:nvPr/>
+        </p:nvPicPr>
+        <p:blipFill>
+          <a:blip r:embed="rId4"/>
+          <a:stretch>
+            <a:fillRect/>
+          </a:stretch>
+        </p:blipFill>
+        <p:spPr>
+          <a:xfrm>
+            <a:off x="3073753" y="1211436"/>
+            <a:ext cx="1800476" cy="1257626"/>
+          </a:xfrm>
+          <a:prstGeom prst="rect">
+            <a:avLst/>
+          </a:prstGeom>
+          <a:ln w="19050">
+            <a:solidFill>
+              <a:schemeClr val="tx1"/>
+            </a:solidFill>
+          </a:ln>
+        </p:spPr>
+      </p:pic>
+      <p:pic>
+        <p:nvPicPr>
+          <p:cNvPr id="14" name="Picture 13">
+            <a:extLst>
+              <a:ext uri="{FF2B5EF4-FFF2-40B4-BE49-F238E27FC236}">
+                <a16:creationId xmlns:a16="http://schemas.microsoft.com/office/drawing/2014/main" id="{79A32A01-F35A-E9C3-A03F-546AB0F59531}"/>
+              </a:ext>
+            </a:extLst>
+          </p:cNvPr>
+          <p:cNvPicPr>
+            <a:picLocks noChangeAspect="1"/>
+          </p:cNvPicPr>
+          <p:nvPr/>
+        </p:nvPicPr>
+        <p:blipFill rotWithShape="1">
+          <a:blip r:embed="rId5"/>
+          <a:srcRect b="50187"/>
+          <a:stretch/>
+        </p:blipFill>
+        <p:spPr>
+          <a:xfrm>
+            <a:off x="3149169" y="3299563"/>
+            <a:ext cx="1797269" cy="3416170"/>
+          </a:xfrm>
+          <a:prstGeom prst="rect">
+            <a:avLst/>
+          </a:prstGeom>
+          <a:ln w="19050">
+            <a:noFill/>
+          </a:ln>
+        </p:spPr>
+      </p:pic>
+      <p:pic>
+        <p:nvPicPr>
+          <p:cNvPr id="16" name="Picture 15">
+            <a:extLst>
+              <a:ext uri="{FF2B5EF4-FFF2-40B4-BE49-F238E27FC236}">
+                <a16:creationId xmlns:a16="http://schemas.microsoft.com/office/drawing/2014/main" id="{18ECE72C-8396-5F0B-08F8-7099712EFD1F}"/>
+              </a:ext>
+            </a:extLst>
+          </p:cNvPr>
+          <p:cNvPicPr>
+            <a:picLocks noChangeAspect="1"/>
+          </p:cNvPicPr>
+          <p:nvPr/>
+        </p:nvPicPr>
+        <p:blipFill>
+          <a:blip r:embed="rId6"/>
+          <a:stretch>
+            <a:fillRect/>
+          </a:stretch>
+        </p:blipFill>
+        <p:spPr>
+          <a:xfrm>
+            <a:off x="5077813" y="1213564"/>
+            <a:ext cx="1800476" cy="1838582"/>
+          </a:xfrm>
+          <a:prstGeom prst="rect">
+            <a:avLst/>
+          </a:prstGeom>
+          <a:ln w="19050">
+            <a:solidFill>
+              <a:schemeClr val="tx1"/>
+            </a:solidFill>
+          </a:ln>
+        </p:spPr>
+      </p:pic>
+      <p:pic>
+        <p:nvPicPr>
+          <p:cNvPr id="17" name="Picture 16">
+            <a:extLst>
+              <a:ext uri="{FF2B5EF4-FFF2-40B4-BE49-F238E27FC236}">
+                <a16:creationId xmlns:a16="http://schemas.microsoft.com/office/drawing/2014/main" id="{3780BC51-130E-0C25-572C-CECB9D6D4D8E}"/>
+              </a:ext>
+            </a:extLst>
+          </p:cNvPr>
+          <p:cNvPicPr>
+            <a:picLocks noChangeAspect="1"/>
+          </p:cNvPicPr>
+          <p:nvPr/>
+        </p:nvPicPr>
+        <p:blipFill rotWithShape="1">
+          <a:blip r:embed="rId5"/>
+          <a:srcRect t="50187"/>
+          <a:stretch/>
+        </p:blipFill>
+        <p:spPr>
+          <a:xfrm>
+            <a:off x="4961456" y="3252429"/>
+            <a:ext cx="1797269" cy="3416169"/>
+          </a:xfrm>
+          <a:prstGeom prst="rect">
+            <a:avLst/>
+          </a:prstGeom>
+          <a:ln w="19050">
+            <a:noFill/>
+          </a:ln>
+        </p:spPr>
+      </p:pic>
+      <p:sp>
+        <p:nvSpPr>
+          <p:cNvPr id="18" name="Rectangle 17">
+            <a:extLst>
+              <a:ext uri="{FF2B5EF4-FFF2-40B4-BE49-F238E27FC236}">
+                <a16:creationId xmlns:a16="http://schemas.microsoft.com/office/drawing/2014/main" id="{EDC10ECE-E91B-D2EA-ED79-D1B028AA0D5D}"/>
+              </a:ext>
+            </a:extLst>
+          </p:cNvPr>
+          <p:cNvSpPr/>
+          <p:nvPr/>
+        </p:nvSpPr>
+        <p:spPr>
+          <a:xfrm>
+            <a:off x="3160979" y="3271280"/>
+            <a:ext cx="3597745" cy="3444453"/>
+          </a:xfrm>
+          <a:prstGeom prst="rect">
+            <a:avLst/>
+          </a:prstGeom>
+          <a:noFill/>
+          <a:ln w="19050">
+            <a:solidFill>
+              <a:schemeClr val="tx1"/>
+            </a:solidFill>
+          </a:ln>
+        </p:spPr>
+        <p:style>
+          <a:lnRef idx="2">
+            <a:schemeClr val="accent1">
+              <a:shade val="15000"/>
+            </a:schemeClr>
+          </a:lnRef>
+          <a:fillRef idx="1">
+            <a:schemeClr val="accent1"/>
+          </a:fillRef>
+          <a:effectRef idx="0">
+            <a:schemeClr val="accent1"/>
+          </a:effectRef>
+          <a:fontRef idx="minor">
+            <a:schemeClr val="lt1"/>
+          </a:fontRef>
+        </p:style>
+        <p:txBody>
+          <a:bodyPr rtlCol="0" anchor="ctr"/>
+          <a:lstStyle/>
+          <a:p>
+            <a:pPr algn="ctr"/>
+            <a:endParaRPr lang="ko-KR" altLang="en-US"/>
+          </a:p>
+        </p:txBody>
+      </p:sp>
+      <p:sp>
+        <p:nvSpPr>
+          <p:cNvPr id="19" name="TextBox 18">
+            <a:extLst>
+              <a:ext uri="{FF2B5EF4-FFF2-40B4-BE49-F238E27FC236}">
+                <a16:creationId xmlns:a16="http://schemas.microsoft.com/office/drawing/2014/main" id="{CA604DA4-C0C4-4C8D-2D20-BD3BB1456493}"/>
+              </a:ext>
+            </a:extLst>
+          </p:cNvPr>
+          <p:cNvSpPr txBox="1"/>
+          <p:nvPr/>
+        </p:nvSpPr>
+        <p:spPr>
+          <a:xfrm flipH="1">
+            <a:off x="3073753" y="894638"/>
+            <a:ext cx="1287532" cy="338554"/>
+          </a:xfrm>
+          <a:prstGeom prst="rect">
+            <a:avLst/>
+          </a:prstGeom>
+          <a:noFill/>
+        </p:spPr>
+        <p:txBody>
+          <a:bodyPr wrap="none" rtlCol="0">
+            <a:spAutoFit/>
+          </a:bodyPr>
+          <a:lstStyle/>
+          <a:p>
+            <a:r>
+              <a:rPr lang="en-US" altLang="ko-KR" sz="1600" b="1" dirty="0">
+                <a:solidFill>
+                  <a:srgbClr val="FF0000"/>
+                </a:solidFill>
+                <a:latin typeface="Roboto" panose="02000000000000000000" pitchFamily="2" charset="0"/>
+                <a:ea typeface="Roboto" panose="02000000000000000000" pitchFamily="2" charset="0"/>
+              </a:rPr>
+              <a:t>Clinical Trial</a:t>
+            </a:r>
+            <a:endParaRPr lang="ko-KR" altLang="en-US" sz="1600" b="1" dirty="0">
+              <a:solidFill>
+                <a:srgbClr val="FF0000"/>
+              </a:solidFill>
+              <a:latin typeface="Roboto" panose="02000000000000000000" pitchFamily="2" charset="0"/>
+            </a:endParaRPr>
+          </a:p>
+        </p:txBody>
+      </p:sp>
+      <p:sp>
+        <p:nvSpPr>
+          <p:cNvPr id="20" name="TextBox 19">
+            <a:extLst>
+              <a:ext uri="{FF2B5EF4-FFF2-40B4-BE49-F238E27FC236}">
+                <a16:creationId xmlns:a16="http://schemas.microsoft.com/office/drawing/2014/main" id="{BB4E6F12-0BBA-8C06-5319-1125CB29DF48}"/>
+              </a:ext>
+            </a:extLst>
+          </p:cNvPr>
+          <p:cNvSpPr txBox="1"/>
+          <p:nvPr/>
+        </p:nvSpPr>
+        <p:spPr>
+          <a:xfrm flipH="1">
+            <a:off x="5077813" y="894638"/>
+            <a:ext cx="1653017" cy="338554"/>
+          </a:xfrm>
+          <a:prstGeom prst="rect">
+            <a:avLst/>
+          </a:prstGeom>
+          <a:noFill/>
+        </p:spPr>
+        <p:txBody>
+          <a:bodyPr wrap="none" rtlCol="0">
+            <a:spAutoFit/>
+          </a:bodyPr>
+          <a:lstStyle/>
+          <a:p>
+            <a:r>
+              <a:rPr lang="en-US" altLang="ko-KR" sz="1600" b="1" dirty="0">
+                <a:solidFill>
+                  <a:srgbClr val="FF0000"/>
+                </a:solidFill>
+                <a:latin typeface="Roboto" panose="02000000000000000000" pitchFamily="2" charset="0"/>
+                <a:ea typeface="Roboto" panose="02000000000000000000" pitchFamily="2" charset="0"/>
+              </a:rPr>
+              <a:t>Transcriptomics</a:t>
+            </a:r>
+            <a:endParaRPr lang="ko-KR" altLang="en-US" sz="1600" b="1" dirty="0">
+              <a:solidFill>
+                <a:srgbClr val="FF0000"/>
+              </a:solidFill>
+              <a:latin typeface="Roboto" panose="02000000000000000000" pitchFamily="2" charset="0"/>
+            </a:endParaRPr>
+          </a:p>
+        </p:txBody>
+      </p:sp>
+      <p:sp>
+        <p:nvSpPr>
+          <p:cNvPr id="21" name="TextBox 20">
+            <a:extLst>
+              <a:ext uri="{FF2B5EF4-FFF2-40B4-BE49-F238E27FC236}">
+                <a16:creationId xmlns:a16="http://schemas.microsoft.com/office/drawing/2014/main" id="{EF85BBB9-BB1C-2B8F-F189-6A258330DBFC}"/>
+              </a:ext>
+            </a:extLst>
+          </p:cNvPr>
+          <p:cNvSpPr txBox="1"/>
+          <p:nvPr/>
+        </p:nvSpPr>
+        <p:spPr>
+          <a:xfrm flipH="1">
+            <a:off x="3149169" y="2954482"/>
+            <a:ext cx="1091966" cy="338554"/>
+          </a:xfrm>
+          <a:prstGeom prst="rect">
+            <a:avLst/>
+          </a:prstGeom>
+          <a:noFill/>
+        </p:spPr>
+        <p:txBody>
+          <a:bodyPr wrap="none" rtlCol="0">
+            <a:spAutoFit/>
+          </a:bodyPr>
+          <a:lstStyle/>
+          <a:p>
+            <a:r>
+              <a:rPr lang="en-US" altLang="ko-KR" sz="1600" b="1" dirty="0">
+                <a:solidFill>
+                  <a:srgbClr val="FF0000"/>
+                </a:solidFill>
+                <a:latin typeface="Roboto" panose="02000000000000000000" pitchFamily="2" charset="0"/>
+                <a:ea typeface="Roboto" panose="02000000000000000000" pitchFamily="2" charset="0"/>
+              </a:rPr>
+              <a:t>Genomics</a:t>
+            </a:r>
+            <a:endParaRPr lang="ko-KR" altLang="en-US" sz="1600" b="1" dirty="0">
+              <a:solidFill>
+                <a:srgbClr val="FF0000"/>
+              </a:solidFill>
+              <a:latin typeface="Roboto" panose="02000000000000000000" pitchFamily="2" charset="0"/>
+            </a:endParaRPr>
+          </a:p>
+        </p:txBody>
+      </p:sp>
+      <p:cxnSp>
+        <p:nvCxnSpPr>
+          <p:cNvPr id="26" name="Straight Arrow Connector 25">
+            <a:extLst>
+              <a:ext uri="{FF2B5EF4-FFF2-40B4-BE49-F238E27FC236}">
+                <a16:creationId xmlns:a16="http://schemas.microsoft.com/office/drawing/2014/main" id="{464B4965-B071-18D3-FED0-74C00919720C}"/>
+              </a:ext>
+            </a:extLst>
+          </p:cNvPr>
+          <p:cNvCxnSpPr>
+            <a:cxnSpLocks/>
+          </p:cNvCxnSpPr>
+          <p:nvPr/>
+        </p:nvCxnSpPr>
+        <p:spPr>
+          <a:xfrm>
+            <a:off x="7095732" y="1345600"/>
+            <a:ext cx="362343" cy="0"/>
+          </a:xfrm>
+          <a:prstGeom prst="straightConnector1">
+            <a:avLst/>
+          </a:prstGeom>
+          <a:ln w="38100">
+            <a:solidFill>
+              <a:schemeClr val="tx1"/>
+            </a:solidFill>
+            <a:tailEnd type="triangle"/>
+          </a:ln>
+        </p:spPr>
+        <p:style>
+          <a:lnRef idx="1">
+            <a:schemeClr val="accent1"/>
+          </a:lnRef>
+          <a:fillRef idx="0">
+            <a:schemeClr val="accent1"/>
+          </a:fillRef>
+          <a:effectRef idx="0">
+            <a:schemeClr val="accent1"/>
+          </a:effectRef>
+          <a:fontRef idx="minor">
+            <a:schemeClr val="tx1"/>
+          </a:fontRef>
+        </p:style>
+      </p:cxnSp>
+      <p:sp>
+        <p:nvSpPr>
+          <p:cNvPr id="27" name="TextBox 26">
+            <a:extLst>
+              <a:ext uri="{FF2B5EF4-FFF2-40B4-BE49-F238E27FC236}">
+                <a16:creationId xmlns:a16="http://schemas.microsoft.com/office/drawing/2014/main" id="{55A15E33-558C-5E3E-AB98-F44B2E1FF683}"/>
+              </a:ext>
+            </a:extLst>
+          </p:cNvPr>
+          <p:cNvSpPr txBox="1"/>
+          <p:nvPr/>
+        </p:nvSpPr>
+        <p:spPr>
+          <a:xfrm flipH="1">
+            <a:off x="7526132" y="894638"/>
+            <a:ext cx="987771" cy="338554"/>
+          </a:xfrm>
+          <a:prstGeom prst="rect">
+            <a:avLst/>
+          </a:prstGeom>
+          <a:noFill/>
+        </p:spPr>
+        <p:txBody>
+          <a:bodyPr wrap="none" rtlCol="0">
+            <a:spAutoFit/>
+          </a:bodyPr>
+          <a:lstStyle/>
+          <a:p>
+            <a:r>
+              <a:rPr lang="en-US" altLang="ko-KR" sz="1600" b="1" dirty="0">
+                <a:solidFill>
+                  <a:srgbClr val="FF0000"/>
+                </a:solidFill>
+                <a:latin typeface="Roboto" panose="02000000000000000000" pitchFamily="2" charset="0"/>
+                <a:ea typeface="Roboto" panose="02000000000000000000" pitchFamily="2" charset="0"/>
+              </a:rPr>
+              <a:t>File Type</a:t>
+            </a:r>
+            <a:endParaRPr lang="ko-KR" altLang="en-US" sz="1600" b="1" dirty="0">
+              <a:solidFill>
+                <a:srgbClr val="FF0000"/>
+              </a:solidFill>
+              <a:latin typeface="Roboto" panose="02000000000000000000" pitchFamily="2" charset="0"/>
+            </a:endParaRPr>
+          </a:p>
+        </p:txBody>
+      </p:sp>
+      <p:sp>
+        <p:nvSpPr>
+          <p:cNvPr id="30" name="TextBox 29">
+            <a:extLst>
+              <a:ext uri="{FF2B5EF4-FFF2-40B4-BE49-F238E27FC236}">
+                <a16:creationId xmlns:a16="http://schemas.microsoft.com/office/drawing/2014/main" id="{7F4826AB-F1E9-3925-EE01-42FA52B33AF6}"/>
+              </a:ext>
+            </a:extLst>
+          </p:cNvPr>
+          <p:cNvSpPr txBox="1"/>
+          <p:nvPr/>
+        </p:nvSpPr>
+        <p:spPr>
+          <a:xfrm flipH="1">
+            <a:off x="9350461" y="1563548"/>
+            <a:ext cx="1521570" cy="307777"/>
+          </a:xfrm>
+          <a:prstGeom prst="rect">
+            <a:avLst/>
+          </a:prstGeom>
+          <a:noFill/>
+        </p:spPr>
+        <p:txBody>
+          <a:bodyPr wrap="none" rtlCol="0">
+            <a:spAutoFit/>
+          </a:bodyPr>
+          <a:lstStyle/>
+          <a:p>
+            <a:r>
+              <a:rPr lang="en-US" altLang="ko-KR" sz="1400" dirty="0">
+                <a:solidFill>
+                  <a:srgbClr val="0070C0"/>
+                </a:solidFill>
+                <a:latin typeface="Roboto" panose="02000000000000000000" pitchFamily="2" charset="0"/>
+                <a:ea typeface="Roboto" panose="02000000000000000000" pitchFamily="2" charset="0"/>
+              </a:rPr>
+              <a:t>.doc, .pdf, .rtf, .</a:t>
+            </a:r>
+            <a:r>
+              <a:rPr lang="en-US" altLang="ko-KR" sz="1400" dirty="0" err="1">
+                <a:solidFill>
+                  <a:srgbClr val="0070C0"/>
+                </a:solidFill>
+                <a:latin typeface="Roboto" panose="02000000000000000000" pitchFamily="2" charset="0"/>
+                <a:ea typeface="Roboto" panose="02000000000000000000" pitchFamily="2" charset="0"/>
+              </a:rPr>
+              <a:t>tif</a:t>
+            </a:r>
+            <a:endParaRPr lang="ko-KR" altLang="en-US" sz="1400" dirty="0">
+              <a:solidFill>
+                <a:srgbClr val="0070C0"/>
+              </a:solidFill>
+              <a:latin typeface="Roboto" panose="02000000000000000000" pitchFamily="2" charset="0"/>
+            </a:endParaRPr>
+          </a:p>
+        </p:txBody>
+      </p:sp>
+      <p:pic>
+        <p:nvPicPr>
+          <p:cNvPr id="35" name="Picture 34">
+            <a:extLst>
+              <a:ext uri="{FF2B5EF4-FFF2-40B4-BE49-F238E27FC236}">
+                <a16:creationId xmlns:a16="http://schemas.microsoft.com/office/drawing/2014/main" id="{90C4D3C7-A24E-9F71-3AD0-0331F07CE767}"/>
+              </a:ext>
+            </a:extLst>
+          </p:cNvPr>
+          <p:cNvPicPr>
+            <a:picLocks noChangeAspect="1"/>
+          </p:cNvPicPr>
+          <p:nvPr/>
+        </p:nvPicPr>
+        <p:blipFill>
+          <a:blip r:embed="rId7"/>
+          <a:stretch>
+            <a:fillRect/>
+          </a:stretch>
+        </p:blipFill>
+        <p:spPr>
+          <a:xfrm>
+            <a:off x="7556119" y="1226336"/>
+            <a:ext cx="1790950" cy="1448002"/>
+          </a:xfrm>
+          <a:prstGeom prst="rect">
+            <a:avLst/>
+          </a:prstGeom>
+          <a:ln w="19050">
+            <a:solidFill>
+              <a:schemeClr val="tx1"/>
+            </a:solidFill>
+          </a:ln>
+        </p:spPr>
+      </p:pic>
+      <p:sp>
+        <p:nvSpPr>
+          <p:cNvPr id="36" name="TextBox 35">
+            <a:extLst>
+              <a:ext uri="{FF2B5EF4-FFF2-40B4-BE49-F238E27FC236}">
+                <a16:creationId xmlns:a16="http://schemas.microsoft.com/office/drawing/2014/main" id="{A62D8C9C-3819-4557-3A36-BF5865182D07}"/>
+              </a:ext>
+            </a:extLst>
+          </p:cNvPr>
+          <p:cNvSpPr txBox="1"/>
+          <p:nvPr/>
+        </p:nvSpPr>
+        <p:spPr>
+          <a:xfrm flipH="1">
+            <a:off x="9350461" y="1221191"/>
+            <a:ext cx="473206" cy="307777"/>
+          </a:xfrm>
+          <a:prstGeom prst="rect">
+            <a:avLst/>
+          </a:prstGeom>
+          <a:noFill/>
+        </p:spPr>
+        <p:txBody>
+          <a:bodyPr wrap="none" rtlCol="0">
+            <a:spAutoFit/>
+          </a:bodyPr>
+          <a:lstStyle/>
+          <a:p>
+            <a:r>
+              <a:rPr lang="en-US" altLang="ko-KR" sz="1400" dirty="0">
+                <a:solidFill>
+                  <a:srgbClr val="0070C0"/>
+                </a:solidFill>
+                <a:latin typeface="Roboto" panose="02000000000000000000" pitchFamily="2" charset="0"/>
+                <a:ea typeface="Roboto" panose="02000000000000000000" pitchFamily="2" charset="0"/>
+              </a:rPr>
+              <a:t>.bai</a:t>
+            </a:r>
+            <a:endParaRPr lang="ko-KR" altLang="en-US" sz="1400" dirty="0">
+              <a:solidFill>
+                <a:srgbClr val="0070C0"/>
+              </a:solidFill>
+              <a:latin typeface="Roboto" panose="02000000000000000000" pitchFamily="2" charset="0"/>
+            </a:endParaRPr>
+          </a:p>
+        </p:txBody>
+      </p:sp>
+      <p:sp>
+        <p:nvSpPr>
+          <p:cNvPr id="37" name="TextBox 36">
+            <a:extLst>
+              <a:ext uri="{FF2B5EF4-FFF2-40B4-BE49-F238E27FC236}">
+                <a16:creationId xmlns:a16="http://schemas.microsoft.com/office/drawing/2014/main" id="{F4A43F5A-63EA-5017-7408-3896C05F3532}"/>
+              </a:ext>
+            </a:extLst>
+          </p:cNvPr>
+          <p:cNvSpPr txBox="1"/>
+          <p:nvPr/>
+        </p:nvSpPr>
+        <p:spPr>
+          <a:xfrm flipH="1">
+            <a:off x="9350461" y="1905905"/>
+            <a:ext cx="587020" cy="307777"/>
+          </a:xfrm>
+          <a:prstGeom prst="rect">
+            <a:avLst/>
+          </a:prstGeom>
+          <a:noFill/>
+        </p:spPr>
+        <p:txBody>
+          <a:bodyPr wrap="none" rtlCol="0">
+            <a:spAutoFit/>
+          </a:bodyPr>
+          <a:lstStyle/>
+          <a:p>
+            <a:r>
+              <a:rPr lang="en-US" altLang="ko-KR" sz="1400" dirty="0">
+                <a:solidFill>
+                  <a:srgbClr val="0070C0"/>
+                </a:solidFill>
+                <a:latin typeface="Roboto" panose="02000000000000000000" pitchFamily="2" charset="0"/>
+                <a:ea typeface="Roboto" panose="02000000000000000000" pitchFamily="2" charset="0"/>
+              </a:rPr>
+              <a:t>.bam</a:t>
+            </a:r>
+            <a:endParaRPr lang="ko-KR" altLang="en-US" sz="1400" dirty="0">
+              <a:solidFill>
+                <a:srgbClr val="0070C0"/>
+              </a:solidFill>
+              <a:latin typeface="Roboto" panose="02000000000000000000" pitchFamily="2" charset="0"/>
+            </a:endParaRPr>
+          </a:p>
+        </p:txBody>
+      </p:sp>
+      <p:pic>
+        <p:nvPicPr>
+          <p:cNvPr id="39" name="Picture 38">
+            <a:extLst>
+              <a:ext uri="{FF2B5EF4-FFF2-40B4-BE49-F238E27FC236}">
+                <a16:creationId xmlns:a16="http://schemas.microsoft.com/office/drawing/2014/main" id="{320DD7D0-0AD3-35D3-92AD-8891451ECE1F}"/>
+              </a:ext>
+            </a:extLst>
+          </p:cNvPr>
+          <p:cNvPicPr>
+            <a:picLocks noChangeAspect="1"/>
+          </p:cNvPicPr>
+          <p:nvPr/>
+        </p:nvPicPr>
+        <p:blipFill rotWithShape="1">
+          <a:blip r:embed="rId8"/>
+          <a:srcRect l="1571"/>
+          <a:stretch/>
+        </p:blipFill>
+        <p:spPr>
+          <a:xfrm>
+            <a:off x="550811" y="298102"/>
+            <a:ext cx="3694382" cy="523948"/>
+          </a:xfrm>
+          <a:prstGeom prst="rect">
+            <a:avLst/>
+          </a:prstGeom>
+        </p:spPr>
+      </p:pic>
+      <p:sp>
+        <p:nvSpPr>
+          <p:cNvPr id="43" name="Rectangle 42">
+            <a:extLst>
+              <a:ext uri="{FF2B5EF4-FFF2-40B4-BE49-F238E27FC236}">
+                <a16:creationId xmlns:a16="http://schemas.microsoft.com/office/drawing/2014/main" id="{9343F4A0-0E22-0C82-CDCE-D53BBD648659}"/>
+              </a:ext>
+            </a:extLst>
+          </p:cNvPr>
+          <p:cNvSpPr/>
+          <p:nvPr/>
+        </p:nvSpPr>
+        <p:spPr>
+          <a:xfrm>
+            <a:off x="7767551" y="1950337"/>
+            <a:ext cx="1579518" cy="201896"/>
+          </a:xfrm>
+          <a:prstGeom prst="rect">
+            <a:avLst/>
+          </a:prstGeom>
+          <a:solidFill>
+            <a:srgbClr val="FF0000">
+              <a:alpha val="20000"/>
+            </a:srgbClr>
+          </a:solidFill>
+          <a:ln>
+            <a:noFill/>
+          </a:ln>
+        </p:spPr>
+        <p:style>
+          <a:lnRef idx="2">
+            <a:schemeClr val="accent1">
+              <a:shade val="15000"/>
+            </a:schemeClr>
+          </a:lnRef>
+          <a:fillRef idx="1">
+            <a:schemeClr val="accent1"/>
+          </a:fillRef>
+          <a:effectRef idx="0">
+            <a:schemeClr val="accent1"/>
+          </a:effectRef>
+          <a:fontRef idx="minor">
+            <a:schemeClr val="lt1"/>
+          </a:fontRef>
+        </p:style>
+        <p:txBody>
+          <a:bodyPr wrap="square" rtlCol="0" anchor="ctr"/>
+          <a:lstStyle/>
+          <a:p>
+            <a:pPr algn="ctr"/>
+            <a:endParaRPr lang="ko-KR" altLang="en-US"/>
+          </a:p>
+        </p:txBody>
+      </p:sp>
+      <p:cxnSp>
+        <p:nvCxnSpPr>
+          <p:cNvPr id="49" name="Straight Arrow Connector 48">
+            <a:extLst>
+              <a:ext uri="{FF2B5EF4-FFF2-40B4-BE49-F238E27FC236}">
+                <a16:creationId xmlns:a16="http://schemas.microsoft.com/office/drawing/2014/main" id="{0C81CA0F-3161-6638-4A29-9F584BA5F445}"/>
+              </a:ext>
+            </a:extLst>
+          </p:cNvPr>
+          <p:cNvCxnSpPr>
+            <a:cxnSpLocks/>
+          </p:cNvCxnSpPr>
+          <p:nvPr/>
+        </p:nvCxnSpPr>
+        <p:spPr>
+          <a:xfrm>
+            <a:off x="9626546" y="2180250"/>
+            <a:ext cx="0" cy="1072179"/>
+          </a:xfrm>
+          <a:prstGeom prst="straightConnector1">
+            <a:avLst/>
+          </a:prstGeom>
+          <a:ln w="28575">
+            <a:solidFill>
+              <a:schemeClr val="bg1">
+                <a:lumMod val="75000"/>
+              </a:schemeClr>
+            </a:solidFill>
+            <a:prstDash val="dash"/>
+            <a:tailEnd type="triangle"/>
+          </a:ln>
+        </p:spPr>
+        <p:style>
+          <a:lnRef idx="1">
+            <a:schemeClr val="accent1"/>
+          </a:lnRef>
+          <a:fillRef idx="0">
+            <a:schemeClr val="accent1"/>
+          </a:fillRef>
+          <a:effectRef idx="0">
+            <a:schemeClr val="accent1"/>
+          </a:effectRef>
+          <a:fontRef idx="minor">
+            <a:schemeClr val="tx1"/>
+          </a:fontRef>
+        </p:style>
+      </p:cxnSp>
+      <p:sp>
+        <p:nvSpPr>
+          <p:cNvPr id="51" name="TextBox 50">
+            <a:extLst>
+              <a:ext uri="{FF2B5EF4-FFF2-40B4-BE49-F238E27FC236}">
+                <a16:creationId xmlns:a16="http://schemas.microsoft.com/office/drawing/2014/main" id="{336FF79B-EFEA-A114-9639-1B1746312512}"/>
+              </a:ext>
+            </a:extLst>
+          </p:cNvPr>
+          <p:cNvSpPr txBox="1"/>
+          <p:nvPr/>
+        </p:nvSpPr>
+        <p:spPr>
+          <a:xfrm flipH="1">
+            <a:off x="8023382" y="4007091"/>
+            <a:ext cx="3206327" cy="738664"/>
+          </a:xfrm>
+          <a:prstGeom prst="rect">
+            <a:avLst/>
+          </a:prstGeom>
+          <a:noFill/>
+        </p:spPr>
+        <p:txBody>
+          <a:bodyPr wrap="none" rtlCol="0">
+            <a:spAutoFit/>
+          </a:bodyPr>
+          <a:lstStyle>
+            <a:defPPr>
+              <a:defRPr lang="ko-KR"/>
+            </a:defPPr>
+            <a:lvl1pPr>
+              <a:defRPr sz="1400">
+                <a:solidFill>
+                  <a:srgbClr val="0070C0"/>
+                </a:solidFill>
+                <a:latin typeface="Roboto" panose="02000000000000000000" pitchFamily="2" charset="0"/>
+                <a:ea typeface="Roboto" panose="02000000000000000000" pitchFamily="2" charset="0"/>
+              </a:defRPr>
+            </a:lvl1pPr>
+          </a:lstStyle>
+          <a:p>
+            <a:pPr marL="285750" indent="-285750">
+              <a:buFontTx/>
+              <a:buChar char="-"/>
+            </a:pPr>
+            <a:r>
+              <a:rPr lang="en-US" altLang="ko-KR" dirty="0"/>
+              <a:t>download File Manifest from ICGC</a:t>
+            </a:r>
+          </a:p>
+          <a:p>
+            <a:pPr marL="285750" indent="-285750">
+              <a:buFontTx/>
+              <a:buChar char="-"/>
+            </a:pPr>
+            <a:r>
+              <a:rPr lang="en-US" altLang="ko-KR" dirty="0"/>
+              <a:t>upload this file in CGC</a:t>
+            </a:r>
+          </a:p>
+          <a:p>
+            <a:pPr marL="285750" indent="-285750">
+              <a:buFontTx/>
+              <a:buChar char="-"/>
+            </a:pPr>
+            <a:r>
+              <a:rPr lang="en-US" altLang="ko-KR" dirty="0"/>
+              <a:t>get file download link</a:t>
+            </a:r>
+            <a:endParaRPr lang="ko-KR" altLang="en-US" dirty="0"/>
+          </a:p>
+        </p:txBody>
+      </p:sp>
+      <p:pic>
+        <p:nvPicPr>
+          <p:cNvPr id="1026" name="Picture 2" descr="Cancer Genomics Cloud">
+            <a:extLst>
+              <a:ext uri="{FF2B5EF4-FFF2-40B4-BE49-F238E27FC236}">
+                <a16:creationId xmlns:a16="http://schemas.microsoft.com/office/drawing/2014/main" id="{3F902C1F-EEAC-8A33-AA6C-3B8FFF8DA429}"/>
+              </a:ext>
+            </a:extLst>
+          </p:cNvPr>
+          <p:cNvPicPr>
+            <a:picLocks noChangeAspect="1" noChangeArrowheads="1"/>
+          </p:cNvPicPr>
+          <p:nvPr/>
+        </p:nvPicPr>
+        <p:blipFill>
+          <a:blip r:embed="rId9">
+            <a:extLst>
+              <a:ext uri="{28A0092B-C50C-407E-A947-70E740481C1C}">
+                <a14:useLocalDpi xmlns:a14="http://schemas.microsoft.com/office/drawing/2010/main" val="0"/>
+              </a:ext>
+            </a:extLst>
+          </a:blip>
+          <a:srcRect/>
+          <a:stretch>
+            <a:fillRect/>
+          </a:stretch>
+        </p:blipFill>
+        <p:spPr bwMode="auto">
+          <a:xfrm>
+            <a:off x="8226136" y="3429000"/>
+            <a:ext cx="2835670" cy="497300"/>
+          </a:xfrm>
+          <a:prstGeom prst="rect">
+            <a:avLst/>
+          </a:prstGeom>
+          <a:noFill/>
+          <a:extLst>
+            <a:ext uri="{909E8E84-426E-40DD-AFC4-6F175D3DCCD1}">
+              <a14:hiddenFill xmlns:a14="http://schemas.microsoft.com/office/drawing/2010/main">
+                <a:solidFill>
+                  <a:srgbClr val="FFFFFF"/>
+                </a:solidFill>
+              </a14:hiddenFill>
+            </a:ext>
+          </a:extLst>
+        </p:spPr>
+      </p:pic>
+      <p:cxnSp>
+        <p:nvCxnSpPr>
+          <p:cNvPr id="54" name="Straight Arrow Connector 53">
+            <a:extLst>
+              <a:ext uri="{FF2B5EF4-FFF2-40B4-BE49-F238E27FC236}">
+                <a16:creationId xmlns:a16="http://schemas.microsoft.com/office/drawing/2014/main" id="{E01F3B97-82B9-0666-4FBC-1CF9D3D8AE29}"/>
+              </a:ext>
+            </a:extLst>
+          </p:cNvPr>
+          <p:cNvCxnSpPr>
+            <a:cxnSpLocks/>
+          </p:cNvCxnSpPr>
+          <p:nvPr/>
+        </p:nvCxnSpPr>
+        <p:spPr>
+          <a:xfrm>
+            <a:off x="2456273" y="3141670"/>
+            <a:ext cx="362343" cy="0"/>
+          </a:xfrm>
+          <a:prstGeom prst="straightConnector1">
+            <a:avLst/>
+          </a:prstGeom>
+          <a:ln w="38100">
+            <a:solidFill>
+              <a:schemeClr val="tx1"/>
+            </a:solidFill>
+            <a:tailEnd type="triangle"/>
+          </a:ln>
+        </p:spPr>
+        <p:style>
+          <a:lnRef idx="1">
+            <a:schemeClr val="accent1"/>
+          </a:lnRef>
+          <a:fillRef idx="0">
+            <a:schemeClr val="accent1"/>
+          </a:fillRef>
+          <a:effectRef idx="0">
+            <a:schemeClr val="accent1"/>
+          </a:effectRef>
+          <a:fontRef idx="minor">
+            <a:schemeClr val="tx1"/>
+          </a:fontRef>
+        </p:style>
+      </p:cxnSp>
+      <p:sp>
+        <p:nvSpPr>
+          <p:cNvPr id="55" name="TextBox 54">
+            <a:extLst>
+              <a:ext uri="{FF2B5EF4-FFF2-40B4-BE49-F238E27FC236}">
+                <a16:creationId xmlns:a16="http://schemas.microsoft.com/office/drawing/2014/main" id="{9CA44D79-7EC6-9612-9E93-5AB9800939C1}"/>
+              </a:ext>
+            </a:extLst>
+          </p:cNvPr>
+          <p:cNvSpPr txBox="1"/>
+          <p:nvPr/>
+        </p:nvSpPr>
+        <p:spPr>
+          <a:xfrm flipH="1">
+            <a:off x="9350461" y="2248263"/>
+            <a:ext cx="1786066" cy="307777"/>
+          </a:xfrm>
+          <a:prstGeom prst="rect">
+            <a:avLst/>
+          </a:prstGeom>
+          <a:noFill/>
+        </p:spPr>
+        <p:txBody>
+          <a:bodyPr wrap="none" rtlCol="0">
+            <a:spAutoFit/>
+          </a:bodyPr>
+          <a:lstStyle/>
+          <a:p>
+            <a:r>
+              <a:rPr lang="en-US" altLang="ko-KR" sz="1400" dirty="0">
+                <a:solidFill>
+                  <a:srgbClr val="0070C0"/>
+                </a:solidFill>
+                <a:latin typeface="Roboto" panose="02000000000000000000" pitchFamily="2" charset="0"/>
+                <a:ea typeface="Roboto" panose="02000000000000000000" pitchFamily="2" charset="0"/>
+              </a:rPr>
+              <a:t>Merged read counts</a:t>
+            </a:r>
+            <a:endParaRPr lang="ko-KR" altLang="en-US" sz="1400" dirty="0">
+              <a:solidFill>
+                <a:srgbClr val="0070C0"/>
+              </a:solidFill>
+              <a:latin typeface="Roboto" panose="02000000000000000000" pitchFamily="2" charset="0"/>
+            </a:endParaRPr>
+          </a:p>
+        </p:txBody>
+      </p:sp>
+      <p:sp>
+        <p:nvSpPr>
+          <p:cNvPr id="56" name="Rectangle 55">
+            <a:extLst>
+              <a:ext uri="{FF2B5EF4-FFF2-40B4-BE49-F238E27FC236}">
+                <a16:creationId xmlns:a16="http://schemas.microsoft.com/office/drawing/2014/main" id="{51CCA5AB-66E6-118F-93F1-0F7F3F4C16E5}"/>
+              </a:ext>
+            </a:extLst>
+          </p:cNvPr>
+          <p:cNvSpPr/>
+          <p:nvPr/>
+        </p:nvSpPr>
+        <p:spPr>
+          <a:xfrm>
+            <a:off x="8007804" y="3429000"/>
+            <a:ext cx="3239551" cy="1316755"/>
+          </a:xfrm>
+          <a:prstGeom prst="rect">
+            <a:avLst/>
+          </a:prstGeom>
+          <a:noFill/>
+          <a:ln w="19050">
+            <a:solidFill>
+              <a:schemeClr val="bg1">
+                <a:lumMod val="75000"/>
+              </a:schemeClr>
+            </a:solidFill>
+          </a:ln>
+        </p:spPr>
+        <p:style>
+          <a:lnRef idx="2">
+            <a:schemeClr val="accent1">
+              <a:shade val="15000"/>
+            </a:schemeClr>
+          </a:lnRef>
+          <a:fillRef idx="1">
+            <a:schemeClr val="accent1"/>
+          </a:fillRef>
+          <a:effectRef idx="0">
+            <a:schemeClr val="accent1"/>
+          </a:effectRef>
+          <a:fontRef idx="minor">
+            <a:schemeClr val="lt1"/>
+          </a:fontRef>
+        </p:style>
+        <p:txBody>
+          <a:bodyPr rtlCol="0" anchor="ctr"/>
+          <a:lstStyle/>
+          <a:p>
+            <a:pPr algn="ctr"/>
+            <a:endParaRPr lang="ko-KR" altLang="en-US"/>
+          </a:p>
+        </p:txBody>
+      </p:sp>
+    </p:spTree>
+    <p:extLst>
+      <p:ext uri="{BB962C8B-B14F-4D97-AF65-F5344CB8AC3E}">
+        <p14:creationId xmlns:p14="http://schemas.microsoft.com/office/powerpoint/2010/main" val="237398065"/>
+      </p:ext>
+    </p:extLst>
+  </p:cSld>
+  <p:clrMapOvr>
+    <a:masterClrMapping/>
+  </p:clrMapOvr>
+</p:sld>
+</file>
+
+<file path=ppt/slides/slide7.xml><?xml version="1.0" encoding="utf-8"?>
+<p:sld xmlns:a="http://schemas.openxmlformats.org/drawingml/2006/main" xmlns:r="http://schemas.openxmlformats.org/officeDocument/2006/relationships" xmlns:p="http://schemas.openxmlformats.org/presentationml/2006/main">
+  <p:cSld>
+    <p:spTree>
+      <p:nvGrpSpPr>
+        <p:cNvPr id="1" name=""/>
+        <p:cNvGrpSpPr/>
+        <p:nvPr/>
+      </p:nvGrpSpPr>
+      <p:grpSpPr>
+        <a:xfrm>
+          <a:off x="0" y="0"/>
+          <a:ext cx="0" cy="0"/>
+          <a:chOff x="0" y="0"/>
+          <a:chExt cx="0" cy="0"/>
+        </a:xfrm>
+      </p:grpSpPr>
+      <p:sp>
+        <p:nvSpPr>
+          <p:cNvPr id="2" name="Rectangle 1">
+            <a:extLst>
+              <a:ext uri="{FF2B5EF4-FFF2-40B4-BE49-F238E27FC236}">
+                <a16:creationId xmlns:a16="http://schemas.microsoft.com/office/drawing/2014/main" id="{DB692C65-9F69-4769-C750-EB22A1A82596}"/>
+              </a:ext>
+            </a:extLst>
+          </p:cNvPr>
+          <p:cNvSpPr/>
+          <p:nvPr/>
+        </p:nvSpPr>
+        <p:spPr>
+          <a:xfrm>
+            <a:off x="232466" y="1293348"/>
+            <a:ext cx="11743224" cy="3903007"/>
+          </a:xfrm>
+          <a:prstGeom prst="rect">
+            <a:avLst/>
+          </a:prstGeom>
+          <a:solidFill>
+            <a:schemeClr val="bg1"/>
+          </a:solidFill>
+          <a:ln>
+            <a:noFill/>
+          </a:ln>
+        </p:spPr>
+        <p:style>
+          <a:lnRef idx="2">
+            <a:schemeClr val="accent1">
+              <a:shade val="15000"/>
+            </a:schemeClr>
+          </a:lnRef>
+          <a:fillRef idx="1">
+            <a:schemeClr val="accent1"/>
+          </a:fillRef>
+          <a:effectRef idx="0">
+            <a:schemeClr val="accent1"/>
+          </a:effectRef>
+          <a:fontRef idx="minor">
+            <a:schemeClr val="lt1"/>
+          </a:fontRef>
+        </p:style>
+        <p:txBody>
+          <a:bodyPr rtlCol="0" anchor="ctr"/>
+          <a:lstStyle/>
+          <a:p>
+            <a:pPr algn="ctr"/>
+            <a:endParaRPr lang="ko-KR" altLang="en-US"/>
+          </a:p>
+        </p:txBody>
+      </p:sp>
+      <p:pic>
+        <p:nvPicPr>
+          <p:cNvPr id="7" name="Picture 6">
+            <a:extLst>
+              <a:ext uri="{FF2B5EF4-FFF2-40B4-BE49-F238E27FC236}">
+                <a16:creationId xmlns:a16="http://schemas.microsoft.com/office/drawing/2014/main" id="{F4F8F5E5-6F69-687C-5605-11D9E011C2B4}"/>
+              </a:ext>
+            </a:extLst>
+          </p:cNvPr>
+          <p:cNvPicPr>
+            <a:picLocks noChangeAspect="1"/>
+          </p:cNvPicPr>
+          <p:nvPr/>
+        </p:nvPicPr>
+        <p:blipFill>
+          <a:blip r:embed="rId2"/>
+          <a:stretch>
+            <a:fillRect/>
+          </a:stretch>
+        </p:blipFill>
+        <p:spPr>
+          <a:xfrm>
+            <a:off x="263845" y="1329062"/>
+            <a:ext cx="1702428" cy="3834850"/>
+          </a:xfrm>
+          <a:prstGeom prst="rect">
+            <a:avLst/>
+          </a:prstGeom>
+          <a:ln w="19050">
+            <a:solidFill>
+              <a:schemeClr val="tx1"/>
+            </a:solidFill>
+          </a:ln>
+        </p:spPr>
+      </p:pic>
+      <p:pic>
+        <p:nvPicPr>
+          <p:cNvPr id="9" name="Picture 8">
+            <a:extLst>
+              <a:ext uri="{FF2B5EF4-FFF2-40B4-BE49-F238E27FC236}">
+                <a16:creationId xmlns:a16="http://schemas.microsoft.com/office/drawing/2014/main" id="{8D57B7A6-EF6F-60A9-5280-2A5E5A3BDD81}"/>
+              </a:ext>
+            </a:extLst>
+          </p:cNvPr>
+          <p:cNvPicPr>
+            <a:picLocks noChangeAspect="1"/>
+          </p:cNvPicPr>
+          <p:nvPr/>
+        </p:nvPicPr>
+        <p:blipFill>
+          <a:blip r:embed="rId3"/>
+          <a:stretch>
+            <a:fillRect/>
+          </a:stretch>
+        </p:blipFill>
+        <p:spPr>
+          <a:xfrm>
+            <a:off x="2117635" y="1329062"/>
+            <a:ext cx="1702428" cy="3027513"/>
+          </a:xfrm>
+          <a:prstGeom prst="rect">
+            <a:avLst/>
+          </a:prstGeom>
+          <a:ln w="19050">
+            <a:solidFill>
+              <a:schemeClr val="tx1"/>
+            </a:solidFill>
+          </a:ln>
+        </p:spPr>
+      </p:pic>
+      <p:cxnSp>
+        <p:nvCxnSpPr>
+          <p:cNvPr id="13" name="Straight Arrow Connector 12">
+            <a:extLst>
+              <a:ext uri="{FF2B5EF4-FFF2-40B4-BE49-F238E27FC236}">
+                <a16:creationId xmlns:a16="http://schemas.microsoft.com/office/drawing/2014/main" id="{0FEF5248-8337-A7C5-791B-8C111CF6A320}"/>
+              </a:ext>
+            </a:extLst>
+          </p:cNvPr>
+          <p:cNvCxnSpPr>
+            <a:cxnSpLocks/>
+          </p:cNvCxnSpPr>
+          <p:nvPr/>
+        </p:nvCxnSpPr>
+        <p:spPr>
+          <a:xfrm>
+            <a:off x="4070691" y="2842818"/>
+            <a:ext cx="362343" cy="0"/>
+          </a:xfrm>
+          <a:prstGeom prst="straightConnector1">
+            <a:avLst/>
+          </a:prstGeom>
+          <a:ln w="38100">
+            <a:solidFill>
+              <a:schemeClr val="tx1"/>
+            </a:solidFill>
+            <a:tailEnd type="triangle"/>
+          </a:ln>
+        </p:spPr>
+        <p:style>
+          <a:lnRef idx="1">
+            <a:schemeClr val="accent1"/>
+          </a:lnRef>
+          <a:fillRef idx="0">
+            <a:schemeClr val="accent1"/>
+          </a:fillRef>
+          <a:effectRef idx="0">
+            <a:schemeClr val="accent1"/>
+          </a:effectRef>
+          <a:fontRef idx="minor">
+            <a:schemeClr val="tx1"/>
+          </a:fontRef>
+        </p:style>
+      </p:cxnSp>
+      <p:pic>
+        <p:nvPicPr>
+          <p:cNvPr id="11" name="Picture 10">
+            <a:extLst>
+              <a:ext uri="{FF2B5EF4-FFF2-40B4-BE49-F238E27FC236}">
+                <a16:creationId xmlns:a16="http://schemas.microsoft.com/office/drawing/2014/main" id="{86C2626E-24B7-7BCE-F207-9E036367438C}"/>
+              </a:ext>
+            </a:extLst>
+          </p:cNvPr>
+          <p:cNvPicPr>
+            <a:picLocks noChangeAspect="1"/>
+          </p:cNvPicPr>
+          <p:nvPr/>
+        </p:nvPicPr>
+        <p:blipFill rotWithShape="1">
+          <a:blip r:embed="rId4"/>
+          <a:srcRect r="76053"/>
+          <a:stretch/>
+        </p:blipFill>
+        <p:spPr>
+          <a:xfrm>
+            <a:off x="4650943" y="1329063"/>
+            <a:ext cx="2343612" cy="3834851"/>
+          </a:xfrm>
+          <a:prstGeom prst="rect">
+            <a:avLst/>
+          </a:prstGeom>
+        </p:spPr>
+      </p:pic>
+      <p:pic>
+        <p:nvPicPr>
+          <p:cNvPr id="14" name="Picture 13">
+            <a:extLst>
+              <a:ext uri="{FF2B5EF4-FFF2-40B4-BE49-F238E27FC236}">
+                <a16:creationId xmlns:a16="http://schemas.microsoft.com/office/drawing/2014/main" id="{BAA4EE7E-C94F-F68B-FAC0-5B7936584008}"/>
+              </a:ext>
+            </a:extLst>
+          </p:cNvPr>
+          <p:cNvPicPr>
+            <a:picLocks noChangeAspect="1"/>
+          </p:cNvPicPr>
+          <p:nvPr/>
+        </p:nvPicPr>
+        <p:blipFill rotWithShape="1">
+          <a:blip r:embed="rId4"/>
+          <a:srcRect l="36903" r="37813"/>
+          <a:stretch/>
+        </p:blipFill>
+        <p:spPr>
+          <a:xfrm>
+            <a:off x="6994555" y="1329062"/>
+            <a:ext cx="2474412" cy="3834851"/>
+          </a:xfrm>
+          <a:prstGeom prst="rect">
+            <a:avLst/>
+          </a:prstGeom>
+        </p:spPr>
+      </p:pic>
+      <p:pic>
+        <p:nvPicPr>
+          <p:cNvPr id="15" name="Picture 14">
+            <a:extLst>
+              <a:ext uri="{FF2B5EF4-FFF2-40B4-BE49-F238E27FC236}">
+                <a16:creationId xmlns:a16="http://schemas.microsoft.com/office/drawing/2014/main" id="{BC64464E-96F2-71B6-8FBB-87EA82F20719}"/>
+              </a:ext>
+            </a:extLst>
+          </p:cNvPr>
+          <p:cNvPicPr>
+            <a:picLocks noChangeAspect="1"/>
+          </p:cNvPicPr>
+          <p:nvPr/>
+        </p:nvPicPr>
+        <p:blipFill rotWithShape="1">
+          <a:blip r:embed="rId4"/>
+          <a:srcRect l="74716"/>
+          <a:stretch/>
+        </p:blipFill>
+        <p:spPr>
+          <a:xfrm>
+            <a:off x="9468967" y="1329062"/>
+            <a:ext cx="2474413" cy="3834851"/>
+          </a:xfrm>
+          <a:prstGeom prst="rect">
+            <a:avLst/>
+          </a:prstGeom>
+        </p:spPr>
+      </p:pic>
+      <p:sp>
+        <p:nvSpPr>
+          <p:cNvPr id="17" name="Rectangle 16">
+            <a:extLst>
+              <a:ext uri="{FF2B5EF4-FFF2-40B4-BE49-F238E27FC236}">
+                <a16:creationId xmlns:a16="http://schemas.microsoft.com/office/drawing/2014/main" id="{15A8ED99-94D6-4E09-2540-6695E1C0EC36}"/>
+              </a:ext>
+            </a:extLst>
+          </p:cNvPr>
+          <p:cNvSpPr/>
+          <p:nvPr/>
+        </p:nvSpPr>
+        <p:spPr>
+          <a:xfrm>
+            <a:off x="4667098" y="1329061"/>
+            <a:ext cx="7292437" cy="3834851"/>
+          </a:xfrm>
+          <a:prstGeom prst="rect">
+            <a:avLst/>
+          </a:prstGeom>
+          <a:noFill/>
+          <a:ln w="19050">
+            <a:solidFill>
+              <a:srgbClr val="1C1C1C"/>
+            </a:solidFill>
+          </a:ln>
+        </p:spPr>
+        <p:style>
+          <a:lnRef idx="2">
+            <a:schemeClr val="accent1">
+              <a:shade val="15000"/>
+            </a:schemeClr>
+          </a:lnRef>
+          <a:fillRef idx="1">
+            <a:schemeClr val="accent1"/>
+          </a:fillRef>
+          <a:effectRef idx="0">
+            <a:schemeClr val="accent1"/>
+          </a:effectRef>
+          <a:fontRef idx="minor">
+            <a:schemeClr val="lt1"/>
+          </a:fontRef>
+        </p:style>
+        <p:txBody>
+          <a:bodyPr rtlCol="0" anchor="ctr"/>
+          <a:lstStyle/>
+          <a:p>
+            <a:pPr algn="ctr"/>
+            <a:endParaRPr lang="ko-KR" altLang="en-US"/>
+          </a:p>
+        </p:txBody>
+      </p:sp>
+    </p:spTree>
+    <p:extLst>
+      <p:ext uri="{BB962C8B-B14F-4D97-AF65-F5344CB8AC3E}">
+        <p14:creationId xmlns:p14="http://schemas.microsoft.com/office/powerpoint/2010/main" val="2073564590"/>
+      </p:ext>
+    </p:extLst>
+  </p:cSld>
+  <p:clrMapOvr>
+    <a:masterClrMapping/>
+  </p:clrMapOvr>
+</p:sld>
+</file>
+
+<file path=ppt/slides/slide8.xml><?xml version="1.0" encoding="utf-8"?>
+<p:sld xmlns:a="http://schemas.openxmlformats.org/drawingml/2006/main" xmlns:r="http://schemas.openxmlformats.org/officeDocument/2006/relationships" xmlns:p="http://schemas.openxmlformats.org/presentationml/2006/main">
+  <p:cSld>
+    <p:spTree>
+      <p:nvGrpSpPr>
+        <p:cNvPr id="1" name=""/>
+        <p:cNvGrpSpPr/>
+        <p:nvPr/>
+      </p:nvGrpSpPr>
+      <p:grpSpPr>
+        <a:xfrm>
+          <a:off x="0" y="0"/>
+          <a:ext cx="0" cy="0"/>
+          <a:chOff x="0" y="0"/>
+          <a:chExt cx="0" cy="0"/>
+        </a:xfrm>
+      </p:grpSpPr>
+      <p:sp>
+        <p:nvSpPr>
+          <p:cNvPr id="4" name="Rectangle 3">
+            <a:extLst>
+              <a:ext uri="{FF2B5EF4-FFF2-40B4-BE49-F238E27FC236}">
+                <a16:creationId xmlns:a16="http://schemas.microsoft.com/office/drawing/2014/main" id="{C681B908-5727-87D7-D853-B97DF213B123}"/>
+              </a:ext>
+            </a:extLst>
+          </p:cNvPr>
+          <p:cNvSpPr/>
+          <p:nvPr/>
+        </p:nvSpPr>
+        <p:spPr>
+          <a:xfrm>
+            <a:off x="-28877" y="-1246289"/>
+            <a:ext cx="12242199" cy="9208035"/>
+          </a:xfrm>
+          <a:prstGeom prst="rect">
+            <a:avLst/>
+          </a:prstGeom>
+          <a:solidFill>
+            <a:schemeClr val="bg1"/>
+          </a:solidFill>
+          <a:ln>
+            <a:noFill/>
+          </a:ln>
+        </p:spPr>
+        <p:style>
+          <a:lnRef idx="2">
+            <a:schemeClr val="accent1">
+              <a:shade val="15000"/>
+            </a:schemeClr>
+          </a:lnRef>
+          <a:fillRef idx="1">
+            <a:schemeClr val="accent1"/>
+          </a:fillRef>
+          <a:effectRef idx="0">
+            <a:schemeClr val="accent1"/>
+          </a:effectRef>
+          <a:fontRef idx="minor">
+            <a:schemeClr val="lt1"/>
+          </a:fontRef>
+        </p:style>
+        <p:txBody>
+          <a:bodyPr rtlCol="0" anchor="ctr"/>
+          <a:lstStyle/>
+          <a:p>
+            <a:pPr algn="ctr"/>
+            <a:endParaRPr lang="ko-KR" altLang="en-US"/>
+          </a:p>
+        </p:txBody>
+      </p:sp>
+      <p:pic>
+        <p:nvPicPr>
+          <p:cNvPr id="7" name="Picture 6">
+            <a:extLst>
+              <a:ext uri="{FF2B5EF4-FFF2-40B4-BE49-F238E27FC236}">
+                <a16:creationId xmlns:a16="http://schemas.microsoft.com/office/drawing/2014/main" id="{A29B02E8-3F3C-EF18-A39B-0D1987C73445}"/>
+              </a:ext>
+            </a:extLst>
+          </p:cNvPr>
+          <p:cNvPicPr>
+            <a:picLocks noChangeAspect="1"/>
+          </p:cNvPicPr>
+          <p:nvPr/>
+        </p:nvPicPr>
+        <p:blipFill>
+          <a:blip r:embed="rId2"/>
+          <a:stretch>
+            <a:fillRect/>
+          </a:stretch>
+        </p:blipFill>
+        <p:spPr>
+          <a:xfrm>
+            <a:off x="2058" y="-1225686"/>
+            <a:ext cx="12180329" cy="3991626"/>
+          </a:xfrm>
+          <a:prstGeom prst="rect">
+            <a:avLst/>
+          </a:prstGeom>
+          <a:ln w="19050">
+            <a:solidFill>
+              <a:schemeClr val="tx1"/>
+            </a:solidFill>
+          </a:ln>
+        </p:spPr>
+      </p:pic>
+      <p:pic>
+        <p:nvPicPr>
+          <p:cNvPr id="9" name="Picture 8">
+            <a:extLst>
+              <a:ext uri="{FF2B5EF4-FFF2-40B4-BE49-F238E27FC236}">
+                <a16:creationId xmlns:a16="http://schemas.microsoft.com/office/drawing/2014/main" id="{0E959230-04CA-E125-FD95-841E5B55B4EF}"/>
+              </a:ext>
+            </a:extLst>
+          </p:cNvPr>
+          <p:cNvPicPr>
+            <a:picLocks noChangeAspect="1"/>
+          </p:cNvPicPr>
+          <p:nvPr/>
+        </p:nvPicPr>
+        <p:blipFill>
+          <a:blip r:embed="rId3"/>
+          <a:stretch>
+            <a:fillRect/>
+          </a:stretch>
+        </p:blipFill>
+        <p:spPr>
+          <a:xfrm>
+            <a:off x="-3778" y="3348839"/>
+            <a:ext cx="12192000" cy="2596633"/>
+          </a:xfrm>
+          <a:prstGeom prst="rect">
+            <a:avLst/>
+          </a:prstGeom>
+          <a:ln w="19050">
+            <a:solidFill>
+              <a:schemeClr val="tx1"/>
+            </a:solidFill>
+          </a:ln>
+        </p:spPr>
+      </p:pic>
+      <p:sp>
+        <p:nvSpPr>
+          <p:cNvPr id="15" name="TextBox 14">
+            <a:extLst>
+              <a:ext uri="{FF2B5EF4-FFF2-40B4-BE49-F238E27FC236}">
+                <a16:creationId xmlns:a16="http://schemas.microsoft.com/office/drawing/2014/main" id="{E990439E-39CA-D23D-22ED-6E5D2A91C8BE}"/>
+              </a:ext>
+            </a:extLst>
+          </p:cNvPr>
+          <p:cNvSpPr txBox="1"/>
+          <p:nvPr/>
+        </p:nvSpPr>
+        <p:spPr>
+          <a:xfrm>
+            <a:off x="3362725" y="-196408"/>
+            <a:ext cx="543739" cy="523220"/>
+          </a:xfrm>
+          <a:prstGeom prst="rect">
+            <a:avLst/>
+          </a:prstGeom>
+          <a:noFill/>
+        </p:spPr>
+        <p:txBody>
+          <a:bodyPr wrap="none" rtlCol="0">
+            <a:spAutoFit/>
+          </a:bodyPr>
+          <a:lstStyle/>
+          <a:p>
+            <a:r>
+              <a:rPr lang="ko-KR" altLang="en-US" sz="2800" b="1" dirty="0">
+                <a:solidFill>
+                  <a:srgbClr val="FF0000"/>
+                </a:solidFill>
+                <a:latin typeface="Roboto" panose="02000000000000000000" pitchFamily="2" charset="0"/>
+              </a:rPr>
+              <a:t>①</a:t>
+            </a:r>
+          </a:p>
+        </p:txBody>
+      </p:sp>
+      <p:sp>
+        <p:nvSpPr>
+          <p:cNvPr id="16" name="TextBox 15">
+            <a:extLst>
+              <a:ext uri="{FF2B5EF4-FFF2-40B4-BE49-F238E27FC236}">
+                <a16:creationId xmlns:a16="http://schemas.microsoft.com/office/drawing/2014/main" id="{DDFCA21C-ED65-1283-2EBC-E65019BA8808}"/>
+              </a:ext>
+            </a:extLst>
+          </p:cNvPr>
+          <p:cNvSpPr txBox="1"/>
+          <p:nvPr/>
+        </p:nvSpPr>
+        <p:spPr>
+          <a:xfrm>
+            <a:off x="125970" y="208775"/>
+            <a:ext cx="543739" cy="523220"/>
+          </a:xfrm>
+          <a:prstGeom prst="rect">
+            <a:avLst/>
+          </a:prstGeom>
+          <a:noFill/>
+        </p:spPr>
+        <p:txBody>
+          <a:bodyPr wrap="none" rtlCol="0">
+            <a:spAutoFit/>
+          </a:bodyPr>
+          <a:lstStyle/>
+          <a:p>
+            <a:r>
+              <a:rPr lang="ko-KR" altLang="en-US" sz="2800" b="1" dirty="0">
+                <a:solidFill>
+                  <a:srgbClr val="FF0000"/>
+                </a:solidFill>
+                <a:latin typeface="Roboto" panose="02000000000000000000" pitchFamily="2" charset="0"/>
+              </a:rPr>
+              <a:t>②</a:t>
+            </a:r>
+          </a:p>
+        </p:txBody>
+      </p:sp>
+      <p:sp>
+        <p:nvSpPr>
+          <p:cNvPr id="17" name="TextBox 16">
+            <a:extLst>
+              <a:ext uri="{FF2B5EF4-FFF2-40B4-BE49-F238E27FC236}">
+                <a16:creationId xmlns:a16="http://schemas.microsoft.com/office/drawing/2014/main" id="{C00191F0-B111-586A-DF25-D1E4C44A70DB}"/>
+              </a:ext>
+            </a:extLst>
+          </p:cNvPr>
+          <p:cNvSpPr txBox="1"/>
+          <p:nvPr/>
+        </p:nvSpPr>
+        <p:spPr>
+          <a:xfrm>
+            <a:off x="11188971" y="-1023633"/>
+            <a:ext cx="543739" cy="523220"/>
+          </a:xfrm>
+          <a:prstGeom prst="rect">
+            <a:avLst/>
+          </a:prstGeom>
+          <a:noFill/>
+        </p:spPr>
+        <p:txBody>
+          <a:bodyPr wrap="none" rtlCol="0">
+            <a:spAutoFit/>
+          </a:bodyPr>
+          <a:lstStyle/>
+          <a:p>
+            <a:r>
+              <a:rPr lang="ko-KR" altLang="en-US" sz="2800" b="1" dirty="0">
+                <a:solidFill>
+                  <a:srgbClr val="FF0000"/>
+                </a:solidFill>
+                <a:latin typeface="Roboto" panose="02000000000000000000" pitchFamily="2" charset="0"/>
+              </a:rPr>
+              <a:t>③</a:t>
+            </a:r>
+          </a:p>
+        </p:txBody>
+      </p:sp>
+      <p:sp>
+        <p:nvSpPr>
+          <p:cNvPr id="19" name="TextBox 18">
+            <a:extLst>
+              <a:ext uri="{FF2B5EF4-FFF2-40B4-BE49-F238E27FC236}">
+                <a16:creationId xmlns:a16="http://schemas.microsoft.com/office/drawing/2014/main" id="{BE8DA105-E583-B78A-C94D-2EBDFBD13710}"/>
+              </a:ext>
+            </a:extLst>
+          </p:cNvPr>
+          <p:cNvSpPr txBox="1"/>
+          <p:nvPr/>
+        </p:nvSpPr>
+        <p:spPr>
+          <a:xfrm>
+            <a:off x="9819550" y="3074798"/>
+            <a:ext cx="543739" cy="523220"/>
+          </a:xfrm>
+          <a:prstGeom prst="rect">
+            <a:avLst/>
+          </a:prstGeom>
+          <a:noFill/>
+        </p:spPr>
+        <p:txBody>
+          <a:bodyPr wrap="none" rtlCol="0">
+            <a:spAutoFit/>
+          </a:bodyPr>
+          <a:lstStyle/>
+          <a:p>
+            <a:r>
+              <a:rPr lang="ko-KR" altLang="en-US" sz="2800" b="1" dirty="0">
+                <a:solidFill>
+                  <a:srgbClr val="FF0000"/>
+                </a:solidFill>
+                <a:latin typeface="Roboto" panose="02000000000000000000" pitchFamily="2" charset="0"/>
+              </a:rPr>
+              <a:t>④</a:t>
+            </a:r>
+          </a:p>
+        </p:txBody>
+      </p:sp>
+      <p:sp>
+        <p:nvSpPr>
+          <p:cNvPr id="20" name="TextBox 19">
+            <a:extLst>
+              <a:ext uri="{FF2B5EF4-FFF2-40B4-BE49-F238E27FC236}">
+                <a16:creationId xmlns:a16="http://schemas.microsoft.com/office/drawing/2014/main" id="{5093B632-7082-9569-2993-4FC7209E5388}"/>
+              </a:ext>
+            </a:extLst>
+          </p:cNvPr>
+          <p:cNvSpPr txBox="1"/>
+          <p:nvPr/>
+        </p:nvSpPr>
+        <p:spPr>
+          <a:xfrm>
+            <a:off x="125970" y="6090791"/>
+            <a:ext cx="2895344" cy="523220"/>
+          </a:xfrm>
+          <a:prstGeom prst="rect">
+            <a:avLst/>
+          </a:prstGeom>
+          <a:noFill/>
+        </p:spPr>
+        <p:txBody>
+          <a:bodyPr wrap="none" rtlCol="0">
+            <a:spAutoFit/>
+          </a:bodyPr>
+          <a:lstStyle/>
+          <a:p>
+            <a:r>
+              <a:rPr lang="ko-KR" altLang="en-US" sz="2800" b="1" dirty="0">
+                <a:solidFill>
+                  <a:srgbClr val="FF0000"/>
+                </a:solidFill>
+                <a:latin typeface="Roboto" panose="02000000000000000000" pitchFamily="2" charset="0"/>
+              </a:rPr>
+              <a:t>⑤ </a:t>
+            </a:r>
+            <a:r>
+              <a:rPr lang="fr-FR" altLang="ko-KR" b="1" dirty="0">
+                <a:solidFill>
+                  <a:srgbClr val="FF0000"/>
+                </a:solidFill>
+                <a:latin typeface="Roboto" panose="02000000000000000000" pitchFamily="2" charset="0"/>
+                <a:ea typeface="Roboto" panose="02000000000000000000" pitchFamily="2" charset="0"/>
+              </a:rPr>
+              <a:t>ICDC File Manifest.csv</a:t>
+            </a:r>
+            <a:endParaRPr lang="ko-KR" altLang="en-US" b="1" dirty="0">
+              <a:solidFill>
+                <a:srgbClr val="FF0000"/>
+              </a:solidFill>
+              <a:latin typeface="Roboto" panose="02000000000000000000" pitchFamily="2" charset="0"/>
+            </a:endParaRPr>
+          </a:p>
+        </p:txBody>
+      </p:sp>
+      <p:cxnSp>
+        <p:nvCxnSpPr>
+          <p:cNvPr id="29" name="Straight Arrow Connector 28">
+            <a:extLst>
+              <a:ext uri="{FF2B5EF4-FFF2-40B4-BE49-F238E27FC236}">
+                <a16:creationId xmlns:a16="http://schemas.microsoft.com/office/drawing/2014/main" id="{5C3CCBCD-1D80-420C-D506-B7DA229A1514}"/>
+              </a:ext>
+            </a:extLst>
+          </p:cNvPr>
+          <p:cNvCxnSpPr>
+            <a:cxnSpLocks/>
+          </p:cNvCxnSpPr>
+          <p:nvPr/>
+        </p:nvCxnSpPr>
+        <p:spPr>
+          <a:xfrm>
+            <a:off x="6092222" y="6130980"/>
+            <a:ext cx="0" cy="350335"/>
+          </a:xfrm>
+          <a:prstGeom prst="straightConnector1">
+            <a:avLst/>
+          </a:prstGeom>
+          <a:ln w="38100">
+            <a:solidFill>
+              <a:srgbClr val="FF0000"/>
+            </a:solidFill>
+            <a:tailEnd type="triangle"/>
+          </a:ln>
+        </p:spPr>
+        <p:style>
+          <a:lnRef idx="1">
+            <a:schemeClr val="accent1"/>
+          </a:lnRef>
+          <a:fillRef idx="0">
+            <a:schemeClr val="accent1"/>
+          </a:fillRef>
+          <a:effectRef idx="0">
+            <a:schemeClr val="accent1"/>
+          </a:effectRef>
+          <a:fontRef idx="minor">
+            <a:schemeClr val="tx1"/>
+          </a:fontRef>
+        </p:style>
+      </p:cxnSp>
+      <p:cxnSp>
+        <p:nvCxnSpPr>
+          <p:cNvPr id="31" name="Straight Arrow Connector 30">
+            <a:extLst>
+              <a:ext uri="{FF2B5EF4-FFF2-40B4-BE49-F238E27FC236}">
+                <a16:creationId xmlns:a16="http://schemas.microsoft.com/office/drawing/2014/main" id="{509CE10C-C052-2286-53CE-D6FB6C89F12B}"/>
+              </a:ext>
+            </a:extLst>
+          </p:cNvPr>
+          <p:cNvCxnSpPr>
+            <a:cxnSpLocks/>
+          </p:cNvCxnSpPr>
+          <p:nvPr/>
+        </p:nvCxnSpPr>
+        <p:spPr>
+          <a:xfrm>
+            <a:off x="6092222" y="2884271"/>
+            <a:ext cx="0" cy="350335"/>
+          </a:xfrm>
+          <a:prstGeom prst="straightConnector1">
+            <a:avLst/>
+          </a:prstGeom>
+          <a:ln w="38100">
+            <a:solidFill>
+              <a:srgbClr val="FF0000"/>
+            </a:solidFill>
+            <a:tailEnd type="triangle"/>
+          </a:ln>
+        </p:spPr>
+        <p:style>
+          <a:lnRef idx="1">
+            <a:schemeClr val="accent1"/>
+          </a:lnRef>
+          <a:fillRef idx="0">
+            <a:schemeClr val="accent1"/>
+          </a:fillRef>
+          <a:effectRef idx="0">
+            <a:schemeClr val="accent1"/>
+          </a:effectRef>
+          <a:fontRef idx="minor">
+            <a:schemeClr val="tx1"/>
+          </a:fontRef>
+        </p:style>
+      </p:cxnSp>
+      <p:sp>
+        <p:nvSpPr>
+          <p:cNvPr id="32" name="Rectangle 31">
+            <a:extLst>
+              <a:ext uri="{FF2B5EF4-FFF2-40B4-BE49-F238E27FC236}">
+                <a16:creationId xmlns:a16="http://schemas.microsoft.com/office/drawing/2014/main" id="{6E648399-CA2D-31B4-7179-4C9DB64E9586}"/>
+              </a:ext>
+            </a:extLst>
+          </p:cNvPr>
+          <p:cNvSpPr/>
+          <p:nvPr/>
+        </p:nvSpPr>
+        <p:spPr>
+          <a:xfrm>
+            <a:off x="3476374" y="333218"/>
+            <a:ext cx="1632433" cy="274334"/>
+          </a:xfrm>
+          <a:prstGeom prst="rect">
+            <a:avLst/>
+          </a:prstGeom>
+          <a:noFill/>
+          <a:ln w="28575">
+            <a:solidFill>
+              <a:srgbClr val="FF0000"/>
+            </a:solidFill>
+          </a:ln>
+        </p:spPr>
+        <p:style>
+          <a:lnRef idx="2">
+            <a:schemeClr val="accent1">
+              <a:shade val="15000"/>
+            </a:schemeClr>
+          </a:lnRef>
+          <a:fillRef idx="1">
+            <a:schemeClr val="accent1"/>
+          </a:fillRef>
+          <a:effectRef idx="0">
+            <a:schemeClr val="accent1"/>
+          </a:effectRef>
+          <a:fontRef idx="minor">
+            <a:schemeClr val="lt1"/>
+          </a:fontRef>
+        </p:style>
+        <p:txBody>
+          <a:bodyPr rtlCol="0" anchor="ctr"/>
+          <a:lstStyle/>
+          <a:p>
+            <a:pPr algn="ctr"/>
+            <a:endParaRPr lang="ko-KR" altLang="en-US"/>
+          </a:p>
+        </p:txBody>
+      </p:sp>
+      <p:sp>
+        <p:nvSpPr>
+          <p:cNvPr id="33" name="Rectangle 32">
+            <a:extLst>
+              <a:ext uri="{FF2B5EF4-FFF2-40B4-BE49-F238E27FC236}">
+                <a16:creationId xmlns:a16="http://schemas.microsoft.com/office/drawing/2014/main" id="{30B81551-2016-6809-8F94-F8A4ABAA4938}"/>
+              </a:ext>
+            </a:extLst>
+          </p:cNvPr>
+          <p:cNvSpPr/>
+          <p:nvPr/>
+        </p:nvSpPr>
+        <p:spPr>
+          <a:xfrm>
+            <a:off x="156520" y="712123"/>
+            <a:ext cx="1454565" cy="258598"/>
+          </a:xfrm>
+          <a:prstGeom prst="rect">
+            <a:avLst/>
+          </a:prstGeom>
+          <a:noFill/>
+          <a:ln w="28575">
+            <a:solidFill>
+              <a:srgbClr val="FF0000"/>
+            </a:solidFill>
+          </a:ln>
+        </p:spPr>
+        <p:style>
+          <a:lnRef idx="2">
+            <a:schemeClr val="accent1">
+              <a:shade val="15000"/>
+            </a:schemeClr>
+          </a:lnRef>
+          <a:fillRef idx="1">
+            <a:schemeClr val="accent1"/>
+          </a:fillRef>
+          <a:effectRef idx="0">
+            <a:schemeClr val="accent1"/>
+          </a:effectRef>
+          <a:fontRef idx="minor">
+            <a:schemeClr val="lt1"/>
+          </a:fontRef>
+        </p:style>
+        <p:txBody>
+          <a:bodyPr rtlCol="0" anchor="ctr"/>
+          <a:lstStyle/>
+          <a:p>
+            <a:pPr algn="ctr"/>
+            <a:endParaRPr lang="ko-KR" altLang="en-US"/>
+          </a:p>
+        </p:txBody>
+      </p:sp>
+      <p:sp>
+        <p:nvSpPr>
+          <p:cNvPr id="35" name="Rectangle 34">
+            <a:extLst>
+              <a:ext uri="{FF2B5EF4-FFF2-40B4-BE49-F238E27FC236}">
+                <a16:creationId xmlns:a16="http://schemas.microsoft.com/office/drawing/2014/main" id="{4A0AC6A3-C1A6-01DC-748A-4A4594165A84}"/>
+              </a:ext>
+            </a:extLst>
+          </p:cNvPr>
+          <p:cNvSpPr/>
+          <p:nvPr/>
+        </p:nvSpPr>
+        <p:spPr>
+          <a:xfrm>
+            <a:off x="11310153" y="-1246289"/>
+            <a:ext cx="903170" cy="258597"/>
+          </a:xfrm>
+          <a:prstGeom prst="rect">
+            <a:avLst/>
+          </a:prstGeom>
+          <a:noFill/>
+          <a:ln w="28575">
+            <a:solidFill>
+              <a:srgbClr val="FF0000"/>
+            </a:solidFill>
+          </a:ln>
+        </p:spPr>
+        <p:style>
+          <a:lnRef idx="2">
+            <a:schemeClr val="accent1">
+              <a:shade val="15000"/>
+            </a:schemeClr>
+          </a:lnRef>
+          <a:fillRef idx="1">
+            <a:schemeClr val="accent1"/>
+          </a:fillRef>
+          <a:effectRef idx="0">
+            <a:schemeClr val="accent1"/>
+          </a:effectRef>
+          <a:fontRef idx="minor">
+            <a:schemeClr val="lt1"/>
+          </a:fontRef>
+        </p:style>
+        <p:txBody>
+          <a:bodyPr rtlCol="0" anchor="ctr"/>
+          <a:lstStyle/>
+          <a:p>
+            <a:pPr algn="ctr"/>
+            <a:endParaRPr lang="ko-KR" altLang="en-US"/>
+          </a:p>
+        </p:txBody>
+      </p:sp>
+      <p:sp>
+        <p:nvSpPr>
+          <p:cNvPr id="36" name="Rectangle 35">
+            <a:extLst>
+              <a:ext uri="{FF2B5EF4-FFF2-40B4-BE49-F238E27FC236}">
+                <a16:creationId xmlns:a16="http://schemas.microsoft.com/office/drawing/2014/main" id="{35EC19D0-8F56-656F-0436-EEF9ECC0E706}"/>
+              </a:ext>
+            </a:extLst>
+          </p:cNvPr>
+          <p:cNvSpPr/>
+          <p:nvPr/>
+        </p:nvSpPr>
+        <p:spPr>
+          <a:xfrm>
+            <a:off x="10180320" y="3547896"/>
+            <a:ext cx="1760220" cy="258597"/>
+          </a:xfrm>
+          <a:prstGeom prst="rect">
+            <a:avLst/>
+          </a:prstGeom>
+          <a:noFill/>
+          <a:ln w="28575">
+            <a:solidFill>
+              <a:srgbClr val="FF0000"/>
+            </a:solidFill>
+          </a:ln>
+        </p:spPr>
+        <p:style>
+          <a:lnRef idx="2">
+            <a:schemeClr val="accent1">
+              <a:shade val="15000"/>
+            </a:schemeClr>
+          </a:lnRef>
+          <a:fillRef idx="1">
+            <a:schemeClr val="accent1"/>
+          </a:fillRef>
+          <a:effectRef idx="0">
+            <a:schemeClr val="accent1"/>
+          </a:effectRef>
+          <a:fontRef idx="minor">
+            <a:schemeClr val="lt1"/>
+          </a:fontRef>
+        </p:style>
+        <p:txBody>
+          <a:bodyPr rtlCol="0" anchor="ctr"/>
+          <a:lstStyle/>
+          <a:p>
+            <a:pPr algn="ctr"/>
+            <a:endParaRPr lang="ko-KR" altLang="en-US"/>
+          </a:p>
+        </p:txBody>
+      </p:sp>
+      <p:pic>
+        <p:nvPicPr>
+          <p:cNvPr id="3" name="Picture 2">
+            <a:extLst>
+              <a:ext uri="{FF2B5EF4-FFF2-40B4-BE49-F238E27FC236}">
+                <a16:creationId xmlns:a16="http://schemas.microsoft.com/office/drawing/2014/main" id="{D0DD7BFB-CFD8-B066-F78B-6CFAAE2DAB83}"/>
+              </a:ext>
+            </a:extLst>
+          </p:cNvPr>
+          <p:cNvPicPr>
+            <a:picLocks noChangeAspect="1"/>
+          </p:cNvPicPr>
+          <p:nvPr/>
+        </p:nvPicPr>
+        <p:blipFill>
+          <a:blip r:embed="rId4"/>
+          <a:stretch>
+            <a:fillRect/>
+          </a:stretch>
+        </p:blipFill>
+        <p:spPr>
+          <a:xfrm>
+            <a:off x="-28877" y="6568324"/>
+            <a:ext cx="12242199" cy="1393422"/>
+          </a:xfrm>
+          <a:prstGeom prst="rect">
+            <a:avLst/>
+          </a:prstGeom>
+        </p:spPr>
+      </p:pic>
+    </p:spTree>
+    <p:extLst>
+      <p:ext uri="{BB962C8B-B14F-4D97-AF65-F5344CB8AC3E}">
+        <p14:creationId xmlns:p14="http://schemas.microsoft.com/office/powerpoint/2010/main" val="667362588"/>
+      </p:ext>
+    </p:extLst>
+  </p:cSld>
+  <p:clrMapOvr>
+    <a:masterClrMapping/>
+  </p:clrMapOvr>
+</p:sld>
+</file>
+
+<file path=ppt/slides/slide9.xml><?xml version="1.0" encoding="utf-8"?>
+<p:sld xmlns:a="http://schemas.openxmlformats.org/drawingml/2006/main" xmlns:r="http://schemas.openxmlformats.org/officeDocument/2006/relationships" xmlns:p="http://schemas.openxmlformats.org/presentationml/2006/main">
+  <p:cSld>
+    <p:spTree>
+      <p:nvGrpSpPr>
+        <p:cNvPr id="1" name=""/>
+        <p:cNvGrpSpPr/>
+        <p:nvPr/>
+      </p:nvGrpSpPr>
+      <p:grpSpPr>
+        <a:xfrm>
+          <a:off x="0" y="0"/>
+          <a:ext cx="0" cy="0"/>
+          <a:chOff x="0" y="0"/>
+          <a:chExt cx="0" cy="0"/>
+        </a:xfrm>
+      </p:grpSpPr>
+      <p:pic>
+        <p:nvPicPr>
+          <p:cNvPr id="9" name="Picture 8">
+            <a:extLst>
+              <a:ext uri="{FF2B5EF4-FFF2-40B4-BE49-F238E27FC236}">
+                <a16:creationId xmlns:a16="http://schemas.microsoft.com/office/drawing/2014/main" id="{49E019E1-3C41-C30D-68E9-4B1B01EF4B5D}"/>
+              </a:ext>
+            </a:extLst>
+          </p:cNvPr>
+          <p:cNvPicPr>
+            <a:picLocks noChangeAspect="1"/>
+          </p:cNvPicPr>
+          <p:nvPr/>
+        </p:nvPicPr>
+        <p:blipFill>
+          <a:blip r:embed="rId2"/>
+          <a:stretch>
+            <a:fillRect/>
+          </a:stretch>
+        </p:blipFill>
+        <p:spPr>
+          <a:xfrm>
+            <a:off x="261254" y="798940"/>
+            <a:ext cx="3967867" cy="5240833"/>
+          </a:xfrm>
+          <a:prstGeom prst="rect">
+            <a:avLst/>
+          </a:prstGeom>
+          <a:ln w="19050">
+            <a:solidFill>
+              <a:schemeClr val="tx1"/>
+            </a:solidFill>
+          </a:ln>
+        </p:spPr>
+      </p:pic>
+      <p:pic>
+        <p:nvPicPr>
+          <p:cNvPr id="3" name="Picture 2">
+            <a:extLst>
+              <a:ext uri="{FF2B5EF4-FFF2-40B4-BE49-F238E27FC236}">
+                <a16:creationId xmlns:a16="http://schemas.microsoft.com/office/drawing/2014/main" id="{C389AAA1-1FF5-1877-DE7A-36F38C895975}"/>
+              </a:ext>
+            </a:extLst>
+          </p:cNvPr>
+          <p:cNvPicPr>
+            <a:picLocks noChangeAspect="1"/>
+          </p:cNvPicPr>
+          <p:nvPr/>
+        </p:nvPicPr>
+        <p:blipFill>
+          <a:blip r:embed="rId3"/>
+          <a:stretch>
+            <a:fillRect/>
+          </a:stretch>
+        </p:blipFill>
+        <p:spPr>
+          <a:xfrm>
+            <a:off x="4978397" y="798940"/>
+            <a:ext cx="6952344" cy="5240833"/>
+          </a:xfrm>
+          <a:prstGeom prst="rect">
+            <a:avLst/>
+          </a:prstGeom>
+          <a:ln w="19050">
+            <a:solidFill>
+              <a:schemeClr val="tx1"/>
+            </a:solidFill>
+          </a:ln>
+        </p:spPr>
+      </p:pic>
+      <p:cxnSp>
+        <p:nvCxnSpPr>
+          <p:cNvPr id="6" name="Straight Arrow Connector 5">
+            <a:extLst>
+              <a:ext uri="{FF2B5EF4-FFF2-40B4-BE49-F238E27FC236}">
+                <a16:creationId xmlns:a16="http://schemas.microsoft.com/office/drawing/2014/main" id="{AEB94336-0FDC-931C-8F54-948DF7D0D77B}"/>
+              </a:ext>
+            </a:extLst>
+          </p:cNvPr>
+          <p:cNvCxnSpPr>
+            <a:cxnSpLocks/>
+          </p:cNvCxnSpPr>
+          <p:nvPr/>
+        </p:nvCxnSpPr>
+        <p:spPr>
+          <a:xfrm>
+            <a:off x="4393560" y="3419356"/>
+            <a:ext cx="362343" cy="0"/>
+          </a:xfrm>
+          <a:prstGeom prst="straightConnector1">
+            <a:avLst/>
+          </a:prstGeom>
+          <a:ln w="38100">
+            <a:solidFill>
+              <a:schemeClr val="tx1"/>
+            </a:solidFill>
+            <a:tailEnd type="triangle"/>
+          </a:ln>
+        </p:spPr>
+        <p:style>
+          <a:lnRef idx="1">
+            <a:schemeClr val="accent1"/>
+          </a:lnRef>
+          <a:fillRef idx="0">
+            <a:schemeClr val="accent1"/>
+          </a:fillRef>
+          <a:effectRef idx="0">
+            <a:schemeClr val="accent1"/>
+          </a:effectRef>
+          <a:fontRef idx="minor">
+            <a:schemeClr val="tx1"/>
+          </a:fontRef>
+        </p:style>
+      </p:cxnSp>
+      <p:sp>
+        <p:nvSpPr>
+          <p:cNvPr id="8" name="TextBox 7">
+            <a:extLst>
+              <a:ext uri="{FF2B5EF4-FFF2-40B4-BE49-F238E27FC236}">
+                <a16:creationId xmlns:a16="http://schemas.microsoft.com/office/drawing/2014/main" id="{250FF876-EFA4-73A5-B6AC-387691FF2984}"/>
+              </a:ext>
+            </a:extLst>
+          </p:cNvPr>
+          <p:cNvSpPr txBox="1"/>
+          <p:nvPr/>
+        </p:nvSpPr>
+        <p:spPr>
+          <a:xfrm>
+            <a:off x="1186553" y="5019148"/>
+            <a:ext cx="543739" cy="523220"/>
+          </a:xfrm>
+          <a:prstGeom prst="rect">
+            <a:avLst/>
+          </a:prstGeom>
+          <a:noFill/>
+        </p:spPr>
+        <p:txBody>
+          <a:bodyPr wrap="none" rtlCol="0">
+            <a:spAutoFit/>
+          </a:bodyPr>
+          <a:lstStyle/>
+          <a:p>
+            <a:r>
+              <a:rPr lang="ko-KR" altLang="en-US" sz="2800" b="1" dirty="0">
+                <a:solidFill>
+                  <a:srgbClr val="FF0000"/>
+                </a:solidFill>
+                <a:latin typeface="Roboto" panose="02000000000000000000" pitchFamily="2" charset="0"/>
+              </a:rPr>
+              <a:t>①</a:t>
+            </a:r>
+          </a:p>
+        </p:txBody>
+      </p:sp>
+      <p:sp>
+        <p:nvSpPr>
+          <p:cNvPr id="10" name="Rectangle 9">
+            <a:extLst>
+              <a:ext uri="{FF2B5EF4-FFF2-40B4-BE49-F238E27FC236}">
+                <a16:creationId xmlns:a16="http://schemas.microsoft.com/office/drawing/2014/main" id="{9F77FEB4-26CB-E764-AE2E-335C299415E6}"/>
+              </a:ext>
+            </a:extLst>
+          </p:cNvPr>
+          <p:cNvSpPr/>
+          <p:nvPr/>
+        </p:nvSpPr>
+        <p:spPr>
+          <a:xfrm>
+            <a:off x="5081956" y="1160532"/>
+            <a:ext cx="3061694" cy="334439"/>
+          </a:xfrm>
+          <a:prstGeom prst="rect">
+            <a:avLst/>
+          </a:prstGeom>
+          <a:noFill/>
+          <a:ln w="28575">
+            <a:solidFill>
+              <a:srgbClr val="FF0000"/>
+            </a:solidFill>
+          </a:ln>
+        </p:spPr>
+        <p:style>
+          <a:lnRef idx="2">
+            <a:schemeClr val="accent1">
+              <a:shade val="15000"/>
+            </a:schemeClr>
+          </a:lnRef>
+          <a:fillRef idx="1">
+            <a:schemeClr val="accent1"/>
+          </a:fillRef>
+          <a:effectRef idx="0">
+            <a:schemeClr val="accent1"/>
+          </a:effectRef>
+          <a:fontRef idx="minor">
+            <a:schemeClr val="lt1"/>
+          </a:fontRef>
+        </p:style>
+        <p:txBody>
+          <a:bodyPr rtlCol="0" anchor="ctr"/>
+          <a:lstStyle/>
+          <a:p>
+            <a:pPr algn="ctr"/>
+            <a:endParaRPr lang="ko-KR" altLang="en-US"/>
+          </a:p>
+        </p:txBody>
+      </p:sp>
+      <p:sp>
+        <p:nvSpPr>
+          <p:cNvPr id="12" name="Rectangle 11">
+            <a:extLst>
+              <a:ext uri="{FF2B5EF4-FFF2-40B4-BE49-F238E27FC236}">
+                <a16:creationId xmlns:a16="http://schemas.microsoft.com/office/drawing/2014/main" id="{F8850A68-D418-8904-D928-9C378BC24DE1}"/>
+              </a:ext>
+            </a:extLst>
+          </p:cNvPr>
+          <p:cNvSpPr/>
+          <p:nvPr/>
+        </p:nvSpPr>
+        <p:spPr>
+          <a:xfrm>
+            <a:off x="5081956" y="2611961"/>
+            <a:ext cx="3061694" cy="334439"/>
+          </a:xfrm>
+          <a:prstGeom prst="rect">
+            <a:avLst/>
+          </a:prstGeom>
+          <a:noFill/>
+          <a:ln w="28575">
+            <a:solidFill>
+              <a:srgbClr val="FF0000"/>
+            </a:solidFill>
+          </a:ln>
+        </p:spPr>
+        <p:style>
+          <a:lnRef idx="2">
+            <a:schemeClr val="accent1">
+              <a:shade val="15000"/>
+            </a:schemeClr>
+          </a:lnRef>
+          <a:fillRef idx="1">
+            <a:schemeClr val="accent1"/>
+          </a:fillRef>
+          <a:effectRef idx="0">
+            <a:schemeClr val="accent1"/>
+          </a:effectRef>
+          <a:fontRef idx="minor">
+            <a:schemeClr val="lt1"/>
+          </a:fontRef>
+        </p:style>
+        <p:txBody>
+          <a:bodyPr rtlCol="0" anchor="ctr"/>
+          <a:lstStyle/>
+          <a:p>
+            <a:pPr algn="ctr"/>
+            <a:endParaRPr lang="ko-KR" altLang="en-US"/>
+          </a:p>
+        </p:txBody>
+      </p:sp>
+      <p:sp>
+        <p:nvSpPr>
+          <p:cNvPr id="13" name="TextBox 12">
+            <a:extLst>
+              <a:ext uri="{FF2B5EF4-FFF2-40B4-BE49-F238E27FC236}">
+                <a16:creationId xmlns:a16="http://schemas.microsoft.com/office/drawing/2014/main" id="{F75F4174-D850-06E6-023F-9A3D0E5E28A7}"/>
+              </a:ext>
+            </a:extLst>
+          </p:cNvPr>
+          <p:cNvSpPr txBox="1"/>
+          <p:nvPr/>
+        </p:nvSpPr>
+        <p:spPr>
+          <a:xfrm>
+            <a:off x="4434658" y="1066141"/>
+            <a:ext cx="543739" cy="523220"/>
+          </a:xfrm>
+          <a:prstGeom prst="rect">
+            <a:avLst/>
+          </a:prstGeom>
+          <a:noFill/>
+        </p:spPr>
+        <p:txBody>
+          <a:bodyPr wrap="none" rtlCol="0">
+            <a:spAutoFit/>
+          </a:bodyPr>
+          <a:lstStyle/>
+          <a:p>
+            <a:r>
+              <a:rPr lang="ko-KR" altLang="en-US" sz="2800" b="1" dirty="0">
+                <a:solidFill>
+                  <a:srgbClr val="FF0000"/>
+                </a:solidFill>
+                <a:latin typeface="Roboto" panose="02000000000000000000" pitchFamily="2" charset="0"/>
+              </a:rPr>
+              <a:t>②</a:t>
+            </a:r>
+          </a:p>
+        </p:txBody>
+      </p:sp>
+      <p:sp>
+        <p:nvSpPr>
+          <p:cNvPr id="14" name="TextBox 13">
+            <a:extLst>
+              <a:ext uri="{FF2B5EF4-FFF2-40B4-BE49-F238E27FC236}">
+                <a16:creationId xmlns:a16="http://schemas.microsoft.com/office/drawing/2014/main" id="{C069E96E-0C12-7958-4F7D-00A2D0F039D2}"/>
+              </a:ext>
+            </a:extLst>
+          </p:cNvPr>
+          <p:cNvSpPr txBox="1"/>
+          <p:nvPr/>
+        </p:nvSpPr>
+        <p:spPr>
+          <a:xfrm>
+            <a:off x="10608399" y="5019148"/>
+            <a:ext cx="543739" cy="523220"/>
+          </a:xfrm>
+          <a:prstGeom prst="rect">
+            <a:avLst/>
+          </a:prstGeom>
+          <a:noFill/>
+        </p:spPr>
+        <p:txBody>
+          <a:bodyPr wrap="none" rtlCol="0">
+            <a:spAutoFit/>
+          </a:bodyPr>
+          <a:lstStyle/>
+          <a:p>
+            <a:r>
+              <a:rPr lang="ko-KR" altLang="en-US" sz="2800" b="1" dirty="0">
+                <a:solidFill>
+                  <a:srgbClr val="FF0000"/>
+                </a:solidFill>
+                <a:latin typeface="Roboto" panose="02000000000000000000" pitchFamily="2" charset="0"/>
+              </a:rPr>
+              <a:t>③</a:t>
+            </a:r>
+          </a:p>
+        </p:txBody>
+      </p:sp>
+    </p:spTree>
+    <p:extLst>
+      <p:ext uri="{BB962C8B-B14F-4D97-AF65-F5344CB8AC3E}">
+        <p14:creationId xmlns:p14="http://schemas.microsoft.com/office/powerpoint/2010/main" val="1617035417"/>
       </p:ext>
     </p:extLst>
   </p:cSld>
